--- a/Slides-RPR/2019-H1-DAA-L28-Greedy-Algo-Heapsort.pptx
+++ b/Slides-RPR/2019-H1-DAA-L28-Greedy-Algo-Heapsort.pptx
@@ -25,6 +25,7 @@
     <p:sldId id="270" r:id="rId22"/>
     <p:sldId id="271" r:id="rId23"/>
     <p:sldId id="272" r:id="rId24"/>
+    <p:sldId id="273" r:id="rId25"/>
   </p:sldIdLst>
   <p:sldSz cx="10160000" cy="7620000"/>
   <p:notesSz cx="6858000" cy="9144000"/>
@@ -2513,8 +2514,8 @@
         </p:nvSpPr>
         <p:spPr>
           <a:xfrm>
-            <a:off x="666288" y="938113"/>
-            <a:ext cx="9055611" cy="1234922"/>
+            <a:off x="552194" y="952400"/>
+            <a:ext cx="9055612" cy="1234922"/>
           </a:xfrm>
           <a:prstGeom prst="rect">
             <a:avLst/>
@@ -2526,8 +2527,23 @@
           <a:p>
             <a:pPr/>
             <a:r>
-              <a:t>Consider the data: 2,9,1,6,5,7</a:t>
-            </a:r>
+              <a:t>Consider the data: </a:t>
+            </a:r>
+            <a:r>
+              <a:rPr>
+                <a:latin typeface="Courier New"/>
+                <a:ea typeface="Courier New"/>
+                <a:cs typeface="Courier New"/>
+                <a:sym typeface="Courier New"/>
+              </a:rPr>
+              <a:t>2,9,1,6,5,7</a:t>
+            </a:r>
+            <a:endParaRPr>
+              <a:latin typeface="Courier New"/>
+              <a:ea typeface="Courier New"/>
+              <a:cs typeface="Courier New"/>
+              <a:sym typeface="Courier New"/>
+            </a:endParaRPr>
           </a:p>
           <a:p>
             <a:pPr/>
@@ -3198,7 +3214,7 @@
         <p:spPr>
           <a:xfrm>
             <a:off x="3715807" y="1962032"/>
-            <a:ext cx="5569802" cy="2064397"/>
+            <a:ext cx="5878533" cy="2155635"/>
           </a:xfrm>
           <a:prstGeom prst="rect">
             <a:avLst/>
@@ -3263,7 +3279,7 @@
                 <a:cs typeface="Courier New"/>
                 <a:sym typeface="Courier New"/>
               </a:rPr>
-              <a:t>6/2⌋</a:t>
+              <a:t>6/2⌋=3</a:t>
             </a:r>
             <a:r>
               <a:rPr>
@@ -3302,7 +3318,16 @@
               </a:defRPr>
             </a:pPr>
             <a:r>
-              <a:t>Smaller than child node 7</a:t>
+              <a:t>Smaller than child node 7 at pos </a:t>
+            </a:r>
+            <a:r>
+              <a:rPr>
+                <a:latin typeface="Courier New"/>
+                <a:ea typeface="Courier New"/>
+                <a:cs typeface="Courier New"/>
+                <a:sym typeface="Courier New"/>
+              </a:rPr>
+              <a:t>6</a:t>
             </a:r>
           </a:p>
           <a:p>
@@ -3357,7 +3382,7 @@
         </p:nvSpPr>
         <p:spPr>
           <a:xfrm>
-            <a:off x="5228595" y="4283080"/>
+            <a:off x="7290527" y="4350158"/>
             <a:ext cx="576931" cy="574356"/>
           </a:xfrm>
           <a:prstGeom prst="ellipse">
@@ -3402,7 +3427,7 @@
         </p:nvGrpSpPr>
         <p:grpSpPr>
           <a:xfrm>
-            <a:off x="4673827" y="4793513"/>
+            <a:off x="6735759" y="4860591"/>
             <a:ext cx="709953" cy="872691"/>
             <a:chOff x="0" y="0"/>
             <a:chExt cx="709951" cy="872689"/>
@@ -3502,8 +3527,8 @@
         </p:nvGrpSpPr>
         <p:grpSpPr>
           <a:xfrm>
-            <a:off x="4174973" y="5640380"/>
-            <a:ext cx="669333" cy="957019"/>
+            <a:off x="6236904" y="5707459"/>
+            <a:ext cx="669333" cy="957018"/>
             <a:chOff x="0" y="0"/>
             <a:chExt cx="669331" cy="957017"/>
           </a:xfrm>
@@ -3602,8 +3627,8 @@
         </p:nvSpPr>
         <p:spPr>
           <a:xfrm>
-            <a:off x="6014706" y="6023042"/>
-            <a:ext cx="576932" cy="574357"/>
+            <a:off x="8076638" y="6090120"/>
+            <a:ext cx="576931" cy="574357"/>
           </a:xfrm>
           <a:prstGeom prst="ellipse">
             <a:avLst/>
@@ -3647,7 +3672,7 @@
         </p:nvGrpSpPr>
         <p:grpSpPr>
           <a:xfrm>
-            <a:off x="5136434" y="5637731"/>
+            <a:off x="7198365" y="5704809"/>
             <a:ext cx="669092" cy="959668"/>
             <a:chOff x="0" y="0"/>
             <a:chExt cx="669091" cy="959666"/>
@@ -3747,7 +3772,7 @@
         </p:nvSpPr>
         <p:spPr>
           <a:xfrm flipV="1">
-            <a:off x="6303171" y="5759313"/>
+            <a:off x="8365103" y="5826391"/>
             <a:ext cx="246438" cy="246438"/>
           </a:xfrm>
           <a:prstGeom prst="line">
@@ -3775,8 +3800,8 @@
         </p:nvSpPr>
         <p:spPr>
           <a:xfrm>
-            <a:off x="6343141" y="5208246"/>
-            <a:ext cx="576932" cy="574357"/>
+            <a:off x="8405073" y="5275324"/>
+            <a:ext cx="576931" cy="574357"/>
           </a:xfrm>
           <a:prstGeom prst="ellipse">
             <a:avLst/>
@@ -3820,7 +3845,7 @@
         </p:nvSpPr>
         <p:spPr>
           <a:xfrm flipH="1" flipV="1">
-            <a:off x="5766579" y="4720503"/>
+            <a:off x="7828511" y="4787581"/>
             <a:ext cx="683005" cy="559684"/>
           </a:xfrm>
           <a:prstGeom prst="line">
@@ -3848,8 +3873,8 @@
         </p:nvSpPr>
         <p:spPr>
           <a:xfrm>
-            <a:off x="6343141" y="5208246"/>
-            <a:ext cx="576932" cy="574357"/>
+            <a:off x="8405073" y="5275324"/>
+            <a:ext cx="576931" cy="574357"/>
           </a:xfrm>
           <a:prstGeom prst="ellipse">
             <a:avLst/>
@@ -3893,8 +3918,8 @@
         </p:nvSpPr>
         <p:spPr>
           <a:xfrm>
-            <a:off x="6014706" y="6023042"/>
-            <a:ext cx="576932" cy="574357"/>
+            <a:off x="8076638" y="6090120"/>
+            <a:ext cx="576931" cy="574357"/>
           </a:xfrm>
           <a:prstGeom prst="ellipse">
             <a:avLst/>
@@ -3930,6 +3955,792 @@
           </a:p>
         </p:txBody>
       </p:sp>
+      <p:graphicFrame>
+        <p:nvGraphicFramePr>
+          <p:cNvPr id="190" name="Table"/>
+          <p:cNvGraphicFramePr/>
+          <p:nvPr/>
+        </p:nvGraphicFramePr>
+        <p:xfrm>
+          <a:off x="506032" y="5081160"/>
+          <a:ext cx="5704664" cy="460128"/>
+        </p:xfrm>
+        <a:graphic xmlns:a="http://schemas.openxmlformats.org/drawingml/2006/main">
+          <a:graphicData uri="http://schemas.openxmlformats.org/drawingml/2006/table">
+            <a:tbl>
+              <a:tblPr firstCol="0" firstRow="0" lastCol="0" lastRow="0" bandCol="0" bandRow="0" rtl="0">
+                <a:tableStyleId>{8F44A2F1-9E1F-4B54-A3A2-5F16C0AD49E2}</a:tableStyleId>
+              </a:tblPr>
+              <a:tblGrid>
+                <a:gridCol w="810869"/>
+                <a:gridCol w="810869"/>
+                <a:gridCol w="810869"/>
+                <a:gridCol w="810869"/>
+                <a:gridCol w="810869"/>
+                <a:gridCol w="810869"/>
+                <a:gridCol w="810869"/>
+              </a:tblGrid>
+              <a:tr h="431551">
+                <a:tc>
+                  <a:txBody>
+                    <a:bodyPr/>
+                    <a:lstStyle/>
+                    <a:p>
+                      <a:pPr marR="40639" defTabSz="914400">
+                        <a:lnSpc>
+                          <a:spcPct val="90000"/>
+                        </a:lnSpc>
+                        <a:spcBef>
+                          <a:spcPts val="700"/>
+                        </a:spcBef>
+                        <a:tabLst>
+                          <a:tab pos="914400" algn="l"/>
+                        </a:tabLst>
+                        <a:defRPr sz="1800">
+                          <a:uFillTx/>
+                        </a:defRPr>
+                      </a:pPr>
+                      <a:r>
+                        <a:rPr sz="2800">
+                          <a:uFill>
+                            <a:solidFill>
+                              <a:srgbClr val="000000"/>
+                            </a:solidFill>
+                          </a:uFill>
+                          <a:latin typeface="Arial"/>
+                          <a:ea typeface="Arial"/>
+                          <a:cs typeface="Arial"/>
+                          <a:sym typeface="Arial"/>
+                        </a:rPr>
+                        <a:t>-</a:t>
+                      </a:r>
+                    </a:p>
+                  </a:txBody>
+                  <a:tcPr marL="50800" marR="50800" marT="50800" marB="50800" anchor="t" anchorCtr="0" horzOverflow="overflow">
+                    <a:lnL w="28575">
+                      <a:solidFill>
+                        <a:srgbClr val="000000"/>
+                      </a:solidFill>
+                      <a:miter lim="400000"/>
+                    </a:lnL>
+                    <a:lnT w="28575">
+                      <a:solidFill>
+                        <a:srgbClr val="000000"/>
+                      </a:solidFill>
+                      <a:miter lim="400000"/>
+                    </a:lnT>
+                    <a:lnB w="28575">
+                      <a:solidFill>
+                        <a:srgbClr val="000000"/>
+                      </a:solidFill>
+                      <a:miter lim="400000"/>
+                    </a:lnB>
+                  </a:tcPr>
+                </a:tc>
+                <a:tc>
+                  <a:txBody>
+                    <a:bodyPr/>
+                    <a:lstStyle/>
+                    <a:p>
+                      <a:pPr marR="40639" defTabSz="914400">
+                        <a:lnSpc>
+                          <a:spcPct val="90000"/>
+                        </a:lnSpc>
+                        <a:spcBef>
+                          <a:spcPts val="700"/>
+                        </a:spcBef>
+                        <a:tabLst>
+                          <a:tab pos="914400" algn="l"/>
+                        </a:tabLst>
+                        <a:defRPr sz="1800">
+                          <a:uFillTx/>
+                        </a:defRPr>
+                      </a:pPr>
+                      <a:r>
+                        <a:rPr sz="2800">
+                          <a:uFill>
+                            <a:solidFill>
+                              <a:srgbClr val="000000"/>
+                            </a:solidFill>
+                          </a:uFill>
+                          <a:latin typeface="Arial"/>
+                          <a:ea typeface="Arial"/>
+                          <a:cs typeface="Arial"/>
+                          <a:sym typeface="Arial"/>
+                        </a:rPr>
+                        <a:t>2</a:t>
+                      </a:r>
+                    </a:p>
+                  </a:txBody>
+                  <a:tcPr marL="50800" marR="50800" marT="50800" marB="50800" anchor="t" anchorCtr="0" horzOverflow="overflow">
+                    <a:lnT w="28575">
+                      <a:solidFill>
+                        <a:srgbClr val="000000"/>
+                      </a:solidFill>
+                      <a:miter lim="400000"/>
+                    </a:lnT>
+                    <a:lnB w="28575">
+                      <a:solidFill>
+                        <a:srgbClr val="000000"/>
+                      </a:solidFill>
+                      <a:miter lim="400000"/>
+                    </a:lnB>
+                  </a:tcPr>
+                </a:tc>
+                <a:tc>
+                  <a:txBody>
+                    <a:bodyPr/>
+                    <a:lstStyle/>
+                    <a:p>
+                      <a:pPr marR="40639" defTabSz="914400">
+                        <a:lnSpc>
+                          <a:spcPct val="90000"/>
+                        </a:lnSpc>
+                        <a:spcBef>
+                          <a:spcPts val="700"/>
+                        </a:spcBef>
+                        <a:tabLst>
+                          <a:tab pos="914400" algn="l"/>
+                        </a:tabLst>
+                        <a:defRPr sz="1800">
+                          <a:uFillTx/>
+                        </a:defRPr>
+                      </a:pPr>
+                      <a:r>
+                        <a:rPr sz="2800">
+                          <a:uFill>
+                            <a:solidFill>
+                              <a:srgbClr val="000000"/>
+                            </a:solidFill>
+                          </a:uFill>
+                          <a:latin typeface="Arial"/>
+                          <a:ea typeface="Arial"/>
+                          <a:cs typeface="Arial"/>
+                          <a:sym typeface="Arial"/>
+                        </a:rPr>
+                        <a:t>9</a:t>
+                      </a:r>
+                    </a:p>
+                  </a:txBody>
+                  <a:tcPr marL="50800" marR="50800" marT="50800" marB="50800" anchor="t" anchorCtr="0" horzOverflow="overflow">
+                    <a:lnT w="28575">
+                      <a:solidFill>
+                        <a:srgbClr val="000000"/>
+                      </a:solidFill>
+                      <a:miter lim="400000"/>
+                    </a:lnT>
+                    <a:lnB w="28575">
+                      <a:solidFill>
+                        <a:srgbClr val="000000"/>
+                      </a:solidFill>
+                      <a:miter lim="400000"/>
+                    </a:lnB>
+                  </a:tcPr>
+                </a:tc>
+                <a:tc>
+                  <a:txBody>
+                    <a:bodyPr/>
+                    <a:lstStyle/>
+                    <a:p>
+                      <a:pPr marR="40639" defTabSz="914400">
+                        <a:lnSpc>
+                          <a:spcPct val="90000"/>
+                        </a:lnSpc>
+                        <a:spcBef>
+                          <a:spcPts val="700"/>
+                        </a:spcBef>
+                        <a:tabLst>
+                          <a:tab pos="914400" algn="l"/>
+                        </a:tabLst>
+                        <a:defRPr sz="1800">
+                          <a:uFillTx/>
+                        </a:defRPr>
+                      </a:pPr>
+                      <a:r>
+                        <a:rPr sz="2800">
+                          <a:uFill>
+                            <a:solidFill>
+                              <a:srgbClr val="000000"/>
+                            </a:solidFill>
+                          </a:uFill>
+                          <a:latin typeface="Arial"/>
+                          <a:ea typeface="Arial"/>
+                          <a:cs typeface="Arial"/>
+                          <a:sym typeface="Arial"/>
+                        </a:rPr>
+                        <a:t>1</a:t>
+                      </a:r>
+                    </a:p>
+                  </a:txBody>
+                  <a:tcPr marL="50800" marR="50800" marT="50800" marB="50800" anchor="t" anchorCtr="0" horzOverflow="overflow">
+                    <a:lnT w="28575">
+                      <a:solidFill>
+                        <a:srgbClr val="000000"/>
+                      </a:solidFill>
+                      <a:miter lim="400000"/>
+                    </a:lnT>
+                    <a:lnB w="28575">
+                      <a:solidFill>
+                        <a:srgbClr val="000000"/>
+                      </a:solidFill>
+                      <a:miter lim="400000"/>
+                    </a:lnB>
+                  </a:tcPr>
+                </a:tc>
+                <a:tc>
+                  <a:txBody>
+                    <a:bodyPr/>
+                    <a:lstStyle/>
+                    <a:p>
+                      <a:pPr marR="40639" defTabSz="914400">
+                        <a:lnSpc>
+                          <a:spcPct val="90000"/>
+                        </a:lnSpc>
+                        <a:spcBef>
+                          <a:spcPts val="700"/>
+                        </a:spcBef>
+                        <a:tabLst>
+                          <a:tab pos="914400" algn="l"/>
+                        </a:tabLst>
+                        <a:defRPr sz="1800">
+                          <a:uFillTx/>
+                        </a:defRPr>
+                      </a:pPr>
+                      <a:r>
+                        <a:rPr sz="2800">
+                          <a:uFill>
+                            <a:solidFill>
+                              <a:srgbClr val="000000"/>
+                            </a:solidFill>
+                          </a:uFill>
+                          <a:latin typeface="Arial"/>
+                          <a:ea typeface="Arial"/>
+                          <a:cs typeface="Arial"/>
+                          <a:sym typeface="Arial"/>
+                        </a:rPr>
+                        <a:t>6</a:t>
+                      </a:r>
+                    </a:p>
+                  </a:txBody>
+                  <a:tcPr marL="50800" marR="50800" marT="50800" marB="50800" anchor="t" anchorCtr="0" horzOverflow="overflow">
+                    <a:lnT w="28575">
+                      <a:solidFill>
+                        <a:srgbClr val="000000"/>
+                      </a:solidFill>
+                      <a:miter lim="400000"/>
+                    </a:lnT>
+                    <a:lnB w="28575">
+                      <a:solidFill>
+                        <a:srgbClr val="000000"/>
+                      </a:solidFill>
+                      <a:miter lim="400000"/>
+                    </a:lnB>
+                  </a:tcPr>
+                </a:tc>
+                <a:tc>
+                  <a:txBody>
+                    <a:bodyPr/>
+                    <a:lstStyle/>
+                    <a:p>
+                      <a:pPr marR="40639" defTabSz="914400">
+                        <a:lnSpc>
+                          <a:spcPct val="90000"/>
+                        </a:lnSpc>
+                        <a:spcBef>
+                          <a:spcPts val="700"/>
+                        </a:spcBef>
+                        <a:tabLst>
+                          <a:tab pos="914400" algn="l"/>
+                        </a:tabLst>
+                        <a:defRPr sz="1800">
+                          <a:uFillTx/>
+                        </a:defRPr>
+                      </a:pPr>
+                      <a:r>
+                        <a:rPr sz="2800">
+                          <a:uFill>
+                            <a:solidFill>
+                              <a:srgbClr val="000000"/>
+                            </a:solidFill>
+                          </a:uFill>
+                          <a:latin typeface="Arial"/>
+                          <a:ea typeface="Arial"/>
+                          <a:cs typeface="Arial"/>
+                          <a:sym typeface="Arial"/>
+                        </a:rPr>
+                        <a:t>5</a:t>
+                      </a:r>
+                    </a:p>
+                  </a:txBody>
+                  <a:tcPr marL="50800" marR="50800" marT="50800" marB="50800" anchor="t" anchorCtr="0" horzOverflow="overflow">
+                    <a:lnT w="28575">
+                      <a:solidFill>
+                        <a:srgbClr val="000000"/>
+                      </a:solidFill>
+                      <a:miter lim="400000"/>
+                    </a:lnT>
+                    <a:lnB w="28575">
+                      <a:solidFill>
+                        <a:srgbClr val="000000"/>
+                      </a:solidFill>
+                      <a:miter lim="400000"/>
+                    </a:lnB>
+                  </a:tcPr>
+                </a:tc>
+                <a:tc>
+                  <a:txBody>
+                    <a:bodyPr/>
+                    <a:lstStyle/>
+                    <a:p>
+                      <a:pPr marR="40639" defTabSz="914400">
+                        <a:lnSpc>
+                          <a:spcPct val="90000"/>
+                        </a:lnSpc>
+                        <a:spcBef>
+                          <a:spcPts val="700"/>
+                        </a:spcBef>
+                        <a:tabLst>
+                          <a:tab pos="914400" algn="l"/>
+                        </a:tabLst>
+                        <a:defRPr sz="1800">
+                          <a:uFillTx/>
+                        </a:defRPr>
+                      </a:pPr>
+                      <a:r>
+                        <a:rPr sz="2800">
+                          <a:uFill>
+                            <a:solidFill>
+                              <a:srgbClr val="000000"/>
+                            </a:solidFill>
+                          </a:uFill>
+                          <a:latin typeface="Arial"/>
+                          <a:ea typeface="Arial"/>
+                          <a:cs typeface="Arial"/>
+                          <a:sym typeface="Arial"/>
+                        </a:rPr>
+                        <a:t>7</a:t>
+                      </a:r>
+                    </a:p>
+                  </a:txBody>
+                  <a:tcPr marL="50800" marR="50800" marT="50800" marB="50800" anchor="t" anchorCtr="0" horzOverflow="overflow">
+                    <a:lnR w="28575">
+                      <a:solidFill>
+                        <a:srgbClr val="000000"/>
+                      </a:solidFill>
+                      <a:miter lim="400000"/>
+                    </a:lnR>
+                    <a:lnT w="28575">
+                      <a:solidFill>
+                        <a:srgbClr val="000000"/>
+                      </a:solidFill>
+                      <a:miter lim="400000"/>
+                    </a:lnT>
+                    <a:lnB w="28575">
+                      <a:solidFill>
+                        <a:srgbClr val="000000"/>
+                      </a:solidFill>
+                      <a:miter lim="400000"/>
+                    </a:lnB>
+                  </a:tcPr>
+                </a:tc>
+              </a:tr>
+            </a:tbl>
+          </a:graphicData>
+        </a:graphic>
+      </p:graphicFrame>
+      <p:graphicFrame>
+        <p:nvGraphicFramePr>
+          <p:cNvPr id="191" name="Table"/>
+          <p:cNvGraphicFramePr/>
+          <p:nvPr/>
+        </p:nvGraphicFramePr>
+        <p:xfrm>
+          <a:off x="506032" y="5917031"/>
+          <a:ext cx="5704664" cy="460128"/>
+        </p:xfrm>
+        <a:graphic xmlns:a="http://schemas.openxmlformats.org/drawingml/2006/main">
+          <a:graphicData uri="http://schemas.openxmlformats.org/drawingml/2006/table">
+            <a:tbl>
+              <a:tblPr firstCol="0" firstRow="0" lastCol="0" lastRow="0" bandCol="0" bandRow="0" rtl="0">
+                <a:tableStyleId>{8F44A2F1-9E1F-4B54-A3A2-5F16C0AD49E2}</a:tableStyleId>
+              </a:tblPr>
+              <a:tblGrid>
+                <a:gridCol w="810869"/>
+                <a:gridCol w="810869"/>
+                <a:gridCol w="810869"/>
+                <a:gridCol w="810869"/>
+                <a:gridCol w="810869"/>
+                <a:gridCol w="810869"/>
+                <a:gridCol w="810869"/>
+              </a:tblGrid>
+              <a:tr h="431551">
+                <a:tc>
+                  <a:txBody>
+                    <a:bodyPr/>
+                    <a:lstStyle/>
+                    <a:p>
+                      <a:pPr marR="40639" defTabSz="914400">
+                        <a:lnSpc>
+                          <a:spcPct val="90000"/>
+                        </a:lnSpc>
+                        <a:spcBef>
+                          <a:spcPts val="700"/>
+                        </a:spcBef>
+                        <a:tabLst>
+                          <a:tab pos="914400" algn="l"/>
+                        </a:tabLst>
+                        <a:defRPr sz="1800">
+                          <a:uFillTx/>
+                        </a:defRPr>
+                      </a:pPr>
+                      <a:r>
+                        <a:rPr sz="2800">
+                          <a:uFill>
+                            <a:solidFill>
+                              <a:srgbClr val="000000"/>
+                            </a:solidFill>
+                          </a:uFill>
+                          <a:latin typeface="Arial"/>
+                          <a:ea typeface="Arial"/>
+                          <a:cs typeface="Arial"/>
+                          <a:sym typeface="Arial"/>
+                        </a:rPr>
+                        <a:t>-</a:t>
+                      </a:r>
+                    </a:p>
+                  </a:txBody>
+                  <a:tcPr marL="50800" marR="50800" marT="50800" marB="50800" anchor="t" anchorCtr="0" horzOverflow="overflow">
+                    <a:lnL w="28575">
+                      <a:solidFill>
+                        <a:srgbClr val="000000"/>
+                      </a:solidFill>
+                      <a:miter lim="400000"/>
+                    </a:lnL>
+                    <a:lnT w="28575">
+                      <a:solidFill>
+                        <a:srgbClr val="000000"/>
+                      </a:solidFill>
+                      <a:miter lim="400000"/>
+                    </a:lnT>
+                    <a:lnB w="28575">
+                      <a:solidFill>
+                        <a:srgbClr val="000000"/>
+                      </a:solidFill>
+                      <a:miter lim="400000"/>
+                    </a:lnB>
+                  </a:tcPr>
+                </a:tc>
+                <a:tc>
+                  <a:txBody>
+                    <a:bodyPr/>
+                    <a:lstStyle/>
+                    <a:p>
+                      <a:pPr marR="40639" defTabSz="914400">
+                        <a:lnSpc>
+                          <a:spcPct val="90000"/>
+                        </a:lnSpc>
+                        <a:spcBef>
+                          <a:spcPts val="700"/>
+                        </a:spcBef>
+                        <a:tabLst>
+                          <a:tab pos="914400" algn="l"/>
+                        </a:tabLst>
+                        <a:defRPr sz="1800">
+                          <a:uFillTx/>
+                        </a:defRPr>
+                      </a:pPr>
+                      <a:r>
+                        <a:rPr sz="2800">
+                          <a:uFill>
+                            <a:solidFill>
+                              <a:srgbClr val="000000"/>
+                            </a:solidFill>
+                          </a:uFill>
+                          <a:latin typeface="Arial"/>
+                          <a:ea typeface="Arial"/>
+                          <a:cs typeface="Arial"/>
+                          <a:sym typeface="Arial"/>
+                        </a:rPr>
+                        <a:t>2</a:t>
+                      </a:r>
+                    </a:p>
+                  </a:txBody>
+                  <a:tcPr marL="50800" marR="50800" marT="50800" marB="50800" anchor="t" anchorCtr="0" horzOverflow="overflow">
+                    <a:lnT w="28575">
+                      <a:solidFill>
+                        <a:srgbClr val="000000"/>
+                      </a:solidFill>
+                      <a:miter lim="400000"/>
+                    </a:lnT>
+                    <a:lnB w="28575">
+                      <a:solidFill>
+                        <a:srgbClr val="000000"/>
+                      </a:solidFill>
+                      <a:miter lim="400000"/>
+                    </a:lnB>
+                  </a:tcPr>
+                </a:tc>
+                <a:tc>
+                  <a:txBody>
+                    <a:bodyPr/>
+                    <a:lstStyle/>
+                    <a:p>
+                      <a:pPr marR="40639" defTabSz="914400">
+                        <a:lnSpc>
+                          <a:spcPct val="90000"/>
+                        </a:lnSpc>
+                        <a:spcBef>
+                          <a:spcPts val="700"/>
+                        </a:spcBef>
+                        <a:tabLst>
+                          <a:tab pos="914400" algn="l"/>
+                        </a:tabLst>
+                        <a:defRPr sz="1800">
+                          <a:uFillTx/>
+                        </a:defRPr>
+                      </a:pPr>
+                      <a:r>
+                        <a:rPr sz="2800">
+                          <a:uFill>
+                            <a:solidFill>
+                              <a:srgbClr val="000000"/>
+                            </a:solidFill>
+                          </a:uFill>
+                          <a:latin typeface="Arial"/>
+                          <a:ea typeface="Arial"/>
+                          <a:cs typeface="Arial"/>
+                          <a:sym typeface="Arial"/>
+                        </a:rPr>
+                        <a:t>9</a:t>
+                      </a:r>
+                    </a:p>
+                  </a:txBody>
+                  <a:tcPr marL="50800" marR="50800" marT="50800" marB="50800" anchor="t" anchorCtr="0" horzOverflow="overflow">
+                    <a:lnT w="28575">
+                      <a:solidFill>
+                        <a:srgbClr val="000000"/>
+                      </a:solidFill>
+                      <a:miter lim="400000"/>
+                    </a:lnT>
+                    <a:lnB w="28575">
+                      <a:solidFill>
+                        <a:srgbClr val="000000"/>
+                      </a:solidFill>
+                      <a:miter lim="400000"/>
+                    </a:lnB>
+                  </a:tcPr>
+                </a:tc>
+                <a:tc>
+                  <a:txBody>
+                    <a:bodyPr/>
+                    <a:lstStyle/>
+                    <a:p>
+                      <a:pPr marR="40639" defTabSz="914400">
+                        <a:lnSpc>
+                          <a:spcPct val="90000"/>
+                        </a:lnSpc>
+                        <a:spcBef>
+                          <a:spcPts val="700"/>
+                        </a:spcBef>
+                        <a:tabLst>
+                          <a:tab pos="914400" algn="l"/>
+                        </a:tabLst>
+                        <a:defRPr sz="1800">
+                          <a:uFillTx/>
+                        </a:defRPr>
+                      </a:pPr>
+                      <a:r>
+                        <a:rPr sz="2800">
+                          <a:uFill>
+                            <a:solidFill>
+                              <a:srgbClr val="000000"/>
+                            </a:solidFill>
+                          </a:uFill>
+                          <a:latin typeface="Arial"/>
+                          <a:ea typeface="Arial"/>
+                          <a:cs typeface="Arial"/>
+                          <a:sym typeface="Arial"/>
+                        </a:rPr>
+                        <a:t>7</a:t>
+                      </a:r>
+                    </a:p>
+                  </a:txBody>
+                  <a:tcPr marL="50800" marR="50800" marT="50800" marB="50800" anchor="t" anchorCtr="0" horzOverflow="overflow">
+                    <a:lnT w="28575">
+                      <a:solidFill>
+                        <a:srgbClr val="000000"/>
+                      </a:solidFill>
+                      <a:miter lim="400000"/>
+                    </a:lnT>
+                    <a:lnB w="28575">
+                      <a:solidFill>
+                        <a:srgbClr val="000000"/>
+                      </a:solidFill>
+                      <a:miter lim="400000"/>
+                    </a:lnB>
+                  </a:tcPr>
+                </a:tc>
+                <a:tc>
+                  <a:txBody>
+                    <a:bodyPr/>
+                    <a:lstStyle/>
+                    <a:p>
+                      <a:pPr marR="40639" defTabSz="914400">
+                        <a:lnSpc>
+                          <a:spcPct val="90000"/>
+                        </a:lnSpc>
+                        <a:spcBef>
+                          <a:spcPts val="700"/>
+                        </a:spcBef>
+                        <a:tabLst>
+                          <a:tab pos="914400" algn="l"/>
+                        </a:tabLst>
+                        <a:defRPr sz="1800">
+                          <a:uFillTx/>
+                        </a:defRPr>
+                      </a:pPr>
+                      <a:r>
+                        <a:rPr sz="2800">
+                          <a:uFill>
+                            <a:solidFill>
+                              <a:srgbClr val="000000"/>
+                            </a:solidFill>
+                          </a:uFill>
+                          <a:latin typeface="Arial"/>
+                          <a:ea typeface="Arial"/>
+                          <a:cs typeface="Arial"/>
+                          <a:sym typeface="Arial"/>
+                        </a:rPr>
+                        <a:t>6</a:t>
+                      </a:r>
+                    </a:p>
+                  </a:txBody>
+                  <a:tcPr marL="50800" marR="50800" marT="50800" marB="50800" anchor="t" anchorCtr="0" horzOverflow="overflow">
+                    <a:lnT w="28575">
+                      <a:solidFill>
+                        <a:srgbClr val="000000"/>
+                      </a:solidFill>
+                      <a:miter lim="400000"/>
+                    </a:lnT>
+                    <a:lnB w="28575">
+                      <a:solidFill>
+                        <a:srgbClr val="000000"/>
+                      </a:solidFill>
+                      <a:miter lim="400000"/>
+                    </a:lnB>
+                  </a:tcPr>
+                </a:tc>
+                <a:tc>
+                  <a:txBody>
+                    <a:bodyPr/>
+                    <a:lstStyle/>
+                    <a:p>
+                      <a:pPr marR="40639" defTabSz="914400">
+                        <a:lnSpc>
+                          <a:spcPct val="90000"/>
+                        </a:lnSpc>
+                        <a:spcBef>
+                          <a:spcPts val="700"/>
+                        </a:spcBef>
+                        <a:tabLst>
+                          <a:tab pos="914400" algn="l"/>
+                        </a:tabLst>
+                        <a:defRPr sz="1800">
+                          <a:uFillTx/>
+                        </a:defRPr>
+                      </a:pPr>
+                      <a:r>
+                        <a:rPr sz="2800">
+                          <a:uFill>
+                            <a:solidFill>
+                              <a:srgbClr val="000000"/>
+                            </a:solidFill>
+                          </a:uFill>
+                          <a:latin typeface="Arial"/>
+                          <a:ea typeface="Arial"/>
+                          <a:cs typeface="Arial"/>
+                          <a:sym typeface="Arial"/>
+                        </a:rPr>
+                        <a:t>5</a:t>
+                      </a:r>
+                    </a:p>
+                  </a:txBody>
+                  <a:tcPr marL="50800" marR="50800" marT="50800" marB="50800" anchor="t" anchorCtr="0" horzOverflow="overflow">
+                    <a:lnT w="28575">
+                      <a:solidFill>
+                        <a:srgbClr val="000000"/>
+                      </a:solidFill>
+                      <a:miter lim="400000"/>
+                    </a:lnT>
+                    <a:lnB w="28575">
+                      <a:solidFill>
+                        <a:srgbClr val="000000"/>
+                      </a:solidFill>
+                      <a:miter lim="400000"/>
+                    </a:lnB>
+                  </a:tcPr>
+                </a:tc>
+                <a:tc>
+                  <a:txBody>
+                    <a:bodyPr/>
+                    <a:lstStyle/>
+                    <a:p>
+                      <a:pPr marR="40639" defTabSz="914400">
+                        <a:lnSpc>
+                          <a:spcPct val="90000"/>
+                        </a:lnSpc>
+                        <a:spcBef>
+                          <a:spcPts val="700"/>
+                        </a:spcBef>
+                        <a:tabLst>
+                          <a:tab pos="914400" algn="l"/>
+                        </a:tabLst>
+                        <a:defRPr sz="1800">
+                          <a:uFillTx/>
+                        </a:defRPr>
+                      </a:pPr>
+                      <a:r>
+                        <a:rPr sz="2800">
+                          <a:uFill>
+                            <a:solidFill>
+                              <a:srgbClr val="000000"/>
+                            </a:solidFill>
+                          </a:uFill>
+                          <a:latin typeface="Arial"/>
+                          <a:ea typeface="Arial"/>
+                          <a:cs typeface="Arial"/>
+                          <a:sym typeface="Arial"/>
+                        </a:rPr>
+                        <a:t>1</a:t>
+                      </a:r>
+                    </a:p>
+                  </a:txBody>
+                  <a:tcPr marL="50800" marR="50800" marT="50800" marB="50800" anchor="t" anchorCtr="0" horzOverflow="overflow">
+                    <a:lnR w="28575">
+                      <a:solidFill>
+                        <a:srgbClr val="000000"/>
+                      </a:solidFill>
+                      <a:miter lim="400000"/>
+                    </a:lnR>
+                    <a:lnT w="28575">
+                      <a:solidFill>
+                        <a:srgbClr val="000000"/>
+                      </a:solidFill>
+                      <a:miter lim="400000"/>
+                    </a:lnT>
+                    <a:lnB w="28575">
+                      <a:solidFill>
+                        <a:srgbClr val="000000"/>
+                      </a:solidFill>
+                      <a:miter lim="400000"/>
+                    </a:lnB>
+                  </a:tcPr>
+                </a:tc>
+              </a:tr>
+            </a:tbl>
+          </a:graphicData>
+        </a:graphic>
+      </p:graphicFrame>
     </p:spTree>
   </p:cSld>
   <p:clrMapOvr>
@@ -4093,7 +4904,7 @@
                                       <p:cBhvr>
                                         <p:cTn id="16" fill="hold"/>
                                         <p:tgtEl>
-                                          <p:spTgt spid="157"/>
+                                          <p:spTgt spid="190"/>
                                         </p:tgtEl>
                                         <p:attrNameLst>
                                           <p:attrName>style.visibility</p:attrName>
@@ -4137,7 +4948,7 @@
                                       <p:cBhvr>
                                         <p:cTn id="20" fill="hold"/>
                                         <p:tgtEl>
-                                          <p:spTgt spid="160"/>
+                                          <p:spTgt spid="157"/>
                                         </p:tgtEl>
                                         <p:attrNameLst>
                                           <p:attrName>style.visibility</p:attrName>
@@ -4181,7 +4992,7 @@
                                       <p:cBhvr>
                                         <p:cTn id="24" fill="hold"/>
                                         <p:tgtEl>
-                                          <p:spTgt spid="172"/>
+                                          <p:spTgt spid="160"/>
                                         </p:tgtEl>
                                         <p:attrNameLst>
                                           <p:attrName>style.visibility</p:attrName>
@@ -4225,7 +5036,7 @@
                                       <p:cBhvr>
                                         <p:cTn id="28" fill="hold"/>
                                         <p:tgtEl>
-                                          <p:spTgt spid="163"/>
+                                          <p:spTgt spid="172"/>
                                         </p:tgtEl>
                                         <p:attrNameLst>
                                           <p:attrName>style.visibility</p:attrName>
@@ -4269,7 +5080,7 @@
                                       <p:cBhvr>
                                         <p:cTn id="32" fill="hold"/>
                                         <p:tgtEl>
-                                          <p:spTgt spid="166"/>
+                                          <p:spTgt spid="163"/>
                                         </p:tgtEl>
                                         <p:attrNameLst>
                                           <p:attrName>style.visibility</p:attrName>
@@ -4313,7 +5124,7 @@
                                       <p:cBhvr>
                                         <p:cTn id="36" fill="hold"/>
                                         <p:tgtEl>
-                                          <p:spTgt spid="169"/>
+                                          <p:spTgt spid="166"/>
                                         </p:tgtEl>
                                         <p:attrNameLst>
                                           <p:attrName>style.visibility</p:attrName>
@@ -4357,39 +5168,7 @@
                                       <p:cBhvr>
                                         <p:cTn id="40" fill="hold"/>
                                         <p:tgtEl>
-                                          <p:spTgt spid="173">
-                                            <p:bg/>
-                                          </p:spTgt>
-                                        </p:tgtEl>
-                                        <p:attrNameLst>
-                                          <p:attrName>style.visibility</p:attrName>
-                                        </p:attrNameLst>
-                                      </p:cBhvr>
-                                      <p:to>
-                                        <p:strVal val="visible"/>
-                                      </p:to>
-                                    </p:set>
-                                  </p:childTnLst>
-                                </p:cTn>
-                              </p:par>
-                              <p:par>
-                                <p:cTn id="41" presetClass="entr" nodeType="withEffect" presetSubtype="0" presetID="1" grpId="8" fill="hold">
-                                  <p:stCondLst>
-                                    <p:cond delay="0"/>
-                                  </p:stCondLst>
-                                  <p:iterate type="el" backwards="0">
-                                    <p:tmAbs val="0"/>
-                                  </p:iterate>
-                                  <p:childTnLst>
-                                    <p:set>
-                                      <p:cBhvr>
-                                        <p:cTn id="42" fill="hold"/>
-                                        <p:tgtEl>
-                                          <p:spTgt spid="173">
-                                            <p:txEl>
-                                              <p:pRg st="0" end="0"/>
-                                            </p:txEl>
-                                          </p:spTgt>
+                                          <p:spTgt spid="169"/>
                                         </p:tgtEl>
                                         <p:attrNameLst>
                                           <p:attrName>style.visibility</p:attrName>
@@ -4409,19 +5188,47 @@
                     </p:cTn>
                   </p:par>
                   <p:par>
-                    <p:cTn id="43" fill="hold">
+                    <p:cTn id="41" fill="hold">
                       <p:stCondLst>
                         <p:cond delay="indefinite"/>
                       </p:stCondLst>
                       <p:childTnLst>
                         <p:par>
-                          <p:cTn id="44" fill="hold">
+                          <p:cTn id="42" fill="hold">
                             <p:stCondLst>
                               <p:cond delay="0"/>
                             </p:stCondLst>
                             <p:childTnLst>
                               <p:par>
-                                <p:cTn id="45" presetClass="entr" nodeType="clickEffect" presetSubtype="0" presetID="1" grpId="8" fill="hold">
+                                <p:cTn id="43" presetClass="entr" nodeType="clickEffect" presetSubtype="0" presetID="1" grpId="9" fill="hold">
+                                  <p:stCondLst>
+                                    <p:cond delay="0"/>
+                                  </p:stCondLst>
+                                  <p:iterate type="el" backwards="0">
+                                    <p:tmAbs val="0"/>
+                                  </p:iterate>
+                                  <p:childTnLst>
+                                    <p:set>
+                                      <p:cBhvr>
+                                        <p:cTn id="44" fill="hold"/>
+                                        <p:tgtEl>
+                                          <p:spTgt spid="173">
+                                            <p:bg/>
+                                          </p:spTgt>
+                                        </p:tgtEl>
+                                        <p:attrNameLst>
+                                          <p:attrName>style.visibility</p:attrName>
+                                        </p:attrNameLst>
+                                      </p:cBhvr>
+                                      <p:to>
+                                        <p:strVal val="visible"/>
+                                      </p:to>
+                                    </p:set>
+                                  </p:childTnLst>
+                                </p:cTn>
+                              </p:par>
+                              <p:par>
+                                <p:cTn id="45" presetClass="entr" nodeType="withEffect" presetSubtype="0" presetID="1" grpId="9" fill="hold">
                                   <p:stCondLst>
                                     <p:cond delay="0"/>
                                   </p:stCondLst>
@@ -4435,7 +5242,7 @@
                                         <p:tgtEl>
                                           <p:spTgt spid="173">
                                             <p:txEl>
-                                              <p:pRg st="1" end="1"/>
+                                              <p:pRg st="0" end="0"/>
                                             </p:txEl>
                                           </p:spTgt>
                                         </p:tgtEl>
@@ -4469,7 +5276,7 @@
                             </p:stCondLst>
                             <p:childTnLst>
                               <p:par>
-                                <p:cTn id="49" presetClass="entr" nodeType="clickEffect" presetSubtype="0" presetID="1" grpId="8" fill="hold">
+                                <p:cTn id="49" presetClass="entr" nodeType="clickEffect" presetSubtype="0" presetID="1" grpId="9" fill="hold">
                                   <p:stCondLst>
                                     <p:cond delay="0"/>
                                   </p:stCondLst>
@@ -4483,7 +5290,7 @@
                                         <p:tgtEl>
                                           <p:spTgt spid="173">
                                             <p:txEl>
-                                              <p:pRg st="2" end="2"/>
+                                              <p:pRg st="1" end="1"/>
                                             </p:txEl>
                                           </p:spTgt>
                                         </p:tgtEl>
@@ -4517,7 +5324,7 @@
                             </p:stCondLst>
                             <p:childTnLst>
                               <p:par>
-                                <p:cTn id="53" presetClass="entr" nodeType="clickEffect" presetSubtype="0" presetID="1" grpId="8" fill="hold">
+                                <p:cTn id="53" presetClass="entr" nodeType="clickEffect" presetSubtype="0" presetID="1" grpId="9" fill="hold">
                                   <p:stCondLst>
                                     <p:cond delay="0"/>
                                   </p:stCondLst>
@@ -4531,7 +5338,7 @@
                                         <p:tgtEl>
                                           <p:spTgt spid="173">
                                             <p:txEl>
-                                              <p:pRg st="3" end="3"/>
+                                              <p:pRg st="2" end="2"/>
                                             </p:txEl>
                                           </p:spTgt>
                                         </p:tgtEl>
@@ -4565,7 +5372,7 @@
                             </p:stCondLst>
                             <p:childTnLst>
                               <p:par>
-                                <p:cTn id="57" presetClass="entr" nodeType="clickEffect" presetSubtype="0" presetID="1" grpId="8" fill="hold">
+                                <p:cTn id="57" presetClass="entr" nodeType="clickEffect" presetSubtype="0" presetID="1" grpId="9" fill="hold">
                                   <p:stCondLst>
                                     <p:cond delay="0"/>
                                   </p:stCondLst>
@@ -4579,7 +5386,7 @@
                                         <p:tgtEl>
                                           <p:spTgt spid="173">
                                             <p:txEl>
-                                              <p:pRg st="4" end="4"/>
+                                              <p:pRg st="3" end="3"/>
                                             </p:txEl>
                                           </p:spTgt>
                                         </p:tgtEl>
@@ -4613,7 +5420,7 @@
                             </p:stCondLst>
                             <p:childTnLst>
                               <p:par>
-                                <p:cTn id="61" presetClass="entr" nodeType="clickEffect" presetSubtype="0" presetID="1" grpId="9" fill="hold">
+                                <p:cTn id="61" presetClass="entr" nodeType="clickEffect" presetSubtype="0" presetID="1" grpId="10" fill="hold">
                                   <p:stCondLst>
                                     <p:cond delay="0"/>
                                   </p:stCondLst>
@@ -4648,7 +5455,7 @@
                             </p:stCondLst>
                             <p:childTnLst>
                               <p:par>
-                                <p:cTn id="64" presetClass="entr" nodeType="afterEffect" presetSubtype="0" presetID="1" grpId="10" fill="hold">
+                                <p:cTn id="64" presetClass="entr" nodeType="afterEffect" presetSubtype="0" presetID="1" grpId="11" fill="hold">
                                   <p:stCondLst>
                                     <p:cond delay="0"/>
                                   </p:stCondLst>
@@ -4683,7 +5490,7 @@
                             </p:stCondLst>
                             <p:childTnLst>
                               <p:par>
-                                <p:cTn id="67" presetClass="entr" nodeType="afterEffect" presetSubtype="0" presetID="1" grpId="11" fill="hold">
+                                <p:cTn id="67" presetClass="entr" nodeType="afterEffect" presetSubtype="0" presetID="1" grpId="12" fill="hold">
                                   <p:stCondLst>
                                     <p:cond delay="0"/>
                                   </p:stCondLst>
@@ -4718,7 +5525,7 @@
                             </p:stCondLst>
                             <p:childTnLst>
                               <p:par>
-                                <p:cTn id="70" presetClass="entr" nodeType="afterEffect" presetSubtype="0" presetID="1" grpId="12" fill="hold">
+                                <p:cTn id="70" presetClass="entr" nodeType="afterEffect" presetSubtype="0" presetID="1" grpId="13" fill="hold">
                                   <p:stCondLst>
                                     <p:cond delay="0"/>
                                   </p:stCondLst>
@@ -4753,7 +5560,7 @@
                             </p:stCondLst>
                             <p:childTnLst>
                               <p:par>
-                                <p:cTn id="73" presetClass="entr" nodeType="afterEffect" presetSubtype="0" presetID="1" grpId="13" fill="hold">
+                                <p:cTn id="73" presetClass="entr" nodeType="afterEffect" presetSubtype="0" presetID="1" grpId="14" fill="hold">
                                   <p:stCondLst>
                                     <p:cond delay="0"/>
                                   </p:stCondLst>
@@ -4788,7 +5595,7 @@
                             </p:stCondLst>
                             <p:childTnLst>
                               <p:par>
-                                <p:cTn id="76" presetClass="entr" nodeType="afterEffect" presetSubtype="0" presetID="1" grpId="14" fill="hold">
+                                <p:cTn id="76" presetClass="entr" nodeType="afterEffect" presetSubtype="0" presetID="1" grpId="15" fill="hold">
                                   <p:stCondLst>
                                     <p:cond delay="0"/>
                                   </p:stCondLst>
@@ -4823,7 +5630,7 @@
                             </p:stCondLst>
                             <p:childTnLst>
                               <p:par>
-                                <p:cTn id="79" presetClass="entr" nodeType="afterEffect" presetSubtype="0" presetID="1" grpId="15" fill="hold">
+                                <p:cTn id="79" presetClass="entr" nodeType="afterEffect" presetSubtype="0" presetID="1" grpId="16" fill="hold">
                                   <p:stCondLst>
                                     <p:cond delay="0"/>
                                   </p:stCondLst>
@@ -4858,7 +5665,7 @@
                             </p:stCondLst>
                             <p:childTnLst>
                               <p:par>
-                                <p:cTn id="82" presetClass="entr" nodeType="afterEffect" presetSubtype="0" presetID="1" grpId="16" fill="hold">
+                                <p:cTn id="82" presetClass="entr" nodeType="afterEffect" presetSubtype="0" presetID="1" grpId="17" fill="hold">
                                   <p:stCondLst>
                                     <p:cond delay="0"/>
                                   </p:stCondLst>
@@ -4902,7 +5709,7 @@
                             </p:stCondLst>
                             <p:childTnLst>
                               <p:par>
-                                <p:cTn id="86" presetClass="emph" nodeType="clickEffect" presetSubtype="0" presetID="35" grpId="17" repeatCount="4000" fill="hold">
+                                <p:cTn id="86" presetClass="emph" nodeType="clickEffect" presetSubtype="0" presetID="35" grpId="18" repeatCount="4000" fill="hold">
                                   <p:stCondLst>
                                     <p:cond delay="0"/>
                                   </p:stCondLst>
@@ -4952,7 +5759,7 @@
                             </p:stCondLst>
                             <p:childTnLst>
                               <p:par>
-                                <p:cTn id="90" presetClass="emph" nodeType="clickEffect" presetSubtype="0" presetID="35" grpId="18" repeatCount="4000" fill="hold">
+                                <p:cTn id="90" presetClass="emph" nodeType="clickEffect" presetSubtype="0" presetID="35" grpId="19" repeatCount="4000" fill="hold">
                                   <p:stCondLst>
                                     <p:cond delay="0"/>
                                   </p:stCondLst>
@@ -5002,7 +5809,7 @@
                             </p:stCondLst>
                             <p:childTnLst>
                               <p:par>
-                                <p:cTn id="94" presetClass="exit" nodeType="clickEffect" presetSubtype="8" presetID="22" grpId="19" fill="hold">
+                                <p:cTn id="94" presetClass="exit" nodeType="clickEffect" presetSubtype="8" presetID="22" grpId="20" fill="hold">
                                   <p:stCondLst>
                                     <p:cond delay="0"/>
                                   </p:stCondLst>
@@ -5058,7 +5865,7 @@
                             </p:stCondLst>
                             <p:childTnLst>
                               <p:par>
-                                <p:cTn id="99" presetClass="entr" nodeType="clickEffect" presetSubtype="8" presetID="2" grpId="20" fill="hold">
+                                <p:cTn id="99" presetClass="entr" nodeType="clickEffect" presetSubtype="8" presetID="2" grpId="21" fill="hold">
                                   <p:stCondLst>
                                     <p:cond delay="0"/>
                                   </p:stCondLst>
@@ -5139,7 +5946,7 @@
                             </p:stCondLst>
                             <p:childTnLst>
                               <p:par>
-                                <p:cTn id="104" presetClass="exit" nodeType="afterEffect" presetSubtype="2" presetID="2" grpId="21" fill="hold">
+                                <p:cTn id="104" presetClass="exit" nodeType="afterEffect" presetSubtype="2" presetID="2" grpId="22" fill="hold">
                                   <p:stCondLst>
                                     <p:cond delay="0"/>
                                   </p:stCondLst>
@@ -5224,7 +6031,7 @@
                             </p:stCondLst>
                             <p:childTnLst>
                               <p:par>
-                                <p:cTn id="109" presetClass="entr" nodeType="afterEffect" presetSubtype="8" presetID="2" grpId="22" fill="hold">
+                                <p:cTn id="109" presetClass="entr" nodeType="afterEffect" presetSubtype="8" presetID="2" grpId="23" fill="hold">
                                   <p:stCondLst>
                                     <p:cond delay="0"/>
                                   </p:stCondLst>
@@ -5301,6 +6108,98 @@
                       </p:childTnLst>
                     </p:cTn>
                   </p:par>
+                  <p:par>
+                    <p:cTn id="113" fill="hold">
+                      <p:stCondLst>
+                        <p:cond delay="indefinite"/>
+                      </p:stCondLst>
+                      <p:childTnLst>
+                        <p:par>
+                          <p:cTn id="114" fill="hold">
+                            <p:stCondLst>
+                              <p:cond delay="0"/>
+                            </p:stCondLst>
+                            <p:childTnLst>
+                              <p:par>
+                                <p:cTn id="115" presetClass="entr" nodeType="clickEffect" presetSubtype="0" presetID="1" grpId="24" fill="hold">
+                                  <p:stCondLst>
+                                    <p:cond delay="0"/>
+                                  </p:stCondLst>
+                                  <p:iterate type="el" backwards="0">
+                                    <p:tmAbs val="0"/>
+                                  </p:iterate>
+                                  <p:childTnLst>
+                                    <p:set>
+                                      <p:cBhvr>
+                                        <p:cTn id="116" fill="hold"/>
+                                        <p:tgtEl>
+                                          <p:spTgt spid="191"/>
+                                        </p:tgtEl>
+                                        <p:attrNameLst>
+                                          <p:attrName>style.visibility</p:attrName>
+                                        </p:attrNameLst>
+                                      </p:cBhvr>
+                                      <p:to>
+                                        <p:strVal val="visible"/>
+                                      </p:to>
+                                    </p:set>
+                                  </p:childTnLst>
+                                </p:cTn>
+                              </p:par>
+                            </p:childTnLst>
+                          </p:cTn>
+                        </p:par>
+                      </p:childTnLst>
+                    </p:cTn>
+                  </p:par>
+                  <p:par>
+                    <p:cTn id="117" fill="hold">
+                      <p:stCondLst>
+                        <p:cond delay="indefinite"/>
+                      </p:stCondLst>
+                      <p:childTnLst>
+                        <p:par>
+                          <p:cTn id="118" fill="hold">
+                            <p:stCondLst>
+                              <p:cond delay="0"/>
+                            </p:stCondLst>
+                            <p:childTnLst>
+                              <p:par>
+                                <p:cTn id="119" presetClass="entr" nodeType="clickEffect" presetSubtype="0" presetID="1" grpId="9" fill="hold">
+                                  <p:stCondLst>
+                                    <p:cond delay="0"/>
+                                  </p:stCondLst>
+                                  <p:iterate type="el" backwards="0">
+                                    <p:tmAbs val="0"/>
+                                  </p:iterate>
+                                  <p:childTnLst>
+                                    <p:set>
+                                      <p:cBhvr>
+                                        <p:cTn id="120" fill="hold"/>
+                                        <p:tgtEl>
+                                          <p:spTgt spid="173">
+                                            <p:txEl>
+                                              <p:pRg st="4" end="4"/>
+                                            </p:txEl>
+                                          </p:spTgt>
+                                        </p:tgtEl>
+                                        <p:attrNameLst>
+                                          <p:attrName>style.visibility</p:attrName>
+                                        </p:attrNameLst>
+                                      </p:cBhvr>
+                                      <p:to>
+                                        <p:strVal val="visible"/>
+                                      </p:to>
+                                    </p:set>
+                                  </p:childTnLst>
+                                </p:cTn>
+                              </p:par>
+                            </p:childTnLst>
+                          </p:cTn>
+                        </p:par>
+                      </p:childTnLst>
+                    </p:cTn>
+                  </p:par>
                 </p:childTnLst>
               </p:cTn>
               <p:prevCondLst>
@@ -5323,28 +6222,30 @@
       </p:par>
     </p:tnLst>
     <p:bldLst>
-      <p:bldP build="whole" bldLvl="1" animBg="1" rev="0" advAuto="0" spid="169" grpId="7"/>
-      <p:bldP build="p" bldLvl="5" animBg="1" rev="0" advAuto="0" spid="173" grpId="8"/>
+      <p:bldP build="whole" bldLvl="1" animBg="1" rev="0" advAuto="0" spid="185" grpId="14"/>
+      <p:bldP build="whole" bldLvl="1" animBg="1" rev="0" advAuto="0" spid="172" grpId="5"/>
+      <p:bldP build="whole" bldLvl="1" animBg="1" rev="0" advAuto="0" spid="160" grpId="4"/>
+      <p:bldP build="whole" bldLvl="1" animBg="1" rev="0" advAuto="0" spid="184" grpId="12"/>
+      <p:bldP build="whole" bldLvl="1" animBg="1" rev="0" advAuto="0" spid="163" grpId="6"/>
+      <p:bldP build="whole" bldLvl="1" animBg="1" rev="0" advAuto="0" spid="190" grpId="2"/>
+      <p:bldP build="whole" bldLvl="1" animBg="1" rev="0" advAuto="0" spid="186" grpId="17"/>
+      <p:bldP build="whole" bldLvl="1" animBg="1" rev="0" advAuto="0" spid="186" grpId="18"/>
+      <p:bldP build="whole" bldLvl="1" animBg="1" rev="0" advAuto="0" spid="186" grpId="20"/>
+      <p:bldP build="whole" bldLvl="1" animBg="1" rev="0" advAuto="0" spid="188" grpId="21"/>
+      <p:bldP build="whole" bldLvl="1" animBg="1" rev="0" advAuto="0" spid="189" grpId="23"/>
       <p:bldP build="p" bldLvl="5" animBg="1" rev="0" advAuto="0" spid="153" grpId="1"/>
-      <p:bldP build="whole" bldLvl="1" animBg="1" rev="0" advAuto="0" spid="180" grpId="12"/>
-      <p:bldP build="whole" bldLvl="1" animBg="1" rev="0" advAuto="0" spid="186" grpId="16"/>
-      <p:bldP build="whole" bldLvl="1" animBg="1" rev="0" advAuto="0" spid="184" grpId="11"/>
-      <p:bldP build="whole" bldLvl="1" animBg="1" rev="0" advAuto="0" spid="186" grpId="19"/>
-      <p:bldP build="whole" bldLvl="1" animBg="1" rev="0" advAuto="0" spid="185" grpId="13"/>
-      <p:bldP build="whole" bldLvl="1" animBg="1" rev="0" advAuto="0" spid="186" grpId="17"/>
-      <p:bldP build="whole" bldLvl="1" animBg="1" rev="0" advAuto="0" spid="174" grpId="9"/>
-      <p:bldP build="whole" bldLvl="1" animBg="1" rev="0" advAuto="0" spid="187" grpId="15"/>
-      <p:bldP build="whole" bldLvl="1" animBg="1" rev="0" advAuto="0" spid="157" grpId="2"/>
-      <p:bldP build="whole" bldLvl="1" animBg="1" rev="0" advAuto="0" spid="181" grpId="18"/>
-      <p:bldP build="whole" bldLvl="1" animBg="1" rev="0" advAuto="0" spid="181" grpId="21"/>
-      <p:bldP build="whole" bldLvl="1" animBg="1" rev="0" advAuto="0" spid="189" grpId="22"/>
-      <p:bldP build="whole" bldLvl="1" animBg="1" rev="0" advAuto="0" spid="163" grpId="5"/>
-      <p:bldP build="whole" bldLvl="1" animBg="1" rev="0" advAuto="0" spid="188" grpId="20"/>
-      <p:bldP build="whole" bldLvl="1" animBg="1" rev="0" advAuto="0" spid="172" grpId="4"/>
-      <p:bldP build="whole" bldLvl="1" animBg="1" rev="0" advAuto="0" spid="166" grpId="6"/>
-      <p:bldP build="whole" bldLvl="1" animBg="1" rev="0" advAuto="0" spid="160" grpId="3"/>
-      <p:bldP build="whole" bldLvl="1" animBg="1" rev="0" advAuto="0" spid="181" grpId="14"/>
-      <p:bldP build="whole" bldLvl="1" animBg="1" rev="0" advAuto="0" spid="177" grpId="10"/>
+      <p:bldP build="whole" bldLvl="1" animBg="1" rev="0" advAuto="0" spid="191" grpId="24"/>
+      <p:bldP build="whole" bldLvl="1" animBg="1" rev="0" advAuto="0" spid="177" grpId="11"/>
+      <p:bldP build="whole" bldLvl="1" animBg="1" rev="0" advAuto="0" spid="169" grpId="8"/>
+      <p:bldP build="whole" bldLvl="1" animBg="1" rev="0" advAuto="0" spid="157" grpId="3"/>
+      <p:bldP build="whole" bldLvl="1" animBg="1" rev="0" advAuto="0" spid="187" grpId="16"/>
+      <p:bldP build="whole" bldLvl="1" animBg="1" rev="0" advAuto="0" spid="180" grpId="13"/>
+      <p:bldP build="whole" bldLvl="1" animBg="1" rev="0" advAuto="0" spid="181" grpId="15"/>
+      <p:bldP build="whole" bldLvl="1" animBg="1" rev="0" advAuto="0" spid="166" grpId="7"/>
+      <p:bldP build="whole" bldLvl="1" animBg="1" rev="0" advAuto="0" spid="174" grpId="10"/>
+      <p:bldP build="whole" bldLvl="1" animBg="1" rev="0" advAuto="0" spid="181" grpId="19"/>
+      <p:bldP build="p" bldLvl="5" animBg="1" rev="0" advAuto="0" spid="173" grpId="9"/>
+      <p:bldP build="whole" bldLvl="1" animBg="1" rev="0" advAuto="0" spid="181" grpId="22"/>
     </p:bldLst>
   </p:timing>
 </p:sld>
@@ -5369,7 +6270,7 @@
       </p:grpSpPr>
       <p:sp>
         <p:nvSpPr>
-          <p:cNvPr id="191" name="Heap Construction"/>
+          <p:cNvPr id="193" name="Heap Construction"/>
           <p:cNvSpPr txBox="1"/>
           <p:nvPr>
             <p:ph type="title"/>
@@ -5393,7 +6294,7 @@
       </p:sp>
       <p:sp>
         <p:nvSpPr>
-          <p:cNvPr id="192" name="Consider preceding parental node 9…"/>
+          <p:cNvPr id="194" name="Consider preceding parental node 9 (at pos 3-1=2)…"/>
           <p:cNvSpPr txBox="1"/>
           <p:nvPr>
             <p:ph type="body" sz="half" idx="1"/>
@@ -5402,7 +6303,7 @@
         <p:spPr>
           <a:xfrm>
             <a:off x="666288" y="938113"/>
-            <a:ext cx="9055611" cy="2064397"/>
+            <a:ext cx="9171243" cy="2064397"/>
           </a:xfrm>
           <a:prstGeom prst="rect">
             <a:avLst/>
@@ -5412,25 +6313,57 @@
           <a:bodyPr/>
           <a:lstStyle/>
           <a:p>
-            <a:pPr/>
-            <a:r>
-              <a:t>Consider preceding parental node 9</a:t>
+            <a:pPr>
+              <a:defRPr sz="3000"/>
+            </a:pPr>
+            <a:r>
+              <a:t>Consider preceding parental node 9 (at pos </a:t>
+            </a:r>
+            <a:r>
+              <a:rPr>
+                <a:latin typeface="Courier New"/>
+                <a:ea typeface="Courier New"/>
+                <a:cs typeface="Courier New"/>
+                <a:sym typeface="Courier New"/>
+              </a:rPr>
+              <a:t>3-1=2</a:t>
+            </a:r>
+            <a:r>
+              <a:t>)</a:t>
             </a:r>
           </a:p>
           <a:p>
-            <a:pPr/>
+            <a:pPr>
+              <a:defRPr sz="3000"/>
+            </a:pPr>
             <a:r>
               <a:t>It is in order. No exchange required</a:t>
             </a:r>
           </a:p>
           <a:p>
-            <a:pPr/>
-            <a:r>
-              <a:t>Next parental node 2. Needs heapfication.</a:t>
+            <a:pPr>
+              <a:defRPr sz="3000"/>
+            </a:pPr>
+            <a:r>
+              <a:t>Next parental node 2 (at pos </a:t>
+            </a:r>
+            <a:r>
+              <a:rPr>
+                <a:latin typeface="Courier New"/>
+                <a:ea typeface="Courier New"/>
+                <a:cs typeface="Courier New"/>
+                <a:sym typeface="Courier New"/>
+              </a:rPr>
+              <a:t>1</a:t>
+            </a:r>
+            <a:r>
+              <a:t>). Needs heapification.</a:t>
             </a:r>
           </a:p>
           <a:p>
-            <a:pPr/>
+            <a:pPr>
+              <a:defRPr sz="3000"/>
+            </a:pPr>
             <a:r>
               <a:t>Exchange it with 9, and repeat the process</a:t>
             </a:r>
@@ -5439,7 +6372,7 @@
       </p:sp>
       <p:sp>
         <p:nvSpPr>
-          <p:cNvPr id="193" name="Slide Number"/>
+          <p:cNvPr id="195" name="Slide Number"/>
           <p:cNvSpPr txBox="1"/>
           <p:nvPr>
             <p:ph type="sldNum" sz="quarter" idx="2"/>
@@ -5466,7 +6399,7 @@
       </p:sp>
       <p:sp>
         <p:nvSpPr>
-          <p:cNvPr id="194" name="DAA/Greedy Algorithms"/>
+          <p:cNvPr id="196" name="DAA/Greedy Algorithms"/>
           <p:cNvSpPr txBox="1"/>
           <p:nvPr/>
         </p:nvSpPr>
@@ -5506,7 +6439,7 @@
       </p:sp>
       <p:sp>
         <p:nvSpPr>
-          <p:cNvPr id="195" name="RPR/"/>
+          <p:cNvPr id="197" name="RPR/"/>
           <p:cNvSpPr txBox="1"/>
           <p:nvPr/>
         </p:nvSpPr>
@@ -5546,7 +6479,7 @@
       </p:sp>
       <p:sp>
         <p:nvSpPr>
-          <p:cNvPr id="196" name="2"/>
+          <p:cNvPr id="198" name="2"/>
           <p:cNvSpPr/>
           <p:nvPr/>
         </p:nvSpPr>
@@ -5591,7 +6524,7 @@
       </p:sp>
       <p:sp>
         <p:nvSpPr>
-          <p:cNvPr id="197" name="9"/>
+          <p:cNvPr id="199" name="9"/>
           <p:cNvSpPr/>
           <p:nvPr/>
         </p:nvSpPr>
@@ -5636,7 +6569,7 @@
       </p:sp>
       <p:sp>
         <p:nvSpPr>
-          <p:cNvPr id="198" name="Line"/>
+          <p:cNvPr id="200" name="Line"/>
           <p:cNvSpPr/>
           <p:nvPr/>
         </p:nvSpPr>
@@ -5664,7 +6597,7 @@
       </p:sp>
       <p:grpSp>
         <p:nvGrpSpPr>
-          <p:cNvPr id="201" name="Group"/>
+          <p:cNvPr id="203" name="Group"/>
           <p:cNvGrpSpPr/>
           <p:nvPr/>
         </p:nvGrpSpPr>
@@ -5678,7 +6611,7 @@
         </p:grpSpPr>
         <p:sp>
           <p:nvSpPr>
-            <p:cNvPr id="199" name="6"/>
+            <p:cNvPr id="201" name="6"/>
             <p:cNvSpPr/>
             <p:nvPr/>
           </p:nvSpPr>
@@ -5729,7 +6662,7 @@
         </p:sp>
         <p:sp>
           <p:nvSpPr>
-            <p:cNvPr id="200" name="Line"/>
+            <p:cNvPr id="202" name="Line"/>
             <p:cNvSpPr/>
             <p:nvPr/>
           </p:nvSpPr>
@@ -5764,7 +6697,7 @@
       </p:grpSp>
       <p:grpSp>
         <p:nvGrpSpPr>
-          <p:cNvPr id="204" name="Group"/>
+          <p:cNvPr id="206" name="Group"/>
           <p:cNvGrpSpPr/>
           <p:nvPr/>
         </p:nvGrpSpPr>
@@ -5778,7 +6711,7 @@
         </p:grpSpPr>
         <p:sp>
           <p:nvSpPr>
-            <p:cNvPr id="202" name="5"/>
+            <p:cNvPr id="204" name="5"/>
             <p:cNvSpPr/>
             <p:nvPr/>
           </p:nvSpPr>
@@ -5829,7 +6762,7 @@
         </p:sp>
         <p:sp>
           <p:nvSpPr>
-            <p:cNvPr id="203" name="Line"/>
+            <p:cNvPr id="205" name="Line"/>
             <p:cNvSpPr/>
             <p:nvPr/>
           </p:nvSpPr>
@@ -5864,7 +6797,7 @@
       </p:grpSp>
       <p:grpSp>
         <p:nvGrpSpPr>
-          <p:cNvPr id="207" name="Group"/>
+          <p:cNvPr id="209" name="Group"/>
           <p:cNvGrpSpPr/>
           <p:nvPr/>
         </p:nvGrpSpPr>
@@ -5878,7 +6811,7 @@
         </p:grpSpPr>
         <p:sp>
           <p:nvSpPr>
-            <p:cNvPr id="205" name="1"/>
+            <p:cNvPr id="207" name="1"/>
             <p:cNvSpPr/>
             <p:nvPr/>
           </p:nvSpPr>
@@ -5929,7 +6862,7 @@
         </p:sp>
         <p:sp>
           <p:nvSpPr>
-            <p:cNvPr id="206" name="Line"/>
+            <p:cNvPr id="208" name="Line"/>
             <p:cNvSpPr/>
             <p:nvPr/>
           </p:nvSpPr>
@@ -5964,7 +6897,7 @@
       </p:grpSp>
       <p:grpSp>
         <p:nvGrpSpPr>
-          <p:cNvPr id="210" name="Group"/>
+          <p:cNvPr id="212" name="Group"/>
           <p:cNvGrpSpPr/>
           <p:nvPr/>
         </p:nvGrpSpPr>
@@ -5978,7 +6911,7 @@
         </p:grpSpPr>
         <p:sp>
           <p:nvSpPr>
-            <p:cNvPr id="208" name="7"/>
+            <p:cNvPr id="210" name="7"/>
             <p:cNvSpPr/>
             <p:nvPr/>
           </p:nvSpPr>
@@ -6029,7 +6962,7 @@
         </p:sp>
         <p:sp>
           <p:nvSpPr>
-            <p:cNvPr id="209" name="Line"/>
+            <p:cNvPr id="211" name="Line"/>
             <p:cNvSpPr/>
             <p:nvPr/>
           </p:nvSpPr>
@@ -6064,7 +6997,7 @@
       </p:grpSp>
       <p:sp>
         <p:nvSpPr>
-          <p:cNvPr id="211" name="2"/>
+          <p:cNvPr id="213" name="2"/>
           <p:cNvSpPr/>
           <p:nvPr/>
         </p:nvSpPr>
@@ -6109,7 +7042,7 @@
       </p:sp>
       <p:sp>
         <p:nvSpPr>
-          <p:cNvPr id="212" name="9"/>
+          <p:cNvPr id="214" name="9"/>
           <p:cNvSpPr/>
           <p:nvPr/>
         </p:nvSpPr>
@@ -6154,7 +7087,7 @@
       </p:sp>
       <p:sp>
         <p:nvSpPr>
-          <p:cNvPr id="213" name="Line"/>
+          <p:cNvPr id="215" name="Line"/>
           <p:cNvSpPr/>
           <p:nvPr/>
         </p:nvSpPr>
@@ -6182,7 +7115,7 @@
       </p:sp>
       <p:grpSp>
         <p:nvGrpSpPr>
-          <p:cNvPr id="216" name="Group"/>
+          <p:cNvPr id="218" name="Group"/>
           <p:cNvGrpSpPr/>
           <p:nvPr/>
         </p:nvGrpSpPr>
@@ -6196,7 +7129,7 @@
         </p:grpSpPr>
         <p:sp>
           <p:nvSpPr>
-            <p:cNvPr id="214" name="6"/>
+            <p:cNvPr id="216" name="6"/>
             <p:cNvSpPr/>
             <p:nvPr/>
           </p:nvSpPr>
@@ -6247,7 +7180,7 @@
         </p:sp>
         <p:sp>
           <p:nvSpPr>
-            <p:cNvPr id="215" name="Line"/>
+            <p:cNvPr id="217" name="Line"/>
             <p:cNvSpPr/>
             <p:nvPr/>
           </p:nvSpPr>
@@ -6282,7 +7215,7 @@
       </p:grpSp>
       <p:grpSp>
         <p:nvGrpSpPr>
-          <p:cNvPr id="219" name="Group"/>
+          <p:cNvPr id="221" name="Group"/>
           <p:cNvGrpSpPr/>
           <p:nvPr/>
         </p:nvGrpSpPr>
@@ -6296,7 +7229,7 @@
         </p:grpSpPr>
         <p:sp>
           <p:nvSpPr>
-            <p:cNvPr id="217" name="5"/>
+            <p:cNvPr id="219" name="5"/>
             <p:cNvSpPr/>
             <p:nvPr/>
           </p:nvSpPr>
@@ -6347,7 +7280,7 @@
         </p:sp>
         <p:sp>
           <p:nvSpPr>
-            <p:cNvPr id="218" name="Line"/>
+            <p:cNvPr id="220" name="Line"/>
             <p:cNvSpPr/>
             <p:nvPr/>
           </p:nvSpPr>
@@ -6382,7 +7315,7 @@
       </p:grpSp>
       <p:grpSp>
         <p:nvGrpSpPr>
-          <p:cNvPr id="222" name="Group"/>
+          <p:cNvPr id="224" name="Group"/>
           <p:cNvGrpSpPr/>
           <p:nvPr/>
         </p:nvGrpSpPr>
@@ -6396,7 +7329,7 @@
         </p:grpSpPr>
         <p:sp>
           <p:nvSpPr>
-            <p:cNvPr id="220" name="1"/>
+            <p:cNvPr id="222" name="1"/>
             <p:cNvSpPr/>
             <p:nvPr/>
           </p:nvSpPr>
@@ -6447,7 +7380,7 @@
         </p:sp>
         <p:sp>
           <p:nvSpPr>
-            <p:cNvPr id="221" name="Line"/>
+            <p:cNvPr id="223" name="Line"/>
             <p:cNvSpPr/>
             <p:nvPr/>
           </p:nvSpPr>
@@ -6482,7 +7415,7 @@
       </p:grpSp>
       <p:grpSp>
         <p:nvGrpSpPr>
-          <p:cNvPr id="225" name="Group"/>
+          <p:cNvPr id="227" name="Group"/>
           <p:cNvGrpSpPr/>
           <p:nvPr/>
         </p:nvGrpSpPr>
@@ -6496,7 +7429,7 @@
         </p:grpSpPr>
         <p:sp>
           <p:nvSpPr>
-            <p:cNvPr id="223" name="7"/>
+            <p:cNvPr id="225" name="7"/>
             <p:cNvSpPr/>
             <p:nvPr/>
           </p:nvSpPr>
@@ -6547,7 +7480,7 @@
         </p:sp>
         <p:sp>
           <p:nvSpPr>
-            <p:cNvPr id="224" name="Line"/>
+            <p:cNvPr id="226" name="Line"/>
             <p:cNvSpPr/>
             <p:nvPr/>
           </p:nvSpPr>
@@ -6582,7 +7515,7 @@
       </p:grpSp>
       <p:sp>
         <p:nvSpPr>
-          <p:cNvPr id="226" name="Line"/>
+          <p:cNvPr id="228" name="Line"/>
           <p:cNvSpPr/>
           <p:nvPr/>
         </p:nvSpPr>
@@ -6611,7 +7544,7 @@
       </p:sp>
       <p:sp>
         <p:nvSpPr>
-          <p:cNvPr id="227" name="9"/>
+          <p:cNvPr id="229" name="9"/>
           <p:cNvSpPr/>
           <p:nvPr/>
         </p:nvSpPr>
@@ -6656,7 +7589,7 @@
       </p:sp>
       <p:sp>
         <p:nvSpPr>
-          <p:cNvPr id="228" name="2"/>
+          <p:cNvPr id="230" name="2"/>
           <p:cNvSpPr/>
           <p:nvPr/>
         </p:nvSpPr>
@@ -6701,7 +7634,7 @@
       </p:sp>
       <p:sp>
         <p:nvSpPr>
-          <p:cNvPr id="229" name="Line"/>
+          <p:cNvPr id="231" name="Line"/>
           <p:cNvSpPr/>
           <p:nvPr/>
         </p:nvSpPr>
@@ -6729,7 +7662,7 @@
       </p:sp>
       <p:grpSp>
         <p:nvGrpSpPr>
-          <p:cNvPr id="232" name="Group"/>
+          <p:cNvPr id="234" name="Group"/>
           <p:cNvGrpSpPr/>
           <p:nvPr/>
         </p:nvGrpSpPr>
@@ -6743,7 +7676,7 @@
         </p:grpSpPr>
         <p:sp>
           <p:nvSpPr>
-            <p:cNvPr id="230" name="6"/>
+            <p:cNvPr id="232" name="6"/>
             <p:cNvSpPr/>
             <p:nvPr/>
           </p:nvSpPr>
@@ -6794,7 +7727,7 @@
         </p:sp>
         <p:sp>
           <p:nvSpPr>
-            <p:cNvPr id="231" name="Line"/>
+            <p:cNvPr id="233" name="Line"/>
             <p:cNvSpPr/>
             <p:nvPr/>
           </p:nvSpPr>
@@ -6829,7 +7762,7 @@
       </p:grpSp>
       <p:grpSp>
         <p:nvGrpSpPr>
-          <p:cNvPr id="235" name="Group"/>
+          <p:cNvPr id="237" name="Group"/>
           <p:cNvGrpSpPr/>
           <p:nvPr/>
         </p:nvGrpSpPr>
@@ -6843,7 +7776,7 @@
         </p:grpSpPr>
         <p:sp>
           <p:nvSpPr>
-            <p:cNvPr id="233" name="5"/>
+            <p:cNvPr id="235" name="5"/>
             <p:cNvSpPr/>
             <p:nvPr/>
           </p:nvSpPr>
@@ -6894,7 +7827,7 @@
         </p:sp>
         <p:sp>
           <p:nvSpPr>
-            <p:cNvPr id="234" name="Line"/>
+            <p:cNvPr id="236" name="Line"/>
             <p:cNvSpPr/>
             <p:nvPr/>
           </p:nvSpPr>
@@ -6929,7 +7862,7 @@
       </p:grpSp>
       <p:grpSp>
         <p:nvGrpSpPr>
-          <p:cNvPr id="238" name="Group"/>
+          <p:cNvPr id="240" name="Group"/>
           <p:cNvGrpSpPr/>
           <p:nvPr/>
         </p:nvGrpSpPr>
@@ -6943,7 +7876,7 @@
         </p:grpSpPr>
         <p:sp>
           <p:nvSpPr>
-            <p:cNvPr id="236" name="1"/>
+            <p:cNvPr id="238" name="1"/>
             <p:cNvSpPr/>
             <p:nvPr/>
           </p:nvSpPr>
@@ -6994,7 +7927,7 @@
         </p:sp>
         <p:sp>
           <p:nvSpPr>
-            <p:cNvPr id="237" name="Line"/>
+            <p:cNvPr id="239" name="Line"/>
             <p:cNvSpPr/>
             <p:nvPr/>
           </p:nvSpPr>
@@ -7029,7 +7962,7 @@
       </p:grpSp>
       <p:grpSp>
         <p:nvGrpSpPr>
-          <p:cNvPr id="241" name="Group"/>
+          <p:cNvPr id="243" name="Group"/>
           <p:cNvGrpSpPr/>
           <p:nvPr/>
         </p:nvGrpSpPr>
@@ -7043,7 +7976,7 @@
         </p:grpSpPr>
         <p:sp>
           <p:nvSpPr>
-            <p:cNvPr id="239" name="7"/>
+            <p:cNvPr id="241" name="7"/>
             <p:cNvSpPr/>
             <p:nvPr/>
           </p:nvSpPr>
@@ -7094,7 +8027,7 @@
         </p:sp>
         <p:sp>
           <p:nvSpPr>
-            <p:cNvPr id="240" name="Line"/>
+            <p:cNvPr id="242" name="Line"/>
             <p:cNvSpPr/>
             <p:nvPr/>
           </p:nvSpPr>
@@ -7127,6 +8060,64 @@
           </p:txBody>
         </p:sp>
       </p:grpSp>
+      <p:sp>
+        <p:nvSpPr>
+          <p:cNvPr id="244" name="keys: 2,9,7,6,5,1"/>
+          <p:cNvSpPr txBox="1"/>
+          <p:nvPr/>
+        </p:nvSpPr>
+        <p:spPr>
+          <a:xfrm>
+            <a:off x="220277" y="5774687"/>
+            <a:ext cx="3328418" cy="571923"/>
+          </a:xfrm>
+          <a:prstGeom prst="rect">
+            <a:avLst/>
+          </a:prstGeom>
+          <a:ln w="12700">
+            <a:miter lim="400000"/>
+          </a:ln>
+          <a:extLst>
+            <a:ext uri="{C572A759-6A51-4108-AA02-DFA0A04FC94B}">
+              <ma14:wrappingTextBoxFlag xmlns:ma14="http://schemas.microsoft.com/office/mac/drawingml/2011/main" val="1"/>
+            </a:ext>
+          </a:extLst>
+        </p:spPr>
+        <p:txBody>
+          <a:bodyPr wrap="none" lIns="50800" tIns="50800" rIns="50800" bIns="50800" anchor="ctr">
+            <a:spAutoFit/>
+          </a:bodyPr>
+          <a:lstStyle/>
+          <a:p>
+            <a:pPr marL="0">
+              <a:lnSpc>
+                <a:spcPct val="90000"/>
+              </a:lnSpc>
+              <a:spcBef>
+                <a:spcPts val="700"/>
+              </a:spcBef>
+              <a:defRPr sz="3200">
+                <a:latin typeface="+mn-lt"/>
+                <a:ea typeface="+mn-ea"/>
+                <a:cs typeface="+mn-cs"/>
+                <a:sym typeface="Gill Sans"/>
+              </a:defRPr>
+            </a:pPr>
+            <a:r>
+              <a:t>keys: </a:t>
+            </a:r>
+            <a:r>
+              <a:rPr sz="2800">
+                <a:latin typeface="Courier New"/>
+                <a:ea typeface="Courier New"/>
+                <a:cs typeface="Courier New"/>
+                <a:sym typeface="Courier New"/>
+              </a:rPr>
+              <a:t>2,9,7,6,5,1</a:t>
+            </a:r>
+          </a:p>
+        </p:txBody>
+      </p:sp>
     </p:spTree>
   </p:cSld>
   <p:clrMapOvr>
@@ -7166,7 +8157,7 @@
                                       <p:cBhvr>
                                         <p:cTn id="6" fill="hold"/>
                                         <p:tgtEl>
-                                          <p:spTgt spid="196"/>
+                                          <p:spTgt spid="198"/>
                                         </p:tgtEl>
                                         <p:attrNameLst>
                                           <p:attrName>style.visibility</p:attrName>
@@ -7201,7 +8192,7 @@
                                       <p:cBhvr>
                                         <p:cTn id="9" fill="hold"/>
                                         <p:tgtEl>
-                                          <p:spTgt spid="210"/>
+                                          <p:spTgt spid="212"/>
                                         </p:tgtEl>
                                         <p:attrNameLst>
                                           <p:attrName>style.visibility</p:attrName>
@@ -7236,7 +8227,7 @@
                                       <p:cBhvr>
                                         <p:cTn id="12" fill="hold"/>
                                         <p:tgtEl>
-                                          <p:spTgt spid="198"/>
+                                          <p:spTgt spid="200"/>
                                         </p:tgtEl>
                                         <p:attrNameLst>
                                           <p:attrName>style.visibility</p:attrName>
@@ -7271,7 +8262,7 @@
                                       <p:cBhvr>
                                         <p:cTn id="15" fill="hold"/>
                                         <p:tgtEl>
-                                          <p:spTgt spid="197"/>
+                                          <p:spTgt spid="199"/>
                                         </p:tgtEl>
                                         <p:attrNameLst>
                                           <p:attrName>style.visibility</p:attrName>
@@ -7306,7 +8297,7 @@
                                       <p:cBhvr>
                                         <p:cTn id="18" fill="hold"/>
                                         <p:tgtEl>
-                                          <p:spTgt spid="204"/>
+                                          <p:spTgt spid="206"/>
                                         </p:tgtEl>
                                         <p:attrNameLst>
                                           <p:attrName>style.visibility</p:attrName>
@@ -7341,7 +8332,7 @@
                                       <p:cBhvr>
                                         <p:cTn id="21" fill="hold"/>
                                         <p:tgtEl>
-                                          <p:spTgt spid="201"/>
+                                          <p:spTgt spid="203"/>
                                         </p:tgtEl>
                                         <p:attrNameLst>
                                           <p:attrName>style.visibility</p:attrName>
@@ -7376,7 +8367,7 @@
                                       <p:cBhvr>
                                         <p:cTn id="24" fill="hold"/>
                                         <p:tgtEl>
-                                          <p:spTgt spid="207"/>
+                                          <p:spTgt spid="209"/>
                                         </p:tgtEl>
                                         <p:attrNameLst>
                                           <p:attrName>style.visibility</p:attrName>
@@ -7420,7 +8411,51 @@
                                       <p:cBhvr>
                                         <p:cTn id="28" fill="hold"/>
                                         <p:tgtEl>
-                                          <p:spTgt spid="192">
+                                          <p:spTgt spid="244"/>
+                                        </p:tgtEl>
+                                        <p:attrNameLst>
+                                          <p:attrName>style.visibility</p:attrName>
+                                        </p:attrNameLst>
+                                      </p:cBhvr>
+                                      <p:to>
+                                        <p:strVal val="visible"/>
+                                      </p:to>
+                                    </p:set>
+                                  </p:childTnLst>
+                                </p:cTn>
+                              </p:par>
+                            </p:childTnLst>
+                          </p:cTn>
+                        </p:par>
+                      </p:childTnLst>
+                    </p:cTn>
+                  </p:par>
+                  <p:par>
+                    <p:cTn id="29" fill="hold">
+                      <p:stCondLst>
+                        <p:cond delay="indefinite"/>
+                      </p:stCondLst>
+                      <p:childTnLst>
+                        <p:par>
+                          <p:cTn id="30" fill="hold">
+                            <p:stCondLst>
+                              <p:cond delay="0"/>
+                            </p:stCondLst>
+                            <p:childTnLst>
+                              <p:par>
+                                <p:cTn id="31" presetClass="entr" nodeType="clickEffect" presetSubtype="0" presetID="1" grpId="9" fill="hold">
+                                  <p:stCondLst>
+                                    <p:cond delay="0"/>
+                                  </p:stCondLst>
+                                  <p:iterate type="el" backwards="0">
+                                    <p:tmAbs val="0"/>
+                                  </p:iterate>
+                                  <p:childTnLst>
+                                    <p:set>
+                                      <p:cBhvr>
+                                        <p:cTn id="32" fill="hold"/>
+                                        <p:tgtEl>
+                                          <p:spTgt spid="194">
                                             <p:bg/>
                                           </p:spTgt>
                                         </p:tgtEl>
@@ -7436,7 +8471,7 @@
                                 </p:cTn>
                               </p:par>
                               <p:par>
-                                <p:cTn id="29" presetClass="entr" nodeType="withEffect" presetSubtype="0" presetID="1" grpId="8" fill="hold">
+                                <p:cTn id="33" presetClass="entr" nodeType="withEffect" presetSubtype="0" presetID="1" grpId="9" fill="hold">
                                   <p:stCondLst>
                                     <p:cond delay="0"/>
                                   </p:stCondLst>
@@ -7446,9 +8481,9 @@
                                   <p:childTnLst>
                                     <p:set>
                                       <p:cBhvr>
-                                        <p:cTn id="30" fill="hold"/>
+                                        <p:cTn id="34" fill="hold"/>
                                         <p:tgtEl>
-                                          <p:spTgt spid="192">
+                                          <p:spTgt spid="194">
                                             <p:txEl>
                                               <p:pRg st="0" end="0"/>
                                             </p:txEl>
@@ -7472,28 +8507,28 @@
                     </p:cTn>
                   </p:par>
                   <p:par>
-                    <p:cTn id="31" fill="hold">
+                    <p:cTn id="35" fill="hold">
                       <p:stCondLst>
                         <p:cond delay="indefinite"/>
                       </p:stCondLst>
                       <p:childTnLst>
                         <p:par>
-                          <p:cTn id="32" fill="hold">
+                          <p:cTn id="36" fill="hold">
                             <p:stCondLst>
                               <p:cond delay="0"/>
                             </p:stCondLst>
                             <p:childTnLst>
                               <p:par>
-                                <p:cTn id="33" presetClass="emph" nodeType="clickEffect" presetSubtype="0" presetID="35" grpId="9" repeatCount="4000" fill="hold">
+                                <p:cTn id="37" presetClass="emph" nodeType="clickEffect" presetSubtype="0" presetID="35" grpId="10" repeatCount="4000" fill="hold">
                                   <p:stCondLst>
                                     <p:cond delay="0"/>
                                   </p:stCondLst>
                                   <p:childTnLst>
                                     <p:anim calcmode="discrete" valueType="str">
                                       <p:cBhvr>
-                                        <p:cTn id="34" dur="1000" fill="hold"/>
+                                        <p:cTn id="38" dur="1000" fill="hold"/>
                                         <p:tgtEl>
-                                          <p:spTgt spid="197"/>
+                                          <p:spTgt spid="199"/>
                                         </p:tgtEl>
                                         <p:attrNameLst>
                                           <p:attrName>style.visibility</p:attrName>
@@ -7522,19 +8557,19 @@
                     </p:cTn>
                   </p:par>
                   <p:par>
-                    <p:cTn id="35" fill="hold">
+                    <p:cTn id="39" fill="hold">
                       <p:stCondLst>
                         <p:cond delay="indefinite"/>
                       </p:stCondLst>
                       <p:childTnLst>
                         <p:par>
-                          <p:cTn id="36" fill="hold">
+                          <p:cTn id="40" fill="hold">
                             <p:stCondLst>
                               <p:cond delay="0"/>
                             </p:stCondLst>
                             <p:childTnLst>
                               <p:par>
-                                <p:cTn id="37" presetClass="entr" nodeType="clickEffect" presetSubtype="0" presetID="1" grpId="8" fill="hold">
+                                <p:cTn id="41" presetClass="entr" nodeType="clickEffect" presetSubtype="0" presetID="1" grpId="9" fill="hold">
                                   <p:stCondLst>
                                     <p:cond delay="0"/>
                                   </p:stCondLst>
@@ -7544,9 +8579,9 @@
                                   <p:childTnLst>
                                     <p:set>
                                       <p:cBhvr>
-                                        <p:cTn id="38" fill="hold"/>
+                                        <p:cTn id="42" fill="hold"/>
                                         <p:tgtEl>
-                                          <p:spTgt spid="192">
+                                          <p:spTgt spid="194">
                                             <p:txEl>
                                               <p:pRg st="1" end="1"/>
                                             </p:txEl>
@@ -7570,19 +8605,19 @@
                     </p:cTn>
                   </p:par>
                   <p:par>
-                    <p:cTn id="39" fill="hold">
+                    <p:cTn id="43" fill="hold">
                       <p:stCondLst>
                         <p:cond delay="indefinite"/>
                       </p:stCondLst>
                       <p:childTnLst>
                         <p:par>
-                          <p:cTn id="40" fill="hold">
+                          <p:cTn id="44" fill="hold">
                             <p:stCondLst>
                               <p:cond delay="0"/>
                             </p:stCondLst>
                             <p:childTnLst>
                               <p:par>
-                                <p:cTn id="41" presetClass="entr" nodeType="clickEffect" presetSubtype="0" presetID="1" grpId="10" fill="hold">
+                                <p:cTn id="45" presetClass="entr" nodeType="clickEffect" presetSubtype="0" presetID="1" grpId="11" fill="hold">
                                   <p:stCondLst>
                                     <p:cond delay="0"/>
                                   </p:stCondLst>
@@ -7592,77 +8627,7 @@
                                   <p:childTnLst>
                                     <p:set>
                                       <p:cBhvr>
-                                        <p:cTn id="42" fill="hold"/>
-                                        <p:tgtEl>
-                                          <p:spTgt spid="211"/>
-                                        </p:tgtEl>
-                                        <p:attrNameLst>
-                                          <p:attrName>style.visibility</p:attrName>
-                                        </p:attrNameLst>
-                                      </p:cBhvr>
-                                      <p:to>
-                                        <p:strVal val="visible"/>
-                                      </p:to>
-                                    </p:set>
-                                  </p:childTnLst>
-                                </p:cTn>
-                              </p:par>
-                            </p:childTnLst>
-                          </p:cTn>
-                        </p:par>
-                        <p:par>
-                          <p:cTn id="43" fill="hold">
-                            <p:stCondLst>
-                              <p:cond delay="0"/>
-                            </p:stCondLst>
-                            <p:childTnLst>
-                              <p:par>
-                                <p:cTn id="44" presetClass="entr" nodeType="afterEffect" presetSubtype="0" presetID="1" grpId="11" fill="hold">
-                                  <p:stCondLst>
-                                    <p:cond delay="0"/>
-                                  </p:stCondLst>
-                                  <p:iterate type="el" backwards="0">
-                                    <p:tmAbs val="0"/>
-                                  </p:iterate>
-                                  <p:childTnLst>
-                                    <p:set>
-                                      <p:cBhvr>
-                                        <p:cTn id="45" fill="hold"/>
-                                        <p:tgtEl>
-                                          <p:spTgt spid="225"/>
-                                        </p:tgtEl>
-                                        <p:attrNameLst>
-                                          <p:attrName>style.visibility</p:attrName>
-                                        </p:attrNameLst>
-                                      </p:cBhvr>
-                                      <p:to>
-                                        <p:strVal val="visible"/>
-                                      </p:to>
-                                    </p:set>
-                                  </p:childTnLst>
-                                </p:cTn>
-                              </p:par>
-                            </p:childTnLst>
-                          </p:cTn>
-                        </p:par>
-                        <p:par>
-                          <p:cTn id="46" fill="hold">
-                            <p:stCondLst>
-                              <p:cond delay="0"/>
-                            </p:stCondLst>
-                            <p:childTnLst>
-                              <p:par>
-                                <p:cTn id="47" presetClass="entr" nodeType="afterEffect" presetSubtype="0" presetID="1" grpId="12" fill="hold">
-                                  <p:stCondLst>
-                                    <p:cond delay="0"/>
-                                  </p:stCondLst>
-                                  <p:iterate type="el" backwards="0">
-                                    <p:tmAbs val="0"/>
-                                  </p:iterate>
-                                  <p:childTnLst>
-                                    <p:set>
-                                      <p:cBhvr>
-                                        <p:cTn id="48" fill="hold"/>
+                                        <p:cTn id="46" fill="hold"/>
                                         <p:tgtEl>
                                           <p:spTgt spid="213"/>
                                         </p:tgtEl>
@@ -7681,13 +8646,13 @@
                           </p:cTn>
                         </p:par>
                         <p:par>
-                          <p:cTn id="49" fill="hold">
+                          <p:cTn id="47" fill="hold">
                             <p:stCondLst>
                               <p:cond delay="0"/>
                             </p:stCondLst>
                             <p:childTnLst>
                               <p:par>
-                                <p:cTn id="50" presetClass="entr" nodeType="afterEffect" presetSubtype="0" presetID="1" grpId="13" fill="hold">
+                                <p:cTn id="48" presetClass="entr" nodeType="afterEffect" presetSubtype="0" presetID="1" grpId="12" fill="hold">
                                   <p:stCondLst>
                                     <p:cond delay="0"/>
                                   </p:stCondLst>
@@ -7697,9 +8662,9 @@
                                   <p:childTnLst>
                                     <p:set>
                                       <p:cBhvr>
-                                        <p:cTn id="51" fill="hold"/>
+                                        <p:cTn id="49" fill="hold"/>
                                         <p:tgtEl>
-                                          <p:spTgt spid="212"/>
+                                          <p:spTgt spid="227"/>
                                         </p:tgtEl>
                                         <p:attrNameLst>
                                           <p:attrName>style.visibility</p:attrName>
@@ -7716,13 +8681,13 @@
                           </p:cTn>
                         </p:par>
                         <p:par>
-                          <p:cTn id="52" fill="hold">
+                          <p:cTn id="50" fill="hold">
                             <p:stCondLst>
                               <p:cond delay="0"/>
                             </p:stCondLst>
                             <p:childTnLst>
                               <p:par>
-                                <p:cTn id="53" presetClass="entr" nodeType="afterEffect" presetSubtype="0" presetID="1" grpId="14" fill="hold">
+                                <p:cTn id="51" presetClass="entr" nodeType="afterEffect" presetSubtype="0" presetID="1" grpId="13" fill="hold">
                                   <p:stCondLst>
                                     <p:cond delay="0"/>
                                   </p:stCondLst>
@@ -7732,9 +8697,9 @@
                                   <p:childTnLst>
                                     <p:set>
                                       <p:cBhvr>
-                                        <p:cTn id="54" fill="hold"/>
+                                        <p:cTn id="52" fill="hold"/>
                                         <p:tgtEl>
-                                          <p:spTgt spid="219"/>
+                                          <p:spTgt spid="215"/>
                                         </p:tgtEl>
                                         <p:attrNameLst>
                                           <p:attrName>style.visibility</p:attrName>
@@ -7751,13 +8716,13 @@
                           </p:cTn>
                         </p:par>
                         <p:par>
-                          <p:cTn id="55" fill="hold">
+                          <p:cTn id="53" fill="hold">
                             <p:stCondLst>
                               <p:cond delay="0"/>
                             </p:stCondLst>
                             <p:childTnLst>
                               <p:par>
-                                <p:cTn id="56" presetClass="entr" nodeType="afterEffect" presetSubtype="0" presetID="1" grpId="15" fill="hold">
+                                <p:cTn id="54" presetClass="entr" nodeType="afterEffect" presetSubtype="0" presetID="1" grpId="14" fill="hold">
                                   <p:stCondLst>
                                     <p:cond delay="0"/>
                                   </p:stCondLst>
@@ -7767,9 +8732,9 @@
                                   <p:childTnLst>
                                     <p:set>
                                       <p:cBhvr>
-                                        <p:cTn id="57" fill="hold"/>
+                                        <p:cTn id="55" fill="hold"/>
                                         <p:tgtEl>
-                                          <p:spTgt spid="216"/>
+                                          <p:spTgt spid="214"/>
                                         </p:tgtEl>
                                         <p:attrNameLst>
                                           <p:attrName>style.visibility</p:attrName>
@@ -7786,13 +8751,13 @@
                           </p:cTn>
                         </p:par>
                         <p:par>
-                          <p:cTn id="58" fill="hold">
+                          <p:cTn id="56" fill="hold">
                             <p:stCondLst>
                               <p:cond delay="0"/>
                             </p:stCondLst>
                             <p:childTnLst>
                               <p:par>
-                                <p:cTn id="59" presetClass="entr" nodeType="afterEffect" presetSubtype="0" presetID="1" grpId="16" fill="hold">
+                                <p:cTn id="57" presetClass="entr" nodeType="afterEffect" presetSubtype="0" presetID="1" grpId="15" fill="hold">
                                   <p:stCondLst>
                                     <p:cond delay="0"/>
                                   </p:stCondLst>
@@ -7802,9 +8767,9 @@
                                   <p:childTnLst>
                                     <p:set>
                                       <p:cBhvr>
-                                        <p:cTn id="60" fill="hold"/>
+                                        <p:cTn id="58" fill="hold"/>
                                         <p:tgtEl>
-                                          <p:spTgt spid="222"/>
+                                          <p:spTgt spid="221"/>
                                         </p:tgtEl>
                                         <p:attrNameLst>
                                           <p:attrName>style.visibility</p:attrName>
@@ -7820,15 +8785,41 @@
                             </p:childTnLst>
                           </p:cTn>
                         </p:par>
-                      </p:childTnLst>
-                    </p:cTn>
-                  </p:par>
-                  <p:par>
-                    <p:cTn id="61" fill="hold">
-                      <p:stCondLst>
-                        <p:cond delay="indefinite"/>
-                      </p:stCondLst>
-                      <p:childTnLst>
+                        <p:par>
+                          <p:cTn id="59" fill="hold">
+                            <p:stCondLst>
+                              <p:cond delay="0"/>
+                            </p:stCondLst>
+                            <p:childTnLst>
+                              <p:par>
+                                <p:cTn id="60" presetClass="entr" nodeType="afterEffect" presetSubtype="0" presetID="1" grpId="16" fill="hold">
+                                  <p:stCondLst>
+                                    <p:cond delay="0"/>
+                                  </p:stCondLst>
+                                  <p:iterate type="el" backwards="0">
+                                    <p:tmAbs val="0"/>
+                                  </p:iterate>
+                                  <p:childTnLst>
+                                    <p:set>
+                                      <p:cBhvr>
+                                        <p:cTn id="61" fill="hold"/>
+                                        <p:tgtEl>
+                                          <p:spTgt spid="218"/>
+                                        </p:tgtEl>
+                                        <p:attrNameLst>
+                                          <p:attrName>style.visibility</p:attrName>
+                                        </p:attrNameLst>
+                                      </p:cBhvr>
+                                      <p:to>
+                                        <p:strVal val="visible"/>
+                                      </p:to>
+                                    </p:set>
+                                  </p:childTnLst>
+                                </p:cTn>
+                              </p:par>
+                            </p:childTnLst>
+                          </p:cTn>
+                        </p:par>
                         <p:par>
                           <p:cTn id="62" fill="hold">
                             <p:stCondLst>
@@ -7836,7 +8827,7 @@
                             </p:stCondLst>
                             <p:childTnLst>
                               <p:par>
-                                <p:cTn id="63" presetClass="entr" nodeType="clickEffect" presetSubtype="0" presetID="1" grpId="8" fill="hold">
+                                <p:cTn id="63" presetClass="entr" nodeType="afterEffect" presetSubtype="0" presetID="1" grpId="17" fill="hold">
                                   <p:stCondLst>
                                     <p:cond delay="0"/>
                                   </p:stCondLst>
@@ -7848,11 +8839,7 @@
                                       <p:cBhvr>
                                         <p:cTn id="64" fill="hold"/>
                                         <p:tgtEl>
-                                          <p:spTgt spid="192">
-                                            <p:txEl>
-                                              <p:pRg st="2" end="2"/>
-                                            </p:txEl>
-                                          </p:spTgt>
+                                          <p:spTgt spid="224"/>
                                         </p:tgtEl>
                                         <p:attrNameLst>
                                           <p:attrName>style.visibility</p:attrName>
@@ -7884,16 +8871,64 @@
                             </p:stCondLst>
                             <p:childTnLst>
                               <p:par>
-                                <p:cTn id="67" presetClass="emph" nodeType="clickEffect" presetSubtype="0" presetID="35" grpId="17" repeatCount="4000" fill="hold">
+                                <p:cTn id="67" presetClass="entr" nodeType="clickEffect" presetSubtype="0" presetID="1" grpId="9" fill="hold">
+                                  <p:stCondLst>
+                                    <p:cond delay="0"/>
+                                  </p:stCondLst>
+                                  <p:iterate type="el" backwards="0">
+                                    <p:tmAbs val="0"/>
+                                  </p:iterate>
+                                  <p:childTnLst>
+                                    <p:set>
+                                      <p:cBhvr>
+                                        <p:cTn id="68" fill="hold"/>
+                                        <p:tgtEl>
+                                          <p:spTgt spid="194">
+                                            <p:txEl>
+                                              <p:pRg st="2" end="2"/>
+                                            </p:txEl>
+                                          </p:spTgt>
+                                        </p:tgtEl>
+                                        <p:attrNameLst>
+                                          <p:attrName>style.visibility</p:attrName>
+                                        </p:attrNameLst>
+                                      </p:cBhvr>
+                                      <p:to>
+                                        <p:strVal val="visible"/>
+                                      </p:to>
+                                    </p:set>
+                                  </p:childTnLst>
+                                </p:cTn>
+                              </p:par>
+                            </p:childTnLst>
+                          </p:cTn>
+                        </p:par>
+                      </p:childTnLst>
+                    </p:cTn>
+                  </p:par>
+                  <p:par>
+                    <p:cTn id="69" fill="hold">
+                      <p:stCondLst>
+                        <p:cond delay="indefinite"/>
+                      </p:stCondLst>
+                      <p:childTnLst>
+                        <p:par>
+                          <p:cTn id="70" fill="hold">
+                            <p:stCondLst>
+                              <p:cond delay="0"/>
+                            </p:stCondLst>
+                            <p:childTnLst>
+                              <p:par>
+                                <p:cTn id="71" presetClass="emph" nodeType="clickEffect" presetSubtype="0" presetID="35" grpId="18" repeatCount="4000" fill="hold">
                                   <p:stCondLst>
                                     <p:cond delay="0"/>
                                   </p:stCondLst>
                                   <p:childTnLst>
                                     <p:anim calcmode="discrete" valueType="str">
                                       <p:cBhvr>
-                                        <p:cTn id="68" dur="1000" fill="hold"/>
+                                        <p:cTn id="72" dur="1000" fill="hold"/>
                                         <p:tgtEl>
-                                          <p:spTgt spid="211"/>
+                                          <p:spTgt spid="213"/>
                                         </p:tgtEl>
                                         <p:attrNameLst>
                                           <p:attrName>style.visibility</p:attrName>
@@ -7922,54 +8957,6 @@
                     </p:cTn>
                   </p:par>
                   <p:par>
-                    <p:cTn id="69" fill="hold">
-                      <p:stCondLst>
-                        <p:cond delay="indefinite"/>
-                      </p:stCondLst>
-                      <p:childTnLst>
-                        <p:par>
-                          <p:cTn id="70" fill="hold">
-                            <p:stCondLst>
-                              <p:cond delay="0"/>
-                            </p:stCondLst>
-                            <p:childTnLst>
-                              <p:par>
-                                <p:cTn id="71" presetClass="entr" nodeType="clickEffect" presetSubtype="0" presetID="1" grpId="8" fill="hold">
-                                  <p:stCondLst>
-                                    <p:cond delay="0"/>
-                                  </p:stCondLst>
-                                  <p:iterate type="el" backwards="0">
-                                    <p:tmAbs val="0"/>
-                                  </p:iterate>
-                                  <p:childTnLst>
-                                    <p:set>
-                                      <p:cBhvr>
-                                        <p:cTn id="72" fill="hold"/>
-                                        <p:tgtEl>
-                                          <p:spTgt spid="192">
-                                            <p:txEl>
-                                              <p:pRg st="3" end="3"/>
-                                            </p:txEl>
-                                          </p:spTgt>
-                                        </p:tgtEl>
-                                        <p:attrNameLst>
-                                          <p:attrName>style.visibility</p:attrName>
-                                        </p:attrNameLst>
-                                      </p:cBhvr>
-                                      <p:to>
-                                        <p:strVal val="visible"/>
-                                      </p:to>
-                                    </p:set>
-                                  </p:childTnLst>
-                                </p:cTn>
-                              </p:par>
-                            </p:childTnLst>
-                          </p:cTn>
-                        </p:par>
-                      </p:childTnLst>
-                    </p:cTn>
-                  </p:par>
-                  <p:par>
                     <p:cTn id="73" fill="hold">
                       <p:stCondLst>
                         <p:cond delay="indefinite"/>
@@ -7982,7 +8969,7 @@
                             </p:stCondLst>
                             <p:childTnLst>
                               <p:par>
-                                <p:cTn id="75" presetClass="entr" nodeType="clickEffect" presetSubtype="0" presetID="1" grpId="18" fill="hold">
+                                <p:cTn id="75" presetClass="entr" nodeType="clickEffect" presetSubtype="0" presetID="1" grpId="9" fill="hold">
                                   <p:stCondLst>
                                     <p:cond delay="0"/>
                                   </p:stCondLst>
@@ -7994,7 +8981,11 @@
                                       <p:cBhvr>
                                         <p:cTn id="76" fill="hold"/>
                                         <p:tgtEl>
-                                          <p:spTgt spid="226"/>
+                                          <p:spTgt spid="194">
+                                            <p:txEl>
+                                              <p:pRg st="3" end="3"/>
+                                            </p:txEl>
+                                          </p:spTgt>
                                         </p:tgtEl>
                                         <p:attrNameLst>
                                           <p:attrName>style.visibility</p:attrName>
@@ -8038,7 +9029,7 @@
                                       <p:cBhvr>
                                         <p:cTn id="80" fill="hold"/>
                                         <p:tgtEl>
-                                          <p:spTgt spid="227"/>
+                                          <p:spTgt spid="228"/>
                                         </p:tgtEl>
                                         <p:attrNameLst>
                                           <p:attrName>style.visibility</p:attrName>
@@ -8054,14 +9045,23 @@
                             </p:childTnLst>
                           </p:cTn>
                         </p:par>
+                      </p:childTnLst>
+                    </p:cTn>
+                  </p:par>
+                  <p:par>
+                    <p:cTn id="81" fill="hold">
+                      <p:stCondLst>
+                        <p:cond delay="indefinite"/>
+                      </p:stCondLst>
+                      <p:childTnLst>
                         <p:par>
-                          <p:cTn id="81" fill="hold">
+                          <p:cTn id="82" fill="hold">
                             <p:stCondLst>
                               <p:cond delay="0"/>
                             </p:stCondLst>
                             <p:childTnLst>
                               <p:par>
-                                <p:cTn id="82" presetClass="entr" nodeType="afterEffect" presetSubtype="0" presetID="1" grpId="20" fill="hold">
+                                <p:cTn id="83" presetClass="entr" nodeType="clickEffect" presetSubtype="0" presetID="1" grpId="20" fill="hold">
                                   <p:stCondLst>
                                     <p:cond delay="0"/>
                                   </p:stCondLst>
@@ -8071,42 +9071,7 @@
                                   <p:childTnLst>
                                     <p:set>
                                       <p:cBhvr>
-                                        <p:cTn id="83" fill="hold"/>
-                                        <p:tgtEl>
-                                          <p:spTgt spid="241"/>
-                                        </p:tgtEl>
-                                        <p:attrNameLst>
-                                          <p:attrName>style.visibility</p:attrName>
-                                        </p:attrNameLst>
-                                      </p:cBhvr>
-                                      <p:to>
-                                        <p:strVal val="visible"/>
-                                      </p:to>
-                                    </p:set>
-                                  </p:childTnLst>
-                                </p:cTn>
-                              </p:par>
-                            </p:childTnLst>
-                          </p:cTn>
-                        </p:par>
-                        <p:par>
-                          <p:cTn id="84" fill="hold">
-                            <p:stCondLst>
-                              <p:cond delay="0"/>
-                            </p:stCondLst>
-                            <p:childTnLst>
-                              <p:par>
-                                <p:cTn id="85" presetClass="entr" nodeType="afterEffect" presetSubtype="0" presetID="1" grpId="21" fill="hold">
-                                  <p:stCondLst>
-                                    <p:cond delay="0"/>
-                                  </p:stCondLst>
-                                  <p:iterate type="el" backwards="0">
-                                    <p:tmAbs val="0"/>
-                                  </p:iterate>
-                                  <p:childTnLst>
-                                    <p:set>
-                                      <p:cBhvr>
-                                        <p:cTn id="86" fill="hold"/>
+                                        <p:cTn id="84" fill="hold"/>
                                         <p:tgtEl>
                                           <p:spTgt spid="229"/>
                                         </p:tgtEl>
@@ -8125,13 +9090,13 @@
                           </p:cTn>
                         </p:par>
                         <p:par>
-                          <p:cTn id="87" fill="hold">
+                          <p:cTn id="85" fill="hold">
                             <p:stCondLst>
                               <p:cond delay="0"/>
                             </p:stCondLst>
                             <p:childTnLst>
                               <p:par>
-                                <p:cTn id="88" presetClass="entr" nodeType="afterEffect" presetSubtype="0" presetID="1" grpId="22" fill="hold">
+                                <p:cTn id="86" presetClass="entr" nodeType="afterEffect" presetSubtype="0" presetID="1" grpId="21" fill="hold">
                                   <p:stCondLst>
                                     <p:cond delay="0"/>
                                   </p:stCondLst>
@@ -8141,9 +9106,9 @@
                                   <p:childTnLst>
                                     <p:set>
                                       <p:cBhvr>
-                                        <p:cTn id="89" fill="hold"/>
+                                        <p:cTn id="87" fill="hold"/>
                                         <p:tgtEl>
-                                          <p:spTgt spid="228"/>
+                                          <p:spTgt spid="243"/>
                                         </p:tgtEl>
                                         <p:attrNameLst>
                                           <p:attrName>style.visibility</p:attrName>
@@ -8160,13 +9125,13 @@
                           </p:cTn>
                         </p:par>
                         <p:par>
-                          <p:cTn id="90" fill="hold">
+                          <p:cTn id="88" fill="hold">
                             <p:stCondLst>
                               <p:cond delay="0"/>
                             </p:stCondLst>
                             <p:childTnLst>
                               <p:par>
-                                <p:cTn id="91" presetClass="entr" nodeType="afterEffect" presetSubtype="0" presetID="1" grpId="23" fill="hold">
+                                <p:cTn id="89" presetClass="entr" nodeType="afterEffect" presetSubtype="0" presetID="1" grpId="22" fill="hold">
                                   <p:stCondLst>
                                     <p:cond delay="0"/>
                                   </p:stCondLst>
@@ -8176,9 +9141,9 @@
                                   <p:childTnLst>
                                     <p:set>
                                       <p:cBhvr>
-                                        <p:cTn id="92" fill="hold"/>
+                                        <p:cTn id="90" fill="hold"/>
                                         <p:tgtEl>
-                                          <p:spTgt spid="235"/>
+                                          <p:spTgt spid="231"/>
                                         </p:tgtEl>
                                         <p:attrNameLst>
                                           <p:attrName>style.visibility</p:attrName>
@@ -8195,13 +9160,13 @@
                           </p:cTn>
                         </p:par>
                         <p:par>
-                          <p:cTn id="93" fill="hold">
+                          <p:cTn id="91" fill="hold">
                             <p:stCondLst>
                               <p:cond delay="0"/>
                             </p:stCondLst>
                             <p:childTnLst>
                               <p:par>
-                                <p:cTn id="94" presetClass="entr" nodeType="afterEffect" presetSubtype="0" presetID="1" grpId="24" fill="hold">
+                                <p:cTn id="92" presetClass="entr" nodeType="afterEffect" presetSubtype="0" presetID="1" grpId="23" fill="hold">
                                   <p:stCondLst>
                                     <p:cond delay="0"/>
                                   </p:stCondLst>
@@ -8211,9 +9176,9 @@
                                   <p:childTnLst>
                                     <p:set>
                                       <p:cBhvr>
-                                        <p:cTn id="95" fill="hold"/>
+                                        <p:cTn id="93" fill="hold"/>
                                         <p:tgtEl>
-                                          <p:spTgt spid="232"/>
+                                          <p:spTgt spid="230"/>
                                         </p:tgtEl>
                                         <p:attrNameLst>
                                           <p:attrName>style.visibility</p:attrName>
@@ -8230,13 +9195,13 @@
                           </p:cTn>
                         </p:par>
                         <p:par>
-                          <p:cTn id="96" fill="hold">
+                          <p:cTn id="94" fill="hold">
                             <p:stCondLst>
                               <p:cond delay="0"/>
                             </p:stCondLst>
                             <p:childTnLst>
                               <p:par>
-                                <p:cTn id="97" presetClass="entr" nodeType="afterEffect" presetSubtype="0" presetID="1" grpId="25" fill="hold">
+                                <p:cTn id="95" presetClass="entr" nodeType="afterEffect" presetSubtype="0" presetID="1" grpId="24" fill="hold">
                                   <p:stCondLst>
                                     <p:cond delay="0"/>
                                   </p:stCondLst>
@@ -8246,9 +9211,79 @@
                                   <p:childTnLst>
                                     <p:set>
                                       <p:cBhvr>
-                                        <p:cTn id="98" fill="hold"/>
+                                        <p:cTn id="96" fill="hold"/>
                                         <p:tgtEl>
-                                          <p:spTgt spid="238"/>
+                                          <p:spTgt spid="237"/>
+                                        </p:tgtEl>
+                                        <p:attrNameLst>
+                                          <p:attrName>style.visibility</p:attrName>
+                                        </p:attrNameLst>
+                                      </p:cBhvr>
+                                      <p:to>
+                                        <p:strVal val="visible"/>
+                                      </p:to>
+                                    </p:set>
+                                  </p:childTnLst>
+                                </p:cTn>
+                              </p:par>
+                            </p:childTnLst>
+                          </p:cTn>
+                        </p:par>
+                        <p:par>
+                          <p:cTn id="97" fill="hold">
+                            <p:stCondLst>
+                              <p:cond delay="0"/>
+                            </p:stCondLst>
+                            <p:childTnLst>
+                              <p:par>
+                                <p:cTn id="98" presetClass="entr" nodeType="afterEffect" presetSubtype="0" presetID="1" grpId="25" fill="hold">
+                                  <p:stCondLst>
+                                    <p:cond delay="0"/>
+                                  </p:stCondLst>
+                                  <p:iterate type="el" backwards="0">
+                                    <p:tmAbs val="0"/>
+                                  </p:iterate>
+                                  <p:childTnLst>
+                                    <p:set>
+                                      <p:cBhvr>
+                                        <p:cTn id="99" fill="hold"/>
+                                        <p:tgtEl>
+                                          <p:spTgt spid="234"/>
+                                        </p:tgtEl>
+                                        <p:attrNameLst>
+                                          <p:attrName>style.visibility</p:attrName>
+                                        </p:attrNameLst>
+                                      </p:cBhvr>
+                                      <p:to>
+                                        <p:strVal val="visible"/>
+                                      </p:to>
+                                    </p:set>
+                                  </p:childTnLst>
+                                </p:cTn>
+                              </p:par>
+                            </p:childTnLst>
+                          </p:cTn>
+                        </p:par>
+                        <p:par>
+                          <p:cTn id="100" fill="hold">
+                            <p:stCondLst>
+                              <p:cond delay="0"/>
+                            </p:stCondLst>
+                            <p:childTnLst>
+                              <p:par>
+                                <p:cTn id="101" presetClass="entr" nodeType="afterEffect" presetSubtype="0" presetID="1" grpId="26" fill="hold">
+                                  <p:stCondLst>
+                                    <p:cond delay="0"/>
+                                  </p:stCondLst>
+                                  <p:iterate type="el" backwards="0">
+                                    <p:tmAbs val="0"/>
+                                  </p:iterate>
+                                  <p:childTnLst>
+                                    <p:set>
+                                      <p:cBhvr>
+                                        <p:cTn id="102" fill="hold"/>
+                                        <p:tgtEl>
+                                          <p:spTgt spid="240"/>
                                         </p:tgtEl>
                                         <p:attrNameLst>
                                           <p:attrName>style.visibility</p:attrName>
@@ -8289,31 +9324,32 @@
       </p:par>
     </p:tnLst>
     <p:bldLst>
-      <p:bldP build="whole" bldLvl="1" animBg="1" rev="0" advAuto="0" spid="222" grpId="16"/>
-      <p:bldP build="whole" bldLvl="1" animBg="1" rev="0" advAuto="0" spid="197" grpId="9"/>
-      <p:bldP build="whole" bldLvl="1" animBg="1" rev="0" advAuto="0" spid="232" grpId="24"/>
-      <p:bldP build="whole" bldLvl="1" animBg="1" rev="0" advAuto="0" spid="213" grpId="12"/>
-      <p:bldP build="whole" bldLvl="1" animBg="1" rev="0" advAuto="0" spid="196" grpId="1"/>
-      <p:bldP build="whole" bldLvl="1" animBg="1" rev="0" advAuto="0" spid="201" grpId="6"/>
-      <p:bldP build="whole" bldLvl="1" animBg="1" rev="0" advAuto="0" spid="211" grpId="10"/>
-      <p:bldP build="whole" bldLvl="1" animBg="1" rev="0" advAuto="0" spid="227" grpId="19"/>
-      <p:bldP build="p" bldLvl="5" animBg="1" rev="0" advAuto="0" spid="192" grpId="8"/>
-      <p:bldP build="whole" bldLvl="1" animBg="1" rev="0" advAuto="0" spid="228" grpId="22"/>
-      <p:bldP build="whole" bldLvl="1" animBg="1" rev="0" advAuto="0" spid="235" grpId="23"/>
-      <p:bldP build="whole" bldLvl="1" animBg="1" rev="0" advAuto="0" spid="211" grpId="17"/>
-      <p:bldP build="whole" bldLvl="1" animBg="1" rev="0" advAuto="0" spid="212" grpId="13"/>
-      <p:bldP build="whole" bldLvl="1" animBg="1" rev="0" advAuto="0" spid="229" grpId="21"/>
-      <p:bldP build="whole" bldLvl="1" animBg="1" rev="0" advAuto="0" spid="241" grpId="20"/>
-      <p:bldP build="whole" bldLvl="1" animBg="1" rev="0" advAuto="0" spid="204" grpId="5"/>
-      <p:bldP build="whole" bldLvl="1" animBg="1" rev="0" advAuto="0" spid="210" grpId="2"/>
-      <p:bldP build="whole" bldLvl="1" animBg="1" rev="0" advAuto="0" spid="226" grpId="18"/>
-      <p:bldP build="whole" bldLvl="1" animBg="1" rev="0" advAuto="0" spid="238" grpId="25"/>
-      <p:bldP build="whole" bldLvl="1" animBg="1" rev="0" advAuto="0" spid="207" grpId="7"/>
-      <p:bldP build="whole" bldLvl="1" animBg="1" rev="0" advAuto="0" spid="216" grpId="15"/>
-      <p:bldP build="whole" bldLvl="1" animBg="1" rev="0" advAuto="0" spid="197" grpId="4"/>
-      <p:bldP build="whole" bldLvl="1" animBg="1" rev="0" advAuto="0" spid="219" grpId="14"/>
-      <p:bldP build="whole" bldLvl="1" animBg="1" rev="0" advAuto="0" spid="198" grpId="3"/>
-      <p:bldP build="whole" bldLvl="1" animBg="1" rev="0" advAuto="0" spid="225" grpId="11"/>
+      <p:bldP build="whole" bldLvl="1" animBg="1" rev="0" advAuto="0" spid="227" grpId="12"/>
+      <p:bldP build="whole" bldLvl="1" animBg="1" rev="0" advAuto="0" spid="199" grpId="4"/>
+      <p:bldP build="whole" bldLvl="1" animBg="1" rev="0" advAuto="0" spid="213" grpId="11"/>
+      <p:bldP build="whole" bldLvl="1" animBg="1" rev="0" advAuto="0" spid="200" grpId="3"/>
+      <p:bldP build="whole" bldLvl="1" animBg="1" rev="0" advAuto="0" spid="244" grpId="8"/>
+      <p:bldP build="whole" bldLvl="1" animBg="1" rev="0" advAuto="0" spid="209" grpId="7"/>
+      <p:bldP build="whole" bldLvl="1" animBg="1" rev="0" advAuto="0" spid="199" grpId="10"/>
+      <p:bldP build="whole" bldLvl="1" animBg="1" rev="0" advAuto="0" spid="212" grpId="2"/>
+      <p:bldP build="whole" bldLvl="1" animBg="1" rev="0" advAuto="0" spid="237" grpId="24"/>
+      <p:bldP build="whole" bldLvl="1" animBg="1" rev="0" advAuto="0" spid="221" grpId="15"/>
+      <p:bldP build="whole" bldLvl="1" animBg="1" rev="0" advAuto="0" spid="213" grpId="18"/>
+      <p:bldP build="whole" bldLvl="1" animBg="1" rev="0" advAuto="0" spid="234" grpId="25"/>
+      <p:bldP build="whole" bldLvl="1" animBg="1" rev="0" advAuto="0" spid="240" grpId="26"/>
+      <p:bldP build="whole" bldLvl="1" animBg="1" rev="0" advAuto="0" spid="203" grpId="6"/>
+      <p:bldP build="whole" bldLvl="1" animBg="1" rev="0" advAuto="0" spid="224" grpId="17"/>
+      <p:bldP build="whole" bldLvl="1" animBg="1" rev="0" advAuto="0" spid="198" grpId="1"/>
+      <p:bldP build="whole" bldLvl="1" animBg="1" rev="0" advAuto="0" spid="228" grpId="19"/>
+      <p:bldP build="p" bldLvl="5" animBg="1" rev="0" advAuto="0" spid="194" grpId="9"/>
+      <p:bldP build="whole" bldLvl="1" animBg="1" rev="0" advAuto="0" spid="229" grpId="20"/>
+      <p:bldP build="whole" bldLvl="1" animBg="1" rev="0" advAuto="0" spid="214" grpId="14"/>
+      <p:bldP build="whole" bldLvl="1" animBg="1" rev="0" advAuto="0" spid="215" grpId="13"/>
+      <p:bldP build="whole" bldLvl="1" animBg="1" rev="0" advAuto="0" spid="206" grpId="5"/>
+      <p:bldP build="whole" bldLvl="1" animBg="1" rev="0" advAuto="0" spid="231" grpId="22"/>
+      <p:bldP build="whole" bldLvl="1" animBg="1" rev="0" advAuto="0" spid="243" grpId="21"/>
+      <p:bldP build="whole" bldLvl="1" animBg="1" rev="0" advAuto="0" spid="218" grpId="16"/>
+      <p:bldP build="whole" bldLvl="1" animBg="1" rev="0" advAuto="0" spid="230" grpId="23"/>
     </p:bldLst>
   </p:timing>
 </p:sld>
@@ -8338,7 +9374,7 @@
       </p:grpSpPr>
       <p:sp>
         <p:nvSpPr>
-          <p:cNvPr id="243" name="Heap Construction"/>
+          <p:cNvPr id="246" name="Heap Construction"/>
           <p:cNvSpPr txBox="1"/>
           <p:nvPr>
             <p:ph type="title"/>
@@ -8362,7 +9398,7 @@
       </p:sp>
       <p:sp>
         <p:nvSpPr>
-          <p:cNvPr id="244" name="Since exchanged node 2 is not in heap order…"/>
+          <p:cNvPr id="247" name="Since exchanged node 2 is not in heap order…"/>
           <p:cNvSpPr txBox="1"/>
           <p:nvPr>
             <p:ph type="body" sz="quarter" idx="1"/>
@@ -8396,7 +9432,7 @@
       </p:sp>
       <p:sp>
         <p:nvSpPr>
-          <p:cNvPr id="245" name="Slide Number"/>
+          <p:cNvPr id="248" name="Slide Number"/>
           <p:cNvSpPr txBox="1"/>
           <p:nvPr>
             <p:ph type="sldNum" sz="quarter" idx="2"/>
@@ -8423,7 +9459,7 @@
       </p:sp>
       <p:sp>
         <p:nvSpPr>
-          <p:cNvPr id="246" name="DAA/Greedy Algorithms"/>
+          <p:cNvPr id="249" name="DAA/Greedy Algorithms"/>
           <p:cNvSpPr txBox="1"/>
           <p:nvPr/>
         </p:nvSpPr>
@@ -8463,7 +9499,7 @@
       </p:sp>
       <p:sp>
         <p:nvSpPr>
-          <p:cNvPr id="247" name="RPR/"/>
+          <p:cNvPr id="250" name="RPR/"/>
           <p:cNvSpPr txBox="1"/>
           <p:nvPr/>
         </p:nvSpPr>
@@ -8503,7 +9539,7 @@
       </p:sp>
       <p:sp>
         <p:nvSpPr>
-          <p:cNvPr id="248" name="Line"/>
+          <p:cNvPr id="251" name="Line"/>
           <p:cNvSpPr/>
           <p:nvPr/>
         </p:nvSpPr>
@@ -8532,7 +9568,7 @@
       </p:sp>
       <p:sp>
         <p:nvSpPr>
-          <p:cNvPr id="249" name="9"/>
+          <p:cNvPr id="252" name="9"/>
           <p:cNvSpPr/>
           <p:nvPr/>
         </p:nvSpPr>
@@ -8577,7 +9613,7 @@
       </p:sp>
       <p:sp>
         <p:nvSpPr>
-          <p:cNvPr id="250" name="2"/>
+          <p:cNvPr id="253" name="2"/>
           <p:cNvSpPr/>
           <p:nvPr/>
         </p:nvSpPr>
@@ -8622,7 +9658,7 @@
       </p:sp>
       <p:sp>
         <p:nvSpPr>
-          <p:cNvPr id="251" name="Line"/>
+          <p:cNvPr id="254" name="Line"/>
           <p:cNvSpPr/>
           <p:nvPr/>
         </p:nvSpPr>
@@ -8650,7 +9686,7 @@
       </p:sp>
       <p:grpSp>
         <p:nvGrpSpPr>
-          <p:cNvPr id="254" name="Group"/>
+          <p:cNvPr id="257" name="Group"/>
           <p:cNvGrpSpPr/>
           <p:nvPr/>
         </p:nvGrpSpPr>
@@ -8664,7 +9700,7 @@
         </p:grpSpPr>
         <p:sp>
           <p:nvSpPr>
-            <p:cNvPr id="252" name="6"/>
+            <p:cNvPr id="255" name="6"/>
             <p:cNvSpPr/>
             <p:nvPr/>
           </p:nvSpPr>
@@ -8715,7 +9751,7 @@
         </p:sp>
         <p:sp>
           <p:nvSpPr>
-            <p:cNvPr id="253" name="Line"/>
+            <p:cNvPr id="256" name="Line"/>
             <p:cNvSpPr/>
             <p:nvPr/>
           </p:nvSpPr>
@@ -8750,7 +9786,7 @@
       </p:grpSp>
       <p:grpSp>
         <p:nvGrpSpPr>
-          <p:cNvPr id="257" name="Group"/>
+          <p:cNvPr id="260" name="Group"/>
           <p:cNvGrpSpPr/>
           <p:nvPr/>
         </p:nvGrpSpPr>
@@ -8764,7 +9800,7 @@
         </p:grpSpPr>
         <p:sp>
           <p:nvSpPr>
-            <p:cNvPr id="255" name="5"/>
+            <p:cNvPr id="258" name="5"/>
             <p:cNvSpPr/>
             <p:nvPr/>
           </p:nvSpPr>
@@ -8815,7 +9851,7 @@
         </p:sp>
         <p:sp>
           <p:nvSpPr>
-            <p:cNvPr id="256" name="Line"/>
+            <p:cNvPr id="259" name="Line"/>
             <p:cNvSpPr/>
             <p:nvPr/>
           </p:nvSpPr>
@@ -8850,7 +9886,7 @@
       </p:grpSp>
       <p:grpSp>
         <p:nvGrpSpPr>
-          <p:cNvPr id="260" name="Group"/>
+          <p:cNvPr id="263" name="Group"/>
           <p:cNvGrpSpPr/>
           <p:nvPr/>
         </p:nvGrpSpPr>
@@ -8864,7 +9900,7 @@
         </p:grpSpPr>
         <p:sp>
           <p:nvSpPr>
-            <p:cNvPr id="258" name="1"/>
+            <p:cNvPr id="261" name="1"/>
             <p:cNvSpPr/>
             <p:nvPr/>
           </p:nvSpPr>
@@ -8915,7 +9951,7 @@
         </p:sp>
         <p:sp>
           <p:nvSpPr>
-            <p:cNvPr id="259" name="Line"/>
+            <p:cNvPr id="262" name="Line"/>
             <p:cNvSpPr/>
             <p:nvPr/>
           </p:nvSpPr>
@@ -8950,7 +9986,7 @@
       </p:grpSp>
       <p:grpSp>
         <p:nvGrpSpPr>
-          <p:cNvPr id="263" name="Group"/>
+          <p:cNvPr id="266" name="Group"/>
           <p:cNvGrpSpPr/>
           <p:nvPr/>
         </p:nvGrpSpPr>
@@ -8964,7 +10000,7 @@
         </p:grpSpPr>
         <p:sp>
           <p:nvSpPr>
-            <p:cNvPr id="261" name="7"/>
+            <p:cNvPr id="264" name="7"/>
             <p:cNvSpPr/>
             <p:nvPr/>
           </p:nvSpPr>
@@ -9015,7 +10051,7 @@
         </p:sp>
         <p:sp>
           <p:nvSpPr>
-            <p:cNvPr id="262" name="Line"/>
+            <p:cNvPr id="265" name="Line"/>
             <p:cNvSpPr/>
             <p:nvPr/>
           </p:nvSpPr>
@@ -9050,7 +10086,7 @@
       </p:grpSp>
       <p:sp>
         <p:nvSpPr>
-          <p:cNvPr id="264" name="9"/>
+          <p:cNvPr id="267" name="9"/>
           <p:cNvSpPr/>
           <p:nvPr/>
         </p:nvSpPr>
@@ -9095,7 +10131,7 @@
       </p:sp>
       <p:sp>
         <p:nvSpPr>
-          <p:cNvPr id="265" name="6"/>
+          <p:cNvPr id="268" name="6"/>
           <p:cNvSpPr/>
           <p:nvPr/>
         </p:nvSpPr>
@@ -9140,7 +10176,7 @@
       </p:sp>
       <p:sp>
         <p:nvSpPr>
-          <p:cNvPr id="266" name="Line"/>
+          <p:cNvPr id="269" name="Line"/>
           <p:cNvSpPr/>
           <p:nvPr/>
         </p:nvSpPr>
@@ -9168,7 +10204,7 @@
       </p:sp>
       <p:grpSp>
         <p:nvGrpSpPr>
-          <p:cNvPr id="269" name="Group"/>
+          <p:cNvPr id="272" name="Group"/>
           <p:cNvGrpSpPr/>
           <p:nvPr/>
         </p:nvGrpSpPr>
@@ -9182,7 +10218,7 @@
         </p:grpSpPr>
         <p:sp>
           <p:nvSpPr>
-            <p:cNvPr id="267" name="2"/>
+            <p:cNvPr id="270" name="2"/>
             <p:cNvSpPr/>
             <p:nvPr/>
           </p:nvSpPr>
@@ -9233,7 +10269,7 @@
         </p:sp>
         <p:sp>
           <p:nvSpPr>
-            <p:cNvPr id="268" name="Line"/>
+            <p:cNvPr id="271" name="Line"/>
             <p:cNvSpPr/>
             <p:nvPr/>
           </p:nvSpPr>
@@ -9268,7 +10304,7 @@
       </p:grpSp>
       <p:grpSp>
         <p:nvGrpSpPr>
-          <p:cNvPr id="272" name="Group"/>
+          <p:cNvPr id="275" name="Group"/>
           <p:cNvGrpSpPr/>
           <p:nvPr/>
         </p:nvGrpSpPr>
@@ -9282,7 +10318,7 @@
         </p:grpSpPr>
         <p:sp>
           <p:nvSpPr>
-            <p:cNvPr id="270" name="5"/>
+            <p:cNvPr id="273" name="5"/>
             <p:cNvSpPr/>
             <p:nvPr/>
           </p:nvSpPr>
@@ -9333,7 +10369,7 @@
         </p:sp>
         <p:sp>
           <p:nvSpPr>
-            <p:cNvPr id="271" name="Line"/>
+            <p:cNvPr id="274" name="Line"/>
             <p:cNvSpPr/>
             <p:nvPr/>
           </p:nvSpPr>
@@ -9368,7 +10404,7 @@
       </p:grpSp>
       <p:grpSp>
         <p:nvGrpSpPr>
-          <p:cNvPr id="275" name="Group"/>
+          <p:cNvPr id="278" name="Group"/>
           <p:cNvGrpSpPr/>
           <p:nvPr/>
         </p:nvGrpSpPr>
@@ -9382,7 +10418,7 @@
         </p:grpSpPr>
         <p:sp>
           <p:nvSpPr>
-            <p:cNvPr id="273" name="1"/>
+            <p:cNvPr id="276" name="1"/>
             <p:cNvSpPr/>
             <p:nvPr/>
           </p:nvSpPr>
@@ -9433,7 +10469,7 @@
         </p:sp>
         <p:sp>
           <p:nvSpPr>
-            <p:cNvPr id="274" name="Line"/>
+            <p:cNvPr id="277" name="Line"/>
             <p:cNvSpPr/>
             <p:nvPr/>
           </p:nvSpPr>
@@ -9468,7 +10504,7 @@
       </p:grpSp>
       <p:grpSp>
         <p:nvGrpSpPr>
-          <p:cNvPr id="278" name="Group"/>
+          <p:cNvPr id="281" name="Group"/>
           <p:cNvGrpSpPr/>
           <p:nvPr/>
         </p:nvGrpSpPr>
@@ -9482,7 +10518,7 @@
         </p:grpSpPr>
         <p:sp>
           <p:nvSpPr>
-            <p:cNvPr id="276" name="7"/>
+            <p:cNvPr id="279" name="7"/>
             <p:cNvSpPr/>
             <p:nvPr/>
           </p:nvSpPr>
@@ -9533,7 +10569,7 @@
         </p:sp>
         <p:sp>
           <p:nvSpPr>
-            <p:cNvPr id="277" name="Line"/>
+            <p:cNvPr id="280" name="Line"/>
             <p:cNvSpPr/>
             <p:nvPr/>
           </p:nvSpPr>
@@ -9568,7 +10604,7 @@
       </p:grpSp>
       <p:sp>
         <p:nvSpPr>
-          <p:cNvPr id="279" name="Now heap is in order."/>
+          <p:cNvPr id="282" name="Now heap is in order."/>
           <p:cNvSpPr txBox="1"/>
           <p:nvPr/>
         </p:nvSpPr>
@@ -9656,7 +10692,7 @@
                                       <p:cBhvr>
                                         <p:cTn id="6" fill="hold"/>
                                         <p:tgtEl>
-                                          <p:spTgt spid="249"/>
+                                          <p:spTgt spid="252"/>
                                         </p:tgtEl>
                                         <p:attrNameLst>
                                           <p:attrName>style.visibility</p:attrName>
@@ -9691,7 +10727,7 @@
                                       <p:cBhvr>
                                         <p:cTn id="9" fill="hold"/>
                                         <p:tgtEl>
-                                          <p:spTgt spid="263"/>
+                                          <p:spTgt spid="266"/>
                                         </p:tgtEl>
                                         <p:attrNameLst>
                                           <p:attrName>style.visibility</p:attrName>
@@ -9726,7 +10762,7 @@
                                       <p:cBhvr>
                                         <p:cTn id="12" fill="hold"/>
                                         <p:tgtEl>
-                                          <p:spTgt spid="251"/>
+                                          <p:spTgt spid="254"/>
                                         </p:tgtEl>
                                         <p:attrNameLst>
                                           <p:attrName>style.visibility</p:attrName>
@@ -9761,7 +10797,7 @@
                                       <p:cBhvr>
                                         <p:cTn id="15" fill="hold"/>
                                         <p:tgtEl>
-                                          <p:spTgt spid="250"/>
+                                          <p:spTgt spid="253"/>
                                         </p:tgtEl>
                                         <p:attrNameLst>
                                           <p:attrName>style.visibility</p:attrName>
@@ -9796,7 +10832,7 @@
                                       <p:cBhvr>
                                         <p:cTn id="18" fill="hold"/>
                                         <p:tgtEl>
-                                          <p:spTgt spid="257"/>
+                                          <p:spTgt spid="260"/>
                                         </p:tgtEl>
                                         <p:attrNameLst>
                                           <p:attrName>style.visibility</p:attrName>
@@ -9831,7 +10867,7 @@
                                       <p:cBhvr>
                                         <p:cTn id="21" fill="hold"/>
                                         <p:tgtEl>
-                                          <p:spTgt spid="254"/>
+                                          <p:spTgt spid="257"/>
                                         </p:tgtEl>
                                         <p:attrNameLst>
                                           <p:attrName>style.visibility</p:attrName>
@@ -9866,7 +10902,7 @@
                                       <p:cBhvr>
                                         <p:cTn id="24" fill="hold"/>
                                         <p:tgtEl>
-                                          <p:spTgt spid="260"/>
+                                          <p:spTgt spid="263"/>
                                         </p:tgtEl>
                                         <p:attrNameLst>
                                           <p:attrName>style.visibility</p:attrName>
@@ -9910,7 +10946,7 @@
                                       <p:cBhvr>
                                         <p:cTn id="28" fill="hold"/>
                                         <p:tgtEl>
-                                          <p:spTgt spid="244">
+                                          <p:spTgt spid="247">
                                             <p:bg/>
                                           </p:spTgt>
                                         </p:tgtEl>
@@ -9938,7 +10974,7 @@
                                       <p:cBhvr>
                                         <p:cTn id="30" fill="hold"/>
                                         <p:tgtEl>
-                                          <p:spTgt spid="244">
+                                          <p:spTgt spid="247">
                                             <p:txEl>
                                               <p:pRg st="0" end="0"/>
                                             </p:txEl>
@@ -9986,7 +11022,7 @@
                                       <p:cBhvr>
                                         <p:cTn id="34" fill="hold"/>
                                         <p:tgtEl>
-                                          <p:spTgt spid="244">
+                                          <p:spTgt spid="247">
                                             <p:txEl>
                                               <p:pRg st="1" end="1"/>
                                             </p:txEl>
@@ -10034,7 +11070,7 @@
                                       <p:cBhvr>
                                         <p:cTn id="38" fill="hold"/>
                                         <p:tgtEl>
-                                          <p:spTgt spid="248"/>
+                                          <p:spTgt spid="251"/>
                                         </p:tgtEl>
                                         <p:attrNameLst>
                                           <p:attrName>style.visibility</p:attrName>
@@ -10078,7 +11114,7 @@
                                       <p:cBhvr>
                                         <p:cTn id="42" fill="hold"/>
                                         <p:tgtEl>
-                                          <p:spTgt spid="264"/>
+                                          <p:spTgt spid="267"/>
                                         </p:tgtEl>
                                         <p:attrNameLst>
                                           <p:attrName>style.visibility</p:attrName>
@@ -10113,7 +11149,7 @@
                                       <p:cBhvr>
                                         <p:cTn id="45" fill="hold"/>
                                         <p:tgtEl>
-                                          <p:spTgt spid="278"/>
+                                          <p:spTgt spid="281"/>
                                         </p:tgtEl>
                                         <p:attrNameLst>
                                           <p:attrName>style.visibility</p:attrName>
@@ -10148,7 +11184,7 @@
                                       <p:cBhvr>
                                         <p:cTn id="48" fill="hold"/>
                                         <p:tgtEl>
-                                          <p:spTgt spid="266"/>
+                                          <p:spTgt spid="269"/>
                                         </p:tgtEl>
                                         <p:attrNameLst>
                                           <p:attrName>style.visibility</p:attrName>
@@ -10183,7 +11219,7 @@
                                       <p:cBhvr>
                                         <p:cTn id="51" fill="hold"/>
                                         <p:tgtEl>
-                                          <p:spTgt spid="265"/>
+                                          <p:spTgt spid="268"/>
                                         </p:tgtEl>
                                         <p:attrNameLst>
                                           <p:attrName>style.visibility</p:attrName>
@@ -10218,7 +11254,7 @@
                                       <p:cBhvr>
                                         <p:cTn id="54" fill="hold"/>
                                         <p:tgtEl>
-                                          <p:spTgt spid="272"/>
+                                          <p:spTgt spid="275"/>
                                         </p:tgtEl>
                                         <p:attrNameLst>
                                           <p:attrName>style.visibility</p:attrName>
@@ -10253,7 +11289,7 @@
                                       <p:cBhvr>
                                         <p:cTn id="57" fill="hold"/>
                                         <p:tgtEl>
-                                          <p:spTgt spid="269"/>
+                                          <p:spTgt spid="272"/>
                                         </p:tgtEl>
                                         <p:attrNameLst>
                                           <p:attrName>style.visibility</p:attrName>
@@ -10288,7 +11324,7 @@
                                       <p:cBhvr>
                                         <p:cTn id="60" fill="hold"/>
                                         <p:tgtEl>
-                                          <p:spTgt spid="275"/>
+                                          <p:spTgt spid="278"/>
                                         </p:tgtEl>
                                         <p:attrNameLst>
                                           <p:attrName>style.visibility</p:attrName>
@@ -10332,7 +11368,7 @@
                                       <p:cBhvr>
                                         <p:cTn id="64" fill="hold"/>
                                         <p:tgtEl>
-                                          <p:spTgt spid="279">
+                                          <p:spTgt spid="282">
                                             <p:bg/>
                                           </p:spTgt>
                                         </p:tgtEl>
@@ -10360,7 +11396,7 @@
                                       <p:cBhvr>
                                         <p:cTn id="66" fill="hold"/>
                                         <p:tgtEl>
-                                          <p:spTgt spid="279">
+                                          <p:spTgt spid="282">
                                             <p:txEl>
                                               <p:pRg st="0" end="0"/>
                                             </p:txEl>
@@ -10405,23 +11441,23 @@
       </p:par>
     </p:tnLst>
     <p:bldLst>
-      <p:bldP build="whole" bldLvl="1" animBg="1" rev="0" advAuto="0" spid="263" grpId="2"/>
-      <p:bldP build="whole" bldLvl="1" animBg="1" rev="0" advAuto="0" spid="260" grpId="7"/>
-      <p:bldP build="whole" bldLvl="1" animBg="1" rev="0" advAuto="0" spid="251" grpId="3"/>
-      <p:bldP build="whole" bldLvl="1" animBg="1" rev="0" advAuto="0" spid="272" grpId="14"/>
-      <p:bldP build="whole" bldLvl="1" animBg="1" rev="0" advAuto="0" spid="248" grpId="9"/>
-      <p:bldP build="whole" bldLvl="1" animBg="1" rev="0" advAuto="0" spid="269" grpId="15"/>
-      <p:bldP build="whole" bldLvl="1" animBg="1" rev="0" advAuto="0" spid="275" grpId="16"/>
-      <p:bldP build="whole" bldLvl="1" animBg="1" rev="0" advAuto="0" spid="266" grpId="12"/>
-      <p:bldP build="whole" bldLvl="1" animBg="1" rev="0" advAuto="0" spid="264" grpId="10"/>
-      <p:bldP build="p" bldLvl="5" animBg="1" rev="0" advAuto="0" spid="279" grpId="17"/>
-      <p:bldP build="whole" bldLvl="1" animBg="1" rev="0" advAuto="0" spid="265" grpId="13"/>
-      <p:bldP build="whole" bldLvl="1" animBg="1" rev="0" advAuto="0" spid="249" grpId="1"/>
-      <p:bldP build="whole" bldLvl="1" animBg="1" rev="0" advAuto="0" spid="250" grpId="4"/>
-      <p:bldP build="whole" bldLvl="1" animBg="1" rev="0" advAuto="0" spid="278" grpId="11"/>
-      <p:bldP build="p" bldLvl="5" animBg="1" rev="0" advAuto="0" spid="244" grpId="8"/>
-      <p:bldP build="whole" bldLvl="1" animBg="1" rev="0" advAuto="0" spid="254" grpId="6"/>
-      <p:bldP build="whole" bldLvl="1" animBg="1" rev="0" advAuto="0" spid="257" grpId="5"/>
+      <p:bldP build="whole" bldLvl="1" animBg="1" rev="0" advAuto="0" spid="281" grpId="11"/>
+      <p:bldP build="whole" bldLvl="1" animBg="1" rev="0" advAuto="0" spid="251" grpId="9"/>
+      <p:bldP build="whole" bldLvl="1" animBg="1" rev="0" advAuto="0" spid="267" grpId="10"/>
+      <p:bldP build="whole" bldLvl="1" animBg="1" rev="0" advAuto="0" spid="269" grpId="12"/>
+      <p:bldP build="p" bldLvl="5" animBg="1" rev="0" advAuto="0" spid="282" grpId="17"/>
+      <p:bldP build="whole" bldLvl="1" animBg="1" rev="0" advAuto="0" spid="253" grpId="4"/>
+      <p:bldP build="whole" bldLvl="1" animBg="1" rev="0" advAuto="0" spid="260" grpId="5"/>
+      <p:bldP build="whole" bldLvl="1" animBg="1" rev="0" advAuto="0" spid="263" grpId="7"/>
+      <p:bldP build="whole" bldLvl="1" animBg="1" rev="0" advAuto="0" spid="266" grpId="2"/>
+      <p:bldP build="whole" bldLvl="1" animBg="1" rev="0" advAuto="0" spid="252" grpId="1"/>
+      <p:bldP build="whole" bldLvl="1" animBg="1" rev="0" advAuto="0" spid="257" grpId="6"/>
+      <p:bldP build="whole" bldLvl="1" animBg="1" rev="0" advAuto="0" spid="268" grpId="13"/>
+      <p:bldP build="whole" bldLvl="1" animBg="1" rev="0" advAuto="0" spid="275" grpId="14"/>
+      <p:bldP build="whole" bldLvl="1" animBg="1" rev="0" advAuto="0" spid="254" grpId="3"/>
+      <p:bldP build="p" bldLvl="5" animBg="1" rev="0" advAuto="0" spid="247" grpId="8"/>
+      <p:bldP build="whole" bldLvl="1" animBg="1" rev="0" advAuto="0" spid="278" grpId="16"/>
+      <p:bldP build="whole" bldLvl="1" animBg="1" rev="0" advAuto="0" spid="272" grpId="15"/>
     </p:bldLst>
   </p:timing>
 </p:sld>
@@ -10446,7 +11482,7 @@
       </p:grpSpPr>
       <p:sp>
         <p:nvSpPr>
-          <p:cNvPr id="281" name="Heap Algorithm"/>
+          <p:cNvPr id="284" name="Heap Algorithm"/>
           <p:cNvSpPr txBox="1"/>
           <p:nvPr>
             <p:ph type="title"/>
@@ -10470,7 +11506,7 @@
       </p:sp>
       <p:sp>
         <p:nvSpPr>
-          <p:cNvPr id="282" name="Algo HeapBottomUp(H[1:n])…"/>
+          <p:cNvPr id="285" name="Algo HeapBottomUp(H[1:n])…"/>
           <p:cNvSpPr txBox="1"/>
           <p:nvPr>
             <p:ph type="body" idx="1"/>
@@ -11020,7 +12056,7 @@
       </p:sp>
       <p:sp>
         <p:nvSpPr>
-          <p:cNvPr id="283" name="Slide Number"/>
+          <p:cNvPr id="286" name="Slide Number"/>
           <p:cNvSpPr txBox="1"/>
           <p:nvPr>
             <p:ph type="sldNum" sz="quarter" idx="2"/>
@@ -11047,7 +12083,7 @@
       </p:sp>
       <p:sp>
         <p:nvSpPr>
-          <p:cNvPr id="284" name="DAA/Greedy Algorithms"/>
+          <p:cNvPr id="287" name="DAA/Greedy Algorithms"/>
           <p:cNvSpPr txBox="1"/>
           <p:nvPr/>
         </p:nvSpPr>
@@ -11087,7 +12123,1950 @@
       </p:sp>
       <p:sp>
         <p:nvSpPr>
-          <p:cNvPr id="285" name="RPR/"/>
+          <p:cNvPr id="288" name="RPR/"/>
+          <p:cNvSpPr txBox="1"/>
+          <p:nvPr/>
+        </p:nvSpPr>
+        <p:spPr>
+          <a:xfrm>
+            <a:off x="7535212" y="6988206"/>
+            <a:ext cx="705605" cy="382910"/>
+          </a:xfrm>
+          <a:prstGeom prst="rect">
+            <a:avLst/>
+          </a:prstGeom>
+          <a:ln w="12700">
+            <a:miter lim="400000"/>
+          </a:ln>
+          <a:extLst>
+            <a:ext uri="{C572A759-6A51-4108-AA02-DFA0A04FC94B}">
+              <ma14:wrappingTextBoxFlag xmlns:ma14="http://schemas.microsoft.com/office/mac/drawingml/2011/main" val="1"/>
+            </a:ext>
+          </a:extLst>
+        </p:spPr>
+        <p:txBody>
+          <a:bodyPr wrap="none" lIns="50800" tIns="50800" rIns="50800" bIns="50800" anchor="ctr">
+            <a:spAutoFit/>
+          </a:bodyPr>
+          <a:lstStyle>
+            <a:lvl1pPr>
+              <a:defRPr sz="2000"/>
+            </a:lvl1pPr>
+          </a:lstStyle>
+          <a:p>
+            <a:pPr/>
+            <a:r>
+              <a:t>RPR/</a:t>
+            </a:r>
+          </a:p>
+        </p:txBody>
+      </p:sp>
+      <p:grpSp>
+        <p:nvGrpSpPr>
+          <p:cNvPr id="305" name="Group"/>
+          <p:cNvGrpSpPr/>
+          <p:nvPr/>
+        </p:nvGrpSpPr>
+        <p:grpSpPr>
+          <a:xfrm>
+            <a:off x="6515465" y="3856767"/>
+            <a:ext cx="2745100" cy="2314319"/>
+            <a:chOff x="0" y="0"/>
+            <a:chExt cx="2745098" cy="2314318"/>
+          </a:xfrm>
+        </p:grpSpPr>
+        <p:sp>
+          <p:nvSpPr>
+            <p:cNvPr id="289" name="2"/>
+            <p:cNvSpPr/>
+            <p:nvPr/>
+          </p:nvSpPr>
+          <p:spPr>
+            <a:xfrm>
+              <a:off x="1053621" y="0"/>
+              <a:ext cx="576931" cy="574356"/>
+            </a:xfrm>
+            <a:prstGeom prst="ellipse">
+              <a:avLst/>
+            </a:prstGeom>
+            <a:noFill/>
+            <a:ln w="25400" cap="flat">
+              <a:solidFill>
+                <a:srgbClr val="000000"/>
+              </a:solidFill>
+              <a:prstDash val="solid"/>
+              <a:round/>
+            </a:ln>
+            <a:effectLst/>
+            <a:extLst>
+              <a:ext uri="{C572A759-6A51-4108-AA02-DFA0A04FC94B}">
+                <ma14:wrappingTextBoxFlag xmlns:ma14="http://schemas.microsoft.com/office/mac/drawingml/2011/main" val="1"/>
+              </a:ext>
+            </a:extLst>
+          </p:spPr>
+          <p:txBody>
+            <a:bodyPr wrap="square" lIns="50800" tIns="50800" rIns="50800" bIns="50800" numCol="1" anchor="ctr">
+              <a:noAutofit/>
+            </a:bodyPr>
+            <a:lstStyle>
+              <a:lvl1pPr algn="ctr">
+                <a:defRPr b="1" sz="2600">
+                  <a:latin typeface="Arial"/>
+                  <a:ea typeface="Arial"/>
+                  <a:cs typeface="Arial"/>
+                  <a:sym typeface="Arial"/>
+                </a:defRPr>
+              </a:lvl1pPr>
+            </a:lstStyle>
+            <a:p>
+              <a:pPr/>
+              <a:r>
+                <a:t>2</a:t>
+              </a:r>
+            </a:p>
+          </p:txBody>
+        </p:sp>
+        <p:grpSp>
+          <p:nvGrpSpPr>
+            <p:cNvPr id="292" name="Group"/>
+            <p:cNvGrpSpPr/>
+            <p:nvPr/>
+          </p:nvGrpSpPr>
+          <p:grpSpPr>
+            <a:xfrm>
+              <a:off x="498854" y="510433"/>
+              <a:ext cx="709952" cy="872691"/>
+              <a:chOff x="0" y="0"/>
+              <a:chExt cx="709951" cy="872689"/>
+            </a:xfrm>
+          </p:grpSpPr>
+          <p:sp>
+            <p:nvSpPr>
+              <p:cNvPr id="290" name="9"/>
+              <p:cNvSpPr/>
+              <p:nvPr/>
+            </p:nvSpPr>
+            <p:spPr>
+              <a:xfrm>
+                <a:off x="0" y="298334"/>
+                <a:ext cx="576931" cy="574356"/>
+              </a:xfrm>
+              <a:prstGeom prst="ellipse">
+                <a:avLst/>
+              </a:prstGeom>
+              <a:noFill/>
+              <a:ln w="25400" cap="flat">
+                <a:solidFill>
+                  <a:srgbClr val="000000"/>
+                </a:solidFill>
+                <a:prstDash val="solid"/>
+                <a:round/>
+              </a:ln>
+              <a:effectLst/>
+              <a:extLst>
+                <a:ext uri="{C572A759-6A51-4108-AA02-DFA0A04FC94B}">
+                  <ma14:wrappingTextBoxFlag xmlns:ma14="http://schemas.microsoft.com/office/mac/drawingml/2011/main" val="1"/>
+                </a:ext>
+              </a:extLst>
+            </p:spPr>
+            <p:txBody>
+              <a:bodyPr wrap="square" lIns="50800" tIns="50800" rIns="50800" bIns="50800" numCol="1" anchor="ctr">
+                <a:noAutofit/>
+              </a:bodyPr>
+              <a:lstStyle>
+                <a:lvl1pPr algn="ctr">
+                  <a:defRPr b="1" sz="2600">
+                    <a:latin typeface="Arial"/>
+                    <a:ea typeface="Arial"/>
+                    <a:cs typeface="Arial"/>
+                    <a:sym typeface="Arial"/>
+                  </a:defRPr>
+                </a:lvl1pPr>
+              </a:lstStyle>
+              <a:p>
+                <a:pPr/>
+                <a:r>
+                  <a:t>9</a:t>
+                </a:r>
+              </a:p>
+            </p:txBody>
+          </p:sp>
+          <p:sp>
+            <p:nvSpPr>
+              <p:cNvPr id="291" name="Line"/>
+              <p:cNvSpPr/>
+              <p:nvPr/>
+            </p:nvSpPr>
+            <p:spPr>
+              <a:xfrm flipV="1">
+                <a:off x="481823" y="0"/>
+                <a:ext cx="228129" cy="413663"/>
+              </a:xfrm>
+              <a:prstGeom prst="line">
+                <a:avLst/>
+              </a:prstGeom>
+              <a:noFill/>
+              <a:ln w="38100" cap="flat">
+                <a:solidFill>
+                  <a:srgbClr val="000000"/>
+                </a:solidFill>
+                <a:prstDash val="solid"/>
+                <a:round/>
+              </a:ln>
+              <a:effectLst/>
+            </p:spPr>
+            <p:txBody>
+              <a:bodyPr wrap="square" lIns="0" tIns="0" rIns="0" bIns="0" numCol="1" anchor="t">
+                <a:noAutofit/>
+              </a:bodyPr>
+              <a:lstStyle/>
+              <a:p>
+                <a:pPr/>
+              </a:p>
+            </p:txBody>
+          </p:sp>
+        </p:grpSp>
+        <p:grpSp>
+          <p:nvGrpSpPr>
+            <p:cNvPr id="295" name="Group"/>
+            <p:cNvGrpSpPr/>
+            <p:nvPr/>
+          </p:nvGrpSpPr>
+          <p:grpSpPr>
+            <a:xfrm>
+              <a:off x="0" y="1357300"/>
+              <a:ext cx="669332" cy="957019"/>
+              <a:chOff x="0" y="0"/>
+              <a:chExt cx="669331" cy="957017"/>
+            </a:xfrm>
+          </p:grpSpPr>
+          <p:sp>
+            <p:nvSpPr>
+              <p:cNvPr id="293" name="6"/>
+              <p:cNvSpPr/>
+              <p:nvPr/>
+            </p:nvSpPr>
+            <p:spPr>
+              <a:xfrm>
+                <a:off x="0" y="382662"/>
+                <a:ext cx="576931" cy="574356"/>
+              </a:xfrm>
+              <a:prstGeom prst="ellipse">
+                <a:avLst/>
+              </a:prstGeom>
+              <a:noFill/>
+              <a:ln w="25400" cap="flat">
+                <a:solidFill>
+                  <a:srgbClr val="000000"/>
+                </a:solidFill>
+                <a:prstDash val="solid"/>
+                <a:round/>
+              </a:ln>
+              <a:effectLst/>
+              <a:extLst>
+                <a:ext uri="{C572A759-6A51-4108-AA02-DFA0A04FC94B}">
+                  <ma14:wrappingTextBoxFlag xmlns:ma14="http://schemas.microsoft.com/office/mac/drawingml/2011/main" val="1"/>
+                </a:ext>
+              </a:extLst>
+            </p:spPr>
+            <p:txBody>
+              <a:bodyPr wrap="square" lIns="50800" tIns="50800" rIns="50800" bIns="50800" numCol="1" anchor="ctr">
+                <a:noAutofit/>
+              </a:bodyPr>
+              <a:lstStyle>
+                <a:lvl1pPr algn="ctr">
+                  <a:defRPr b="1" sz="2600">
+                    <a:latin typeface="Arial"/>
+                    <a:ea typeface="Arial"/>
+                    <a:cs typeface="Arial"/>
+                    <a:sym typeface="Arial"/>
+                  </a:defRPr>
+                </a:lvl1pPr>
+              </a:lstStyle>
+              <a:p>
+                <a:pPr/>
+                <a:r>
+                  <a:t>6</a:t>
+                </a:r>
+              </a:p>
+            </p:txBody>
+          </p:sp>
+          <p:sp>
+            <p:nvSpPr>
+              <p:cNvPr id="294" name="Line"/>
+              <p:cNvSpPr/>
+              <p:nvPr/>
+            </p:nvSpPr>
+            <p:spPr>
+              <a:xfrm flipV="1">
+                <a:off x="441203" y="0"/>
+                <a:ext cx="228129" cy="413663"/>
+              </a:xfrm>
+              <a:prstGeom prst="line">
+                <a:avLst/>
+              </a:prstGeom>
+              <a:noFill/>
+              <a:ln w="38100" cap="flat">
+                <a:solidFill>
+                  <a:srgbClr val="000000"/>
+                </a:solidFill>
+                <a:prstDash val="solid"/>
+                <a:round/>
+              </a:ln>
+              <a:effectLst/>
+            </p:spPr>
+            <p:txBody>
+              <a:bodyPr wrap="square" lIns="0" tIns="0" rIns="0" bIns="0" numCol="1" anchor="t">
+                <a:noAutofit/>
+              </a:bodyPr>
+              <a:lstStyle/>
+              <a:p>
+                <a:pPr/>
+              </a:p>
+            </p:txBody>
+          </p:sp>
+        </p:grpSp>
+        <p:grpSp>
+          <p:nvGrpSpPr>
+            <p:cNvPr id="298" name="Group"/>
+            <p:cNvGrpSpPr/>
+            <p:nvPr/>
+          </p:nvGrpSpPr>
+          <p:grpSpPr>
+            <a:xfrm>
+              <a:off x="961460" y="1354651"/>
+              <a:ext cx="669093" cy="959668"/>
+              <a:chOff x="0" y="0"/>
+              <a:chExt cx="669091" cy="959666"/>
+            </a:xfrm>
+          </p:grpSpPr>
+          <p:sp>
+            <p:nvSpPr>
+              <p:cNvPr id="296" name="5"/>
+              <p:cNvSpPr/>
+              <p:nvPr/>
+            </p:nvSpPr>
+            <p:spPr>
+              <a:xfrm>
+                <a:off x="92161" y="385311"/>
+                <a:ext cx="576931" cy="574356"/>
+              </a:xfrm>
+              <a:prstGeom prst="ellipse">
+                <a:avLst/>
+              </a:prstGeom>
+              <a:noFill/>
+              <a:ln w="25400" cap="flat">
+                <a:solidFill>
+                  <a:srgbClr val="000000"/>
+                </a:solidFill>
+                <a:prstDash val="solid"/>
+                <a:round/>
+              </a:ln>
+              <a:effectLst/>
+              <a:extLst>
+                <a:ext uri="{C572A759-6A51-4108-AA02-DFA0A04FC94B}">
+                  <ma14:wrappingTextBoxFlag xmlns:ma14="http://schemas.microsoft.com/office/mac/drawingml/2011/main" val="1"/>
+                </a:ext>
+              </a:extLst>
+            </p:spPr>
+            <p:txBody>
+              <a:bodyPr wrap="square" lIns="50800" tIns="50800" rIns="50800" bIns="50800" numCol="1" anchor="ctr">
+                <a:noAutofit/>
+              </a:bodyPr>
+              <a:lstStyle>
+                <a:lvl1pPr algn="ctr">
+                  <a:defRPr b="1" sz="2600">
+                    <a:latin typeface="Arial"/>
+                    <a:ea typeface="Arial"/>
+                    <a:cs typeface="Arial"/>
+                    <a:sym typeface="Arial"/>
+                  </a:defRPr>
+                </a:lvl1pPr>
+              </a:lstStyle>
+              <a:p>
+                <a:pPr/>
+                <a:r>
+                  <a:t>5</a:t>
+                </a:r>
+              </a:p>
+            </p:txBody>
+          </p:sp>
+          <p:sp>
+            <p:nvSpPr>
+              <p:cNvPr id="297" name="Line"/>
+              <p:cNvSpPr/>
+              <p:nvPr/>
+            </p:nvSpPr>
+            <p:spPr>
+              <a:xfrm flipH="1" flipV="1">
+                <a:off x="0" y="0"/>
+                <a:ext cx="266563" cy="367889"/>
+              </a:xfrm>
+              <a:prstGeom prst="line">
+                <a:avLst/>
+              </a:prstGeom>
+              <a:noFill/>
+              <a:ln w="38100" cap="flat">
+                <a:solidFill>
+                  <a:srgbClr val="000000"/>
+                </a:solidFill>
+                <a:prstDash val="solid"/>
+                <a:round/>
+              </a:ln>
+              <a:effectLst/>
+            </p:spPr>
+            <p:txBody>
+              <a:bodyPr wrap="square" lIns="0" tIns="0" rIns="0" bIns="0" numCol="1" anchor="t">
+                <a:noAutofit/>
+              </a:bodyPr>
+              <a:lstStyle/>
+              <a:p>
+                <a:pPr/>
+              </a:p>
+            </p:txBody>
+          </p:sp>
+        </p:grpSp>
+        <p:grpSp>
+          <p:nvGrpSpPr>
+            <p:cNvPr id="301" name="Group"/>
+            <p:cNvGrpSpPr/>
+            <p:nvPr/>
+          </p:nvGrpSpPr>
+          <p:grpSpPr>
+            <a:xfrm>
+              <a:off x="1839733" y="1476233"/>
+              <a:ext cx="576931" cy="838086"/>
+              <a:chOff x="0" y="0"/>
+              <a:chExt cx="576930" cy="838084"/>
+            </a:xfrm>
+          </p:grpSpPr>
+          <p:sp>
+            <p:nvSpPr>
+              <p:cNvPr id="299" name="7"/>
+              <p:cNvSpPr/>
+              <p:nvPr/>
+            </p:nvSpPr>
+            <p:spPr>
+              <a:xfrm>
+                <a:off x="0" y="263729"/>
+                <a:ext cx="576931" cy="574356"/>
+              </a:xfrm>
+              <a:prstGeom prst="ellipse">
+                <a:avLst/>
+              </a:prstGeom>
+              <a:noFill/>
+              <a:ln w="25400" cap="flat">
+                <a:solidFill>
+                  <a:srgbClr val="000000"/>
+                </a:solidFill>
+                <a:prstDash val="solid"/>
+                <a:round/>
+              </a:ln>
+              <a:effectLst/>
+              <a:extLst>
+                <a:ext uri="{C572A759-6A51-4108-AA02-DFA0A04FC94B}">
+                  <ma14:wrappingTextBoxFlag xmlns:ma14="http://schemas.microsoft.com/office/mac/drawingml/2011/main" val="1"/>
+                </a:ext>
+              </a:extLst>
+            </p:spPr>
+            <p:txBody>
+              <a:bodyPr wrap="square" lIns="50800" tIns="50800" rIns="50800" bIns="50800" numCol="1" anchor="ctr">
+                <a:noAutofit/>
+              </a:bodyPr>
+              <a:lstStyle>
+                <a:lvl1pPr algn="ctr">
+                  <a:defRPr b="1" sz="2600">
+                    <a:latin typeface="Arial"/>
+                    <a:ea typeface="Arial"/>
+                    <a:cs typeface="Arial"/>
+                    <a:sym typeface="Arial"/>
+                  </a:defRPr>
+                </a:lvl1pPr>
+              </a:lstStyle>
+              <a:p>
+                <a:pPr/>
+                <a:r>
+                  <a:t>7</a:t>
+                </a:r>
+              </a:p>
+            </p:txBody>
+          </p:sp>
+          <p:sp>
+            <p:nvSpPr>
+              <p:cNvPr id="300" name="Line"/>
+              <p:cNvSpPr/>
+              <p:nvPr/>
+            </p:nvSpPr>
+            <p:spPr>
+              <a:xfrm flipV="1">
+                <a:off x="288464" y="0"/>
+                <a:ext cx="246438" cy="246437"/>
+              </a:xfrm>
+              <a:prstGeom prst="line">
+                <a:avLst/>
+              </a:prstGeom>
+              <a:noFill/>
+              <a:ln w="38100" cap="flat">
+                <a:solidFill>
+                  <a:srgbClr val="000000"/>
+                </a:solidFill>
+                <a:prstDash val="solid"/>
+                <a:round/>
+              </a:ln>
+              <a:effectLst/>
+            </p:spPr>
+            <p:txBody>
+              <a:bodyPr wrap="square" lIns="0" tIns="0" rIns="0" bIns="0" numCol="1" anchor="t">
+                <a:noAutofit/>
+              </a:bodyPr>
+              <a:lstStyle/>
+              <a:p>
+                <a:pPr/>
+              </a:p>
+            </p:txBody>
+          </p:sp>
+        </p:grpSp>
+        <p:grpSp>
+          <p:nvGrpSpPr>
+            <p:cNvPr id="304" name="Group"/>
+            <p:cNvGrpSpPr/>
+            <p:nvPr/>
+          </p:nvGrpSpPr>
+          <p:grpSpPr>
+            <a:xfrm>
+              <a:off x="1591605" y="437422"/>
+              <a:ext cx="1153494" cy="1062101"/>
+              <a:chOff x="0" y="0"/>
+              <a:chExt cx="1153492" cy="1062099"/>
+            </a:xfrm>
+          </p:grpSpPr>
+          <p:sp>
+            <p:nvSpPr>
+              <p:cNvPr id="302" name="1"/>
+              <p:cNvSpPr/>
+              <p:nvPr/>
+            </p:nvSpPr>
+            <p:spPr>
+              <a:xfrm>
+                <a:off x="576562" y="487744"/>
+                <a:ext cx="576931" cy="574356"/>
+              </a:xfrm>
+              <a:prstGeom prst="ellipse">
+                <a:avLst/>
+              </a:prstGeom>
+              <a:noFill/>
+              <a:ln w="25400" cap="flat">
+                <a:solidFill>
+                  <a:srgbClr val="000000"/>
+                </a:solidFill>
+                <a:prstDash val="solid"/>
+                <a:round/>
+              </a:ln>
+              <a:effectLst/>
+              <a:extLst>
+                <a:ext uri="{C572A759-6A51-4108-AA02-DFA0A04FC94B}">
+                  <ma14:wrappingTextBoxFlag xmlns:ma14="http://schemas.microsoft.com/office/mac/drawingml/2011/main" val="1"/>
+                </a:ext>
+              </a:extLst>
+            </p:spPr>
+            <p:txBody>
+              <a:bodyPr wrap="square" lIns="50800" tIns="50800" rIns="50800" bIns="50800" numCol="1" anchor="ctr">
+                <a:noAutofit/>
+              </a:bodyPr>
+              <a:lstStyle>
+                <a:lvl1pPr algn="ctr">
+                  <a:defRPr b="1" sz="2600">
+                    <a:latin typeface="Arial"/>
+                    <a:ea typeface="Arial"/>
+                    <a:cs typeface="Arial"/>
+                    <a:sym typeface="Arial"/>
+                  </a:defRPr>
+                </a:lvl1pPr>
+              </a:lstStyle>
+              <a:p>
+                <a:pPr/>
+                <a:r>
+                  <a:t>1</a:t>
+                </a:r>
+              </a:p>
+            </p:txBody>
+          </p:sp>
+          <p:sp>
+            <p:nvSpPr>
+              <p:cNvPr id="303" name="Line"/>
+              <p:cNvSpPr/>
+              <p:nvPr/>
+            </p:nvSpPr>
+            <p:spPr>
+              <a:xfrm flipH="1" flipV="1">
+                <a:off x="0" y="0"/>
+                <a:ext cx="683005" cy="559684"/>
+              </a:xfrm>
+              <a:prstGeom prst="line">
+                <a:avLst/>
+              </a:prstGeom>
+              <a:noFill/>
+              <a:ln w="38100" cap="flat">
+                <a:solidFill>
+                  <a:srgbClr val="000000"/>
+                </a:solidFill>
+                <a:prstDash val="solid"/>
+                <a:round/>
+              </a:ln>
+              <a:effectLst/>
+            </p:spPr>
+            <p:txBody>
+              <a:bodyPr wrap="square" lIns="0" tIns="0" rIns="0" bIns="0" numCol="1" anchor="t">
+                <a:noAutofit/>
+              </a:bodyPr>
+              <a:lstStyle/>
+              <a:p>
+                <a:pPr/>
+              </a:p>
+            </p:txBody>
+          </p:sp>
+        </p:grpSp>
+      </p:grpSp>
+    </p:spTree>
+  </p:cSld>
+  <p:clrMapOvr>
+    <a:masterClrMapping/>
+  </p:clrMapOvr>
+  <p:transition xmlns:p14="http://schemas.microsoft.com/office/powerpoint/2010/main" spd="med" advClick="1"/>
+  <p:timing>
+    <p:tnLst>
+      <p:par>
+        <p:cTn id="1" nodeType="tmRoot" restart="never" dur="indefinite" fill="hold">
+          <p:childTnLst>
+            <p:seq concurrent="1" prevAc="none" nextAc="seek">
+              <p:cTn id="2" nodeType="mainSeq" dur="indefinite" fill="hold">
+                <p:childTnLst>
+                  <p:par>
+                    <p:cTn id="3" fill="hold">
+                      <p:stCondLst>
+                        <p:cond delay="indefinite"/>
+                      </p:stCondLst>
+                      <p:childTnLst>
+                        <p:par>
+                          <p:cTn id="4" fill="hold">
+                            <p:stCondLst>
+                              <p:cond delay="0"/>
+                            </p:stCondLst>
+                            <p:childTnLst>
+                              <p:par>
+                                <p:cTn id="5" presetClass="entr" nodeType="clickEffect" presetSubtype="0" presetID="1" grpId="1" fill="hold">
+                                  <p:stCondLst>
+                                    <p:cond delay="0"/>
+                                  </p:stCondLst>
+                                  <p:iterate type="el" backwards="0">
+                                    <p:tmAbs val="0"/>
+                                  </p:iterate>
+                                  <p:childTnLst>
+                                    <p:set>
+                                      <p:cBhvr>
+                                        <p:cTn id="6" fill="hold"/>
+                                        <p:tgtEl>
+                                          <p:spTgt spid="305"/>
+                                        </p:tgtEl>
+                                        <p:attrNameLst>
+                                          <p:attrName>style.visibility</p:attrName>
+                                        </p:attrNameLst>
+                                      </p:cBhvr>
+                                      <p:to>
+                                        <p:strVal val="visible"/>
+                                      </p:to>
+                                    </p:set>
+                                  </p:childTnLst>
+                                </p:cTn>
+                              </p:par>
+                            </p:childTnLst>
+                          </p:cTn>
+                        </p:par>
+                      </p:childTnLst>
+                    </p:cTn>
+                  </p:par>
+                  <p:par>
+                    <p:cTn id="7" fill="hold">
+                      <p:stCondLst>
+                        <p:cond delay="indefinite"/>
+                      </p:stCondLst>
+                      <p:childTnLst>
+                        <p:par>
+                          <p:cTn id="8" fill="hold">
+                            <p:stCondLst>
+                              <p:cond delay="0"/>
+                            </p:stCondLst>
+                            <p:childTnLst>
+                              <p:par>
+                                <p:cTn id="9" presetClass="entr" nodeType="clickEffect" presetSubtype="0" presetID="1" grpId="2" fill="hold">
+                                  <p:stCondLst>
+                                    <p:cond delay="0"/>
+                                  </p:stCondLst>
+                                  <p:iterate type="el" backwards="0">
+                                    <p:tmAbs val="0"/>
+                                  </p:iterate>
+                                  <p:childTnLst>
+                                    <p:set>
+                                      <p:cBhvr>
+                                        <p:cTn id="10" fill="hold"/>
+                                        <p:tgtEl>
+                                          <p:spTgt spid="285">
+                                            <p:bg/>
+                                          </p:spTgt>
+                                        </p:tgtEl>
+                                        <p:attrNameLst>
+                                          <p:attrName>style.visibility</p:attrName>
+                                        </p:attrNameLst>
+                                      </p:cBhvr>
+                                      <p:to>
+                                        <p:strVal val="visible"/>
+                                      </p:to>
+                                    </p:set>
+                                  </p:childTnLst>
+                                </p:cTn>
+                              </p:par>
+                              <p:par>
+                                <p:cTn id="11" presetClass="entr" nodeType="withEffect" presetSubtype="0" presetID="1" grpId="2" fill="hold">
+                                  <p:stCondLst>
+                                    <p:cond delay="0"/>
+                                  </p:stCondLst>
+                                  <p:iterate type="el" backwards="0">
+                                    <p:tmAbs val="0"/>
+                                  </p:iterate>
+                                  <p:childTnLst>
+                                    <p:set>
+                                      <p:cBhvr>
+                                        <p:cTn id="12" fill="hold"/>
+                                        <p:tgtEl>
+                                          <p:spTgt spid="285">
+                                            <p:txEl>
+                                              <p:pRg st="0" end="0"/>
+                                            </p:txEl>
+                                          </p:spTgt>
+                                        </p:tgtEl>
+                                        <p:attrNameLst>
+                                          <p:attrName>style.visibility</p:attrName>
+                                        </p:attrNameLst>
+                                      </p:cBhvr>
+                                      <p:to>
+                                        <p:strVal val="visible"/>
+                                      </p:to>
+                                    </p:set>
+                                  </p:childTnLst>
+                                </p:cTn>
+                              </p:par>
+                            </p:childTnLst>
+                          </p:cTn>
+                        </p:par>
+                      </p:childTnLst>
+                    </p:cTn>
+                  </p:par>
+                  <p:par>
+                    <p:cTn id="13" fill="hold">
+                      <p:stCondLst>
+                        <p:cond delay="indefinite"/>
+                      </p:stCondLst>
+                      <p:childTnLst>
+                        <p:par>
+                          <p:cTn id="14" fill="hold">
+                            <p:stCondLst>
+                              <p:cond delay="0"/>
+                            </p:stCondLst>
+                            <p:childTnLst>
+                              <p:par>
+                                <p:cTn id="15" presetClass="entr" nodeType="clickEffect" presetSubtype="0" presetID="1" grpId="2" fill="hold">
+                                  <p:stCondLst>
+                                    <p:cond delay="0"/>
+                                  </p:stCondLst>
+                                  <p:iterate type="el" backwards="0">
+                                    <p:tmAbs val="0"/>
+                                  </p:iterate>
+                                  <p:childTnLst>
+                                    <p:set>
+                                      <p:cBhvr>
+                                        <p:cTn id="16" fill="hold"/>
+                                        <p:tgtEl>
+                                          <p:spTgt spid="285">
+                                            <p:txEl>
+                                              <p:pRg st="1" end="1"/>
+                                            </p:txEl>
+                                          </p:spTgt>
+                                        </p:tgtEl>
+                                        <p:attrNameLst>
+                                          <p:attrName>style.visibility</p:attrName>
+                                        </p:attrNameLst>
+                                      </p:cBhvr>
+                                      <p:to>
+                                        <p:strVal val="visible"/>
+                                      </p:to>
+                                    </p:set>
+                                  </p:childTnLst>
+                                </p:cTn>
+                              </p:par>
+                            </p:childTnLst>
+                          </p:cTn>
+                        </p:par>
+                      </p:childTnLst>
+                    </p:cTn>
+                  </p:par>
+                  <p:par>
+                    <p:cTn id="17" fill="hold">
+                      <p:stCondLst>
+                        <p:cond delay="indefinite"/>
+                      </p:stCondLst>
+                      <p:childTnLst>
+                        <p:par>
+                          <p:cTn id="18" fill="hold">
+                            <p:stCondLst>
+                              <p:cond delay="0"/>
+                            </p:stCondLst>
+                            <p:childTnLst>
+                              <p:par>
+                                <p:cTn id="19" presetClass="entr" nodeType="clickEffect" presetSubtype="0" presetID="1" grpId="2" fill="hold">
+                                  <p:stCondLst>
+                                    <p:cond delay="0"/>
+                                  </p:stCondLst>
+                                  <p:iterate type="el" backwards="0">
+                                    <p:tmAbs val="0"/>
+                                  </p:iterate>
+                                  <p:childTnLst>
+                                    <p:set>
+                                      <p:cBhvr>
+                                        <p:cTn id="20" fill="hold"/>
+                                        <p:tgtEl>
+                                          <p:spTgt spid="285">
+                                            <p:txEl>
+                                              <p:pRg st="2" end="2"/>
+                                            </p:txEl>
+                                          </p:spTgt>
+                                        </p:tgtEl>
+                                        <p:attrNameLst>
+                                          <p:attrName>style.visibility</p:attrName>
+                                        </p:attrNameLst>
+                                      </p:cBhvr>
+                                      <p:to>
+                                        <p:strVal val="visible"/>
+                                      </p:to>
+                                    </p:set>
+                                  </p:childTnLst>
+                                </p:cTn>
+                              </p:par>
+                            </p:childTnLst>
+                          </p:cTn>
+                        </p:par>
+                      </p:childTnLst>
+                    </p:cTn>
+                  </p:par>
+                  <p:par>
+                    <p:cTn id="21" fill="hold">
+                      <p:stCondLst>
+                        <p:cond delay="indefinite"/>
+                      </p:stCondLst>
+                      <p:childTnLst>
+                        <p:par>
+                          <p:cTn id="22" fill="hold">
+                            <p:stCondLst>
+                              <p:cond delay="0"/>
+                            </p:stCondLst>
+                            <p:childTnLst>
+                              <p:par>
+                                <p:cTn id="23" presetClass="entr" nodeType="clickEffect" presetSubtype="0" presetID="1" grpId="2" fill="hold">
+                                  <p:stCondLst>
+                                    <p:cond delay="0"/>
+                                  </p:stCondLst>
+                                  <p:iterate type="el" backwards="0">
+                                    <p:tmAbs val="0"/>
+                                  </p:iterate>
+                                  <p:childTnLst>
+                                    <p:set>
+                                      <p:cBhvr>
+                                        <p:cTn id="24" fill="hold"/>
+                                        <p:tgtEl>
+                                          <p:spTgt spid="285">
+                                            <p:txEl>
+                                              <p:pRg st="3" end="3"/>
+                                            </p:txEl>
+                                          </p:spTgt>
+                                        </p:tgtEl>
+                                        <p:attrNameLst>
+                                          <p:attrName>style.visibility</p:attrName>
+                                        </p:attrNameLst>
+                                      </p:cBhvr>
+                                      <p:to>
+                                        <p:strVal val="visible"/>
+                                      </p:to>
+                                    </p:set>
+                                  </p:childTnLst>
+                                </p:cTn>
+                              </p:par>
+                            </p:childTnLst>
+                          </p:cTn>
+                        </p:par>
+                      </p:childTnLst>
+                    </p:cTn>
+                  </p:par>
+                  <p:par>
+                    <p:cTn id="25" fill="hold">
+                      <p:stCondLst>
+                        <p:cond delay="indefinite"/>
+                      </p:stCondLst>
+                      <p:childTnLst>
+                        <p:par>
+                          <p:cTn id="26" fill="hold">
+                            <p:stCondLst>
+                              <p:cond delay="0"/>
+                            </p:stCondLst>
+                            <p:childTnLst>
+                              <p:par>
+                                <p:cTn id="27" presetClass="entr" nodeType="clickEffect" presetSubtype="0" presetID="1" grpId="2" fill="hold">
+                                  <p:stCondLst>
+                                    <p:cond delay="0"/>
+                                  </p:stCondLst>
+                                  <p:iterate type="el" backwards="0">
+                                    <p:tmAbs val="0"/>
+                                  </p:iterate>
+                                  <p:childTnLst>
+                                    <p:set>
+                                      <p:cBhvr>
+                                        <p:cTn id="28" fill="hold"/>
+                                        <p:tgtEl>
+                                          <p:spTgt spid="285">
+                                            <p:txEl>
+                                              <p:pRg st="4" end="4"/>
+                                            </p:txEl>
+                                          </p:spTgt>
+                                        </p:tgtEl>
+                                        <p:attrNameLst>
+                                          <p:attrName>style.visibility</p:attrName>
+                                        </p:attrNameLst>
+                                      </p:cBhvr>
+                                      <p:to>
+                                        <p:strVal val="visible"/>
+                                      </p:to>
+                                    </p:set>
+                                  </p:childTnLst>
+                                </p:cTn>
+                              </p:par>
+                            </p:childTnLst>
+                          </p:cTn>
+                        </p:par>
+                      </p:childTnLst>
+                    </p:cTn>
+                  </p:par>
+                  <p:par>
+                    <p:cTn id="29" fill="hold">
+                      <p:stCondLst>
+                        <p:cond delay="indefinite"/>
+                      </p:stCondLst>
+                      <p:childTnLst>
+                        <p:par>
+                          <p:cTn id="30" fill="hold">
+                            <p:stCondLst>
+                              <p:cond delay="0"/>
+                            </p:stCondLst>
+                            <p:childTnLst>
+                              <p:par>
+                                <p:cTn id="31" presetClass="entr" nodeType="clickEffect" presetSubtype="0" presetID="1" grpId="2" fill="hold">
+                                  <p:stCondLst>
+                                    <p:cond delay="0"/>
+                                  </p:stCondLst>
+                                  <p:iterate type="el" backwards="0">
+                                    <p:tmAbs val="0"/>
+                                  </p:iterate>
+                                  <p:childTnLst>
+                                    <p:set>
+                                      <p:cBhvr>
+                                        <p:cTn id="32" fill="hold"/>
+                                        <p:tgtEl>
+                                          <p:spTgt spid="285">
+                                            <p:txEl>
+                                              <p:pRg st="5" end="5"/>
+                                            </p:txEl>
+                                          </p:spTgt>
+                                        </p:tgtEl>
+                                        <p:attrNameLst>
+                                          <p:attrName>style.visibility</p:attrName>
+                                        </p:attrNameLst>
+                                      </p:cBhvr>
+                                      <p:to>
+                                        <p:strVal val="visible"/>
+                                      </p:to>
+                                    </p:set>
+                                  </p:childTnLst>
+                                </p:cTn>
+                              </p:par>
+                            </p:childTnLst>
+                          </p:cTn>
+                        </p:par>
+                      </p:childTnLst>
+                    </p:cTn>
+                  </p:par>
+                  <p:par>
+                    <p:cTn id="33" fill="hold">
+                      <p:stCondLst>
+                        <p:cond delay="indefinite"/>
+                      </p:stCondLst>
+                      <p:childTnLst>
+                        <p:par>
+                          <p:cTn id="34" fill="hold">
+                            <p:stCondLst>
+                              <p:cond delay="0"/>
+                            </p:stCondLst>
+                            <p:childTnLst>
+                              <p:par>
+                                <p:cTn id="35" presetClass="entr" nodeType="clickEffect" presetSubtype="0" presetID="1" grpId="2" fill="hold">
+                                  <p:stCondLst>
+                                    <p:cond delay="0"/>
+                                  </p:stCondLst>
+                                  <p:iterate type="el" backwards="0">
+                                    <p:tmAbs val="0"/>
+                                  </p:iterate>
+                                  <p:childTnLst>
+                                    <p:set>
+                                      <p:cBhvr>
+                                        <p:cTn id="36" fill="hold"/>
+                                        <p:tgtEl>
+                                          <p:spTgt spid="285">
+                                            <p:txEl>
+                                              <p:pRg st="6" end="6"/>
+                                            </p:txEl>
+                                          </p:spTgt>
+                                        </p:tgtEl>
+                                        <p:attrNameLst>
+                                          <p:attrName>style.visibility</p:attrName>
+                                        </p:attrNameLst>
+                                      </p:cBhvr>
+                                      <p:to>
+                                        <p:strVal val="visible"/>
+                                      </p:to>
+                                    </p:set>
+                                  </p:childTnLst>
+                                </p:cTn>
+                              </p:par>
+                            </p:childTnLst>
+                          </p:cTn>
+                        </p:par>
+                      </p:childTnLst>
+                    </p:cTn>
+                  </p:par>
+                  <p:par>
+                    <p:cTn id="37" fill="hold">
+                      <p:stCondLst>
+                        <p:cond delay="indefinite"/>
+                      </p:stCondLst>
+                      <p:childTnLst>
+                        <p:par>
+                          <p:cTn id="38" fill="hold">
+                            <p:stCondLst>
+                              <p:cond delay="0"/>
+                            </p:stCondLst>
+                            <p:childTnLst>
+                              <p:par>
+                                <p:cTn id="39" presetClass="entr" nodeType="clickEffect" presetSubtype="0" presetID="1" grpId="2" fill="hold">
+                                  <p:stCondLst>
+                                    <p:cond delay="0"/>
+                                  </p:stCondLst>
+                                  <p:iterate type="el" backwards="0">
+                                    <p:tmAbs val="0"/>
+                                  </p:iterate>
+                                  <p:childTnLst>
+                                    <p:set>
+                                      <p:cBhvr>
+                                        <p:cTn id="40" fill="hold"/>
+                                        <p:tgtEl>
+                                          <p:spTgt spid="285">
+                                            <p:txEl>
+                                              <p:pRg st="7" end="7"/>
+                                            </p:txEl>
+                                          </p:spTgt>
+                                        </p:tgtEl>
+                                        <p:attrNameLst>
+                                          <p:attrName>style.visibility</p:attrName>
+                                        </p:attrNameLst>
+                                      </p:cBhvr>
+                                      <p:to>
+                                        <p:strVal val="visible"/>
+                                      </p:to>
+                                    </p:set>
+                                  </p:childTnLst>
+                                </p:cTn>
+                              </p:par>
+                            </p:childTnLst>
+                          </p:cTn>
+                        </p:par>
+                      </p:childTnLst>
+                    </p:cTn>
+                  </p:par>
+                  <p:par>
+                    <p:cTn id="41" fill="hold">
+                      <p:stCondLst>
+                        <p:cond delay="indefinite"/>
+                      </p:stCondLst>
+                      <p:childTnLst>
+                        <p:par>
+                          <p:cTn id="42" fill="hold">
+                            <p:stCondLst>
+                              <p:cond delay="0"/>
+                            </p:stCondLst>
+                            <p:childTnLst>
+                              <p:par>
+                                <p:cTn id="43" presetClass="entr" nodeType="clickEffect" presetSubtype="0" presetID="1" grpId="2" fill="hold">
+                                  <p:stCondLst>
+                                    <p:cond delay="0"/>
+                                  </p:stCondLst>
+                                  <p:iterate type="el" backwards="0">
+                                    <p:tmAbs val="0"/>
+                                  </p:iterate>
+                                  <p:childTnLst>
+                                    <p:set>
+                                      <p:cBhvr>
+                                        <p:cTn id="44" fill="hold"/>
+                                        <p:tgtEl>
+                                          <p:spTgt spid="285">
+                                            <p:txEl>
+                                              <p:pRg st="8" end="8"/>
+                                            </p:txEl>
+                                          </p:spTgt>
+                                        </p:tgtEl>
+                                        <p:attrNameLst>
+                                          <p:attrName>style.visibility</p:attrName>
+                                        </p:attrNameLst>
+                                      </p:cBhvr>
+                                      <p:to>
+                                        <p:strVal val="visible"/>
+                                      </p:to>
+                                    </p:set>
+                                  </p:childTnLst>
+                                </p:cTn>
+                              </p:par>
+                            </p:childTnLst>
+                          </p:cTn>
+                        </p:par>
+                      </p:childTnLst>
+                    </p:cTn>
+                  </p:par>
+                  <p:par>
+                    <p:cTn id="45" fill="hold">
+                      <p:stCondLst>
+                        <p:cond delay="indefinite"/>
+                      </p:stCondLst>
+                      <p:childTnLst>
+                        <p:par>
+                          <p:cTn id="46" fill="hold">
+                            <p:stCondLst>
+                              <p:cond delay="0"/>
+                            </p:stCondLst>
+                            <p:childTnLst>
+                              <p:par>
+                                <p:cTn id="47" presetClass="entr" nodeType="clickEffect" presetSubtype="0" presetID="1" grpId="2" fill="hold">
+                                  <p:stCondLst>
+                                    <p:cond delay="0"/>
+                                  </p:stCondLst>
+                                  <p:iterate type="el" backwards="0">
+                                    <p:tmAbs val="0"/>
+                                  </p:iterate>
+                                  <p:childTnLst>
+                                    <p:set>
+                                      <p:cBhvr>
+                                        <p:cTn id="48" fill="hold"/>
+                                        <p:tgtEl>
+                                          <p:spTgt spid="285">
+                                            <p:txEl>
+                                              <p:pRg st="9" end="9"/>
+                                            </p:txEl>
+                                          </p:spTgt>
+                                        </p:tgtEl>
+                                        <p:attrNameLst>
+                                          <p:attrName>style.visibility</p:attrName>
+                                        </p:attrNameLst>
+                                      </p:cBhvr>
+                                      <p:to>
+                                        <p:strVal val="visible"/>
+                                      </p:to>
+                                    </p:set>
+                                  </p:childTnLst>
+                                </p:cTn>
+                              </p:par>
+                            </p:childTnLst>
+                          </p:cTn>
+                        </p:par>
+                      </p:childTnLst>
+                    </p:cTn>
+                  </p:par>
+                  <p:par>
+                    <p:cTn id="49" fill="hold">
+                      <p:stCondLst>
+                        <p:cond delay="indefinite"/>
+                      </p:stCondLst>
+                      <p:childTnLst>
+                        <p:par>
+                          <p:cTn id="50" fill="hold">
+                            <p:stCondLst>
+                              <p:cond delay="0"/>
+                            </p:stCondLst>
+                            <p:childTnLst>
+                              <p:par>
+                                <p:cTn id="51" presetClass="entr" nodeType="clickEffect" presetSubtype="0" presetID="1" grpId="2" fill="hold">
+                                  <p:stCondLst>
+                                    <p:cond delay="0"/>
+                                  </p:stCondLst>
+                                  <p:iterate type="el" backwards="0">
+                                    <p:tmAbs val="0"/>
+                                  </p:iterate>
+                                  <p:childTnLst>
+                                    <p:set>
+                                      <p:cBhvr>
+                                        <p:cTn id="52" fill="hold"/>
+                                        <p:tgtEl>
+                                          <p:spTgt spid="285">
+                                            <p:txEl>
+                                              <p:pRg st="10" end="10"/>
+                                            </p:txEl>
+                                          </p:spTgt>
+                                        </p:tgtEl>
+                                        <p:attrNameLst>
+                                          <p:attrName>style.visibility</p:attrName>
+                                        </p:attrNameLst>
+                                      </p:cBhvr>
+                                      <p:to>
+                                        <p:strVal val="visible"/>
+                                      </p:to>
+                                    </p:set>
+                                  </p:childTnLst>
+                                </p:cTn>
+                              </p:par>
+                            </p:childTnLst>
+                          </p:cTn>
+                        </p:par>
+                      </p:childTnLst>
+                    </p:cTn>
+                  </p:par>
+                  <p:par>
+                    <p:cTn id="53" fill="hold">
+                      <p:stCondLst>
+                        <p:cond delay="indefinite"/>
+                      </p:stCondLst>
+                      <p:childTnLst>
+                        <p:par>
+                          <p:cTn id="54" fill="hold">
+                            <p:stCondLst>
+                              <p:cond delay="0"/>
+                            </p:stCondLst>
+                            <p:childTnLst>
+                              <p:par>
+                                <p:cTn id="55" presetClass="entr" nodeType="clickEffect" presetSubtype="0" presetID="1" grpId="2" fill="hold">
+                                  <p:stCondLst>
+                                    <p:cond delay="0"/>
+                                  </p:stCondLst>
+                                  <p:iterate type="el" backwards="0">
+                                    <p:tmAbs val="0"/>
+                                  </p:iterate>
+                                  <p:childTnLst>
+                                    <p:set>
+                                      <p:cBhvr>
+                                        <p:cTn id="56" fill="hold"/>
+                                        <p:tgtEl>
+                                          <p:spTgt spid="285">
+                                            <p:txEl>
+                                              <p:pRg st="11" end="11"/>
+                                            </p:txEl>
+                                          </p:spTgt>
+                                        </p:tgtEl>
+                                        <p:attrNameLst>
+                                          <p:attrName>style.visibility</p:attrName>
+                                        </p:attrNameLst>
+                                      </p:cBhvr>
+                                      <p:to>
+                                        <p:strVal val="visible"/>
+                                      </p:to>
+                                    </p:set>
+                                  </p:childTnLst>
+                                </p:cTn>
+                              </p:par>
+                            </p:childTnLst>
+                          </p:cTn>
+                        </p:par>
+                      </p:childTnLst>
+                    </p:cTn>
+                  </p:par>
+                  <p:par>
+                    <p:cTn id="57" fill="hold">
+                      <p:stCondLst>
+                        <p:cond delay="indefinite"/>
+                      </p:stCondLst>
+                      <p:childTnLst>
+                        <p:par>
+                          <p:cTn id="58" fill="hold">
+                            <p:stCondLst>
+                              <p:cond delay="0"/>
+                            </p:stCondLst>
+                            <p:childTnLst>
+                              <p:par>
+                                <p:cTn id="59" presetClass="entr" nodeType="clickEffect" presetSubtype="0" presetID="1" grpId="2" fill="hold">
+                                  <p:stCondLst>
+                                    <p:cond delay="0"/>
+                                  </p:stCondLst>
+                                  <p:iterate type="el" backwards="0">
+                                    <p:tmAbs val="0"/>
+                                  </p:iterate>
+                                  <p:childTnLst>
+                                    <p:set>
+                                      <p:cBhvr>
+                                        <p:cTn id="60" fill="hold"/>
+                                        <p:tgtEl>
+                                          <p:spTgt spid="285">
+                                            <p:txEl>
+                                              <p:pRg st="12" end="12"/>
+                                            </p:txEl>
+                                          </p:spTgt>
+                                        </p:tgtEl>
+                                        <p:attrNameLst>
+                                          <p:attrName>style.visibility</p:attrName>
+                                        </p:attrNameLst>
+                                      </p:cBhvr>
+                                      <p:to>
+                                        <p:strVal val="visible"/>
+                                      </p:to>
+                                    </p:set>
+                                  </p:childTnLst>
+                                </p:cTn>
+                              </p:par>
+                            </p:childTnLst>
+                          </p:cTn>
+                        </p:par>
+                      </p:childTnLst>
+                    </p:cTn>
+                  </p:par>
+                  <p:par>
+                    <p:cTn id="61" fill="hold">
+                      <p:stCondLst>
+                        <p:cond delay="indefinite"/>
+                      </p:stCondLst>
+                      <p:childTnLst>
+                        <p:par>
+                          <p:cTn id="62" fill="hold">
+                            <p:stCondLst>
+                              <p:cond delay="0"/>
+                            </p:stCondLst>
+                            <p:childTnLst>
+                              <p:par>
+                                <p:cTn id="63" presetClass="entr" nodeType="clickEffect" presetSubtype="0" presetID="1" grpId="2" fill="hold">
+                                  <p:stCondLst>
+                                    <p:cond delay="0"/>
+                                  </p:stCondLst>
+                                  <p:iterate type="el" backwards="0">
+                                    <p:tmAbs val="0"/>
+                                  </p:iterate>
+                                  <p:childTnLst>
+                                    <p:set>
+                                      <p:cBhvr>
+                                        <p:cTn id="64" fill="hold"/>
+                                        <p:tgtEl>
+                                          <p:spTgt spid="285">
+                                            <p:txEl>
+                                              <p:pRg st="13" end="13"/>
+                                            </p:txEl>
+                                          </p:spTgt>
+                                        </p:tgtEl>
+                                        <p:attrNameLst>
+                                          <p:attrName>style.visibility</p:attrName>
+                                        </p:attrNameLst>
+                                      </p:cBhvr>
+                                      <p:to>
+                                        <p:strVal val="visible"/>
+                                      </p:to>
+                                    </p:set>
+                                  </p:childTnLst>
+                                </p:cTn>
+                              </p:par>
+                            </p:childTnLst>
+                          </p:cTn>
+                        </p:par>
+                      </p:childTnLst>
+                    </p:cTn>
+                  </p:par>
+                  <p:par>
+                    <p:cTn id="65" fill="hold">
+                      <p:stCondLst>
+                        <p:cond delay="indefinite"/>
+                      </p:stCondLst>
+                      <p:childTnLst>
+                        <p:par>
+                          <p:cTn id="66" fill="hold">
+                            <p:stCondLst>
+                              <p:cond delay="0"/>
+                            </p:stCondLst>
+                            <p:childTnLst>
+                              <p:par>
+                                <p:cTn id="67" presetClass="entr" nodeType="clickEffect" presetSubtype="0" presetID="1" grpId="2" fill="hold">
+                                  <p:stCondLst>
+                                    <p:cond delay="0"/>
+                                  </p:stCondLst>
+                                  <p:iterate type="el" backwards="0">
+                                    <p:tmAbs val="0"/>
+                                  </p:iterate>
+                                  <p:childTnLst>
+                                    <p:set>
+                                      <p:cBhvr>
+                                        <p:cTn id="68" fill="hold"/>
+                                        <p:tgtEl>
+                                          <p:spTgt spid="285">
+                                            <p:txEl>
+                                              <p:pRg st="14" end="14"/>
+                                            </p:txEl>
+                                          </p:spTgt>
+                                        </p:tgtEl>
+                                        <p:attrNameLst>
+                                          <p:attrName>style.visibility</p:attrName>
+                                        </p:attrNameLst>
+                                      </p:cBhvr>
+                                      <p:to>
+                                        <p:strVal val="visible"/>
+                                      </p:to>
+                                    </p:set>
+                                  </p:childTnLst>
+                                </p:cTn>
+                              </p:par>
+                            </p:childTnLst>
+                          </p:cTn>
+                        </p:par>
+                      </p:childTnLst>
+                    </p:cTn>
+                  </p:par>
+                </p:childTnLst>
+              </p:cTn>
+              <p:prevCondLst>
+                <p:cond evt="onPrev">
+                  <p:tgtEl>
+                    <p:sldTgt/>
+                  </p:tgtEl>
+                </p:cond>
+              </p:prevCondLst>
+              <p:nextCondLst>
+                <p:cond evt="onNext">
+                  <p:tgtEl>
+                    <p:sldTgt/>
+                  </p:tgtEl>
+                </p:cond>
+              </p:nextCondLst>
+            </p:seq>
+          </p:childTnLst>
+        </p:cTn>
+      </p:par>
+    </p:tnLst>
+    <p:bldLst>
+      <p:bldP build="p" bldLvl="5" animBg="1" rev="0" advAuto="0" spid="285" grpId="2"/>
+      <p:bldP build="whole" bldLvl="1" animBg="1" rev="0" advAuto="0" spid="305" grpId="1"/>
+    </p:bldLst>
+  </p:timing>
+</p:sld>
+</file>
+
+<file path=ppt/slides/slide14.xml><?xml version="1.0" encoding="utf-8"?>
+<p:sld xmlns:a="http://schemas.openxmlformats.org/drawingml/2006/main" xmlns:r="http://schemas.openxmlformats.org/officeDocument/2006/relationships" xmlns:p="http://schemas.openxmlformats.org/presentationml/2006/main" xmlns:m="http://schemas.openxmlformats.org/officeDocument/2006/math" xmlns:a14="http://schemas.microsoft.com/office/drawing/2010/main" showMasterSp="1" showMasterPhAnim="1">
+  <p:cSld>
+    <p:spTree>
+      <p:nvGrpSpPr>
+        <p:cNvPr id="1" name=""/>
+        <p:cNvGrpSpPr/>
+        <p:nvPr/>
+      </p:nvGrpSpPr>
+      <p:grpSpPr>
+        <a:xfrm>
+          <a:off x="0" y="0"/>
+          <a:ext cx="0" cy="0"/>
+          <a:chOff x="0" y="0"/>
+          <a:chExt cx="0" cy="0"/>
+        </a:xfrm>
+      </p:grpSpPr>
+      <p:sp>
+        <p:nvSpPr>
+          <p:cNvPr id="307" name="Complexity Analysis"/>
+          <p:cNvSpPr txBox="1"/>
+          <p:nvPr>
+            <p:ph type="title"/>
+          </p:nvPr>
+        </p:nvSpPr>
+        <p:spPr>
+          <a:prstGeom prst="rect">
+            <a:avLst/>
+          </a:prstGeom>
+        </p:spPr>
+        <p:txBody>
+          <a:bodyPr/>
+          <a:lstStyle/>
+          <a:p>
+            <a:pPr/>
+            <a:r>
+              <a:t>Complexity Analysis</a:t>
+            </a:r>
+          </a:p>
+        </p:txBody>
+      </p:sp>
+      <p:sp>
+        <p:nvSpPr>
+          <p:cNvPr id="308" name="Consider the tree height…"/>
+          <p:cNvSpPr txBox="1"/>
+          <p:nvPr>
+            <p:ph type="body" idx="1"/>
+          </p:nvPr>
+        </p:nvSpPr>
+        <p:spPr>
+          <a:prstGeom prst="rect">
+            <a:avLst/>
+          </a:prstGeom>
+        </p:spPr>
+        <p:txBody>
+          <a:bodyPr/>
+          <a:lstStyle/>
+          <a:p>
+            <a:pPr/>
+            <a:r>
+              <a:t>Consider the tree height</a:t>
+            </a:r>
+          </a:p>
+          <a:p>
+            <a:pPr lvl="1"/>
+            <a:r>
+              <a:t>height of a node: length of the path from it to leaf</a:t>
+            </a:r>
+          </a:p>
+          <a:p>
+            <a:pPr lvl="1"/>
+            <a:r>
+              <a:rPr>
+                <a:latin typeface="Courier New"/>
+                <a:ea typeface="Courier New"/>
+                <a:cs typeface="Courier New"/>
+                <a:sym typeface="Courier New"/>
+              </a:rPr>
+              <a:t>n</a:t>
+            </a:r>
+            <a:r>
+              <a:t>-element heap has height </a:t>
+            </a:r>
+            <a:r>
+              <a:rPr>
+                <a:latin typeface="Courier New"/>
+                <a:ea typeface="Courier New"/>
+                <a:cs typeface="Courier New"/>
+                <a:sym typeface="Courier New"/>
+              </a:rPr>
+              <a:t>⌊lg</a:t>
+            </a:r>
+            <a:r>
+              <a:rPr baseline="-5999">
+                <a:latin typeface="Courier New"/>
+                <a:ea typeface="Courier New"/>
+                <a:cs typeface="Courier New"/>
+                <a:sym typeface="Courier New"/>
+              </a:rPr>
+              <a:t>2</a:t>
+            </a:r>
+            <a:r>
+              <a:rPr>
+                <a:latin typeface="Courier New"/>
+                <a:ea typeface="Courier New"/>
+                <a:cs typeface="Courier New"/>
+                <a:sym typeface="Courier New"/>
+              </a:rPr>
+              <a:t> n⌋</a:t>
+            </a:r>
+            <a:endParaRPr>
+              <a:latin typeface="Courier New"/>
+              <a:ea typeface="Courier New"/>
+              <a:cs typeface="Courier New"/>
+              <a:sym typeface="Courier New"/>
+            </a:endParaRPr>
+          </a:p>
+          <a:p>
+            <a:pPr lvl="1">
+              <a:defRPr>
+                <a:latin typeface="Gill Sans MT"/>
+                <a:ea typeface="Gill Sans MT"/>
+                <a:cs typeface="Gill Sans MT"/>
+                <a:sym typeface="Gill Sans MT"/>
+              </a:defRPr>
+            </a:pPr>
+            <a:r>
+              <a:t>Number of nodes at height </a:t>
+            </a:r>
+            <a:r>
+              <a:rPr>
+                <a:latin typeface="Courier New"/>
+                <a:ea typeface="Courier New"/>
+                <a:cs typeface="Courier New"/>
+                <a:sym typeface="Courier New"/>
+              </a:rPr>
+              <a:t>h</a:t>
+            </a:r>
+            <a:r>
+              <a:t> is </a:t>
+            </a:r>
+            <a:r>
+              <a:rPr>
+                <a:latin typeface="Courier New"/>
+                <a:ea typeface="Courier New"/>
+                <a:cs typeface="Courier New"/>
+                <a:sym typeface="Courier New"/>
+              </a:rPr>
+              <a:t>⌈n/2</a:t>
+            </a:r>
+            <a:r>
+              <a:rPr baseline="31999">
+                <a:latin typeface="Courier New"/>
+                <a:ea typeface="Courier New"/>
+                <a:cs typeface="Courier New"/>
+                <a:sym typeface="Courier New"/>
+              </a:rPr>
+              <a:t>h+1</a:t>
+            </a:r>
+            <a:r>
+              <a:rPr>
+                <a:latin typeface="Courier New"/>
+                <a:ea typeface="Courier New"/>
+                <a:cs typeface="Courier New"/>
+                <a:sym typeface="Courier New"/>
+              </a:rPr>
+              <a:t>⌉</a:t>
+            </a:r>
+            <a:endParaRPr>
+              <a:latin typeface="Courier New"/>
+              <a:ea typeface="Courier New"/>
+              <a:cs typeface="Courier New"/>
+              <a:sym typeface="Courier New"/>
+            </a:endParaRPr>
+          </a:p>
+          <a:p>
+            <a:pPr lvl="2" marL="1097416" indent="-244928">
+              <a:spcBef>
+                <a:spcPts val="600"/>
+              </a:spcBef>
+              <a:defRPr sz="3000">
+                <a:latin typeface="Gill Sans MT"/>
+                <a:ea typeface="Gill Sans MT"/>
+                <a:cs typeface="Gill Sans MT"/>
+                <a:sym typeface="Gill Sans MT"/>
+              </a:defRPr>
+            </a:pPr>
+            <a:r>
+              <a:t>e.g. </a:t>
+            </a:r>
+            <a:r>
+              <a:rPr>
+                <a:latin typeface="Courier New"/>
+                <a:ea typeface="Courier New"/>
+                <a:cs typeface="Courier New"/>
+                <a:sym typeface="Courier New"/>
+              </a:rPr>
+              <a:t>n=15, h=3, </a:t>
+            </a:r>
+            <a:endParaRPr>
+              <a:latin typeface="Courier New"/>
+              <a:ea typeface="Courier New"/>
+              <a:cs typeface="Courier New"/>
+              <a:sym typeface="Courier New"/>
+            </a:endParaRPr>
+          </a:p>
+          <a:p>
+            <a:pPr lvl="2" marL="1097416" indent="-244928">
+              <a:spcBef>
+                <a:spcPts val="600"/>
+              </a:spcBef>
+              <a:defRPr sz="3000">
+                <a:latin typeface="Gill Sans MT"/>
+                <a:ea typeface="Gill Sans MT"/>
+                <a:cs typeface="Gill Sans MT"/>
+                <a:sym typeface="Gill Sans MT"/>
+              </a:defRPr>
+            </a:pPr>
+            <a:r>
+              <a:t>nodes at </a:t>
+            </a:r>
+            <a:r>
+              <a:rPr>
+                <a:latin typeface="Courier New"/>
+                <a:ea typeface="Courier New"/>
+                <a:cs typeface="Courier New"/>
+                <a:sym typeface="Courier New"/>
+              </a:rPr>
+              <a:t>h=0</a:t>
+            </a:r>
+            <a:r>
+              <a:t> is </a:t>
+            </a:r>
+            <a:r>
+              <a:rPr>
+                <a:latin typeface="Courier New"/>
+                <a:ea typeface="Courier New"/>
+                <a:cs typeface="Courier New"/>
+                <a:sym typeface="Courier New"/>
+              </a:rPr>
+              <a:t>8</a:t>
+            </a:r>
+            <a:r>
+              <a:t>, at </a:t>
+            </a:r>
+            <a:r>
+              <a:rPr>
+                <a:latin typeface="Courier New"/>
+                <a:ea typeface="Courier New"/>
+                <a:cs typeface="Courier New"/>
+                <a:sym typeface="Courier New"/>
+              </a:rPr>
+              <a:t>h=1</a:t>
+            </a:r>
+            <a:r>
+              <a:t> is </a:t>
+            </a:r>
+            <a:r>
+              <a:rPr>
+                <a:latin typeface="Courier New"/>
+                <a:ea typeface="Courier New"/>
+                <a:cs typeface="Courier New"/>
+                <a:sym typeface="Courier New"/>
+              </a:rPr>
+              <a:t>4</a:t>
+            </a:r>
+            <a:r>
+              <a:t>, at </a:t>
+            </a:r>
+            <a:r>
+              <a:rPr>
+                <a:latin typeface="Courier New"/>
+                <a:ea typeface="Courier New"/>
+                <a:cs typeface="Courier New"/>
+                <a:sym typeface="Courier New"/>
+              </a:rPr>
+              <a:t>h=2</a:t>
+            </a:r>
+            <a:r>
+              <a:t> is </a:t>
+            </a:r>
+            <a:r>
+              <a:rPr>
+                <a:latin typeface="Courier New"/>
+                <a:ea typeface="Courier New"/>
+                <a:cs typeface="Courier New"/>
+                <a:sym typeface="Courier New"/>
+              </a:rPr>
+              <a:t>2</a:t>
+            </a:r>
+            <a:endParaRPr>
+              <a:latin typeface="Courier New"/>
+              <a:ea typeface="Courier New"/>
+              <a:cs typeface="Courier New"/>
+              <a:sym typeface="Courier New"/>
+            </a:endParaRPr>
+          </a:p>
+          <a:p>
+            <a:pPr>
+              <a:defRPr>
+                <a:latin typeface="Gill Sans MT"/>
+                <a:ea typeface="Gill Sans MT"/>
+                <a:cs typeface="Gill Sans MT"/>
+                <a:sym typeface="Gill Sans MT"/>
+              </a:defRPr>
+            </a:pPr>
+            <a:r>
+              <a:t>Generalized analysis</a:t>
+            </a:r>
+          </a:p>
+          <a:p>
+            <a:pPr lvl="1" marL="700087" indent="-304800">
+              <a:spcBef>
+                <a:spcPts val="700"/>
+              </a:spcBef>
+              <a:defRPr>
+                <a:latin typeface="Gill Sans MT"/>
+                <a:ea typeface="Gill Sans MT"/>
+                <a:cs typeface="Gill Sans MT"/>
+                <a:sym typeface="Gill Sans MT"/>
+              </a:defRPr>
+            </a:pPr>
+            <a:r>
+              <a:t>Moving </a:t>
+            </a:r>
+            <a:r>
+              <a:rPr>
+                <a:latin typeface="Courier New"/>
+                <a:ea typeface="Courier New"/>
+                <a:cs typeface="Courier New"/>
+                <a:sym typeface="Courier New"/>
+              </a:rPr>
+              <a:t>⌊n/2⌋</a:t>
+            </a:r>
+            <a:r>
+              <a:t> nodes i.e. considering parent nodes</a:t>
+            </a:r>
+            <a:endParaRPr>
+              <a:latin typeface="Courier New"/>
+              <a:ea typeface="Courier New"/>
+              <a:cs typeface="Courier New"/>
+              <a:sym typeface="Courier New"/>
+            </a:endParaRPr>
+          </a:p>
+          <a:p>
+            <a:pPr lvl="1" marL="700087" indent="-304800">
+              <a:spcBef>
+                <a:spcPts val="700"/>
+              </a:spcBef>
+              <a:defRPr>
+                <a:latin typeface="Gill Sans MT"/>
+                <a:ea typeface="Gill Sans MT"/>
+                <a:cs typeface="Gill Sans MT"/>
+                <a:sym typeface="Gill Sans MT"/>
+              </a:defRPr>
+            </a:pPr>
+            <a:r>
+              <a:t>Each node may move </a:t>
+            </a:r>
+            <a:r>
+              <a:rPr>
+                <a:latin typeface="Courier New"/>
+                <a:ea typeface="Courier New"/>
+                <a:cs typeface="Courier New"/>
+                <a:sym typeface="Courier New"/>
+              </a:rPr>
+              <a:t>h= ⌊lg</a:t>
+            </a:r>
+            <a:r>
+              <a:rPr baseline="-5999">
+                <a:latin typeface="Courier New"/>
+                <a:ea typeface="Courier New"/>
+                <a:cs typeface="Courier New"/>
+                <a:sym typeface="Courier New"/>
+              </a:rPr>
+              <a:t>2</a:t>
+            </a:r>
+            <a:r>
+              <a:rPr>
+                <a:latin typeface="Courier New"/>
+                <a:ea typeface="Courier New"/>
+                <a:cs typeface="Courier New"/>
+                <a:sym typeface="Courier New"/>
+              </a:rPr>
+              <a:t> n⌋</a:t>
+            </a:r>
+            <a:r>
+              <a:t> times.</a:t>
+            </a:r>
+          </a:p>
+          <a:p>
+            <a:pPr lvl="1" marL="700087" indent="-304800">
+              <a:spcBef>
+                <a:spcPts val="700"/>
+              </a:spcBef>
+              <a:defRPr>
+                <a:latin typeface="Gill Sans MT"/>
+                <a:ea typeface="Gill Sans MT"/>
+                <a:cs typeface="Gill Sans MT"/>
+                <a:sym typeface="Gill Sans MT"/>
+              </a:defRPr>
+            </a:pPr>
+            <a:r>
+              <a:t>Thus complexity for heapifying array is </a:t>
+            </a:r>
+            <a:r>
+              <a:rPr>
+                <a:latin typeface="Courier New"/>
+                <a:ea typeface="Courier New"/>
+                <a:cs typeface="Courier New"/>
+                <a:sym typeface="Courier New"/>
+              </a:rPr>
+              <a:t>Θ(nlg</a:t>
+            </a:r>
+            <a:r>
+              <a:rPr baseline="-5999">
+                <a:latin typeface="Courier New"/>
+                <a:ea typeface="Courier New"/>
+                <a:cs typeface="Courier New"/>
+                <a:sym typeface="Courier New"/>
+              </a:rPr>
+              <a:t>2 </a:t>
+            </a:r>
+            <a:r>
+              <a:rPr>
+                <a:latin typeface="Courier New"/>
+                <a:ea typeface="Courier New"/>
+                <a:cs typeface="Courier New"/>
+                <a:sym typeface="Courier New"/>
+              </a:rPr>
+              <a:t>n)</a:t>
+            </a:r>
+          </a:p>
+        </p:txBody>
+      </p:sp>
+      <p:sp>
+        <p:nvSpPr>
+          <p:cNvPr id="309" name="Slide Number"/>
+          <p:cNvSpPr txBox="1"/>
+          <p:nvPr>
+            <p:ph type="sldNum" sz="quarter" idx="2"/>
+          </p:nvPr>
+        </p:nvSpPr>
+        <p:spPr>
+          <a:prstGeom prst="rect">
+            <a:avLst/>
+          </a:prstGeom>
+          <a:extLst>
+            <a:ext uri="{C572A759-6A51-4108-AA02-DFA0A04FC94B}">
+              <ma14:wrappingTextBoxFlag xmlns:ma14="http://schemas.microsoft.com/office/mac/drawingml/2011/main" val="1"/>
+            </a:ext>
+          </a:extLst>
+        </p:spPr>
+        <p:txBody>
+          <a:bodyPr/>
+          <a:lstStyle/>
+          <a:p>
+            <a:pPr/>
+            <a:fld id="{86CB4B4D-7CA3-9044-876B-883B54F8677D}" type="slidenum"/>
+          </a:p>
+        </p:txBody>
+      </p:sp>
+      <p:sp>
+        <p:nvSpPr>
+          <p:cNvPr id="310" name="DAA/Greedy Algorithms"/>
+          <p:cNvSpPr txBox="1"/>
+          <p:nvPr/>
+        </p:nvSpPr>
+        <p:spPr>
+          <a:xfrm>
+            <a:off x="423212" y="6963885"/>
+            <a:ext cx="3244911" cy="431552"/>
+          </a:xfrm>
+          <a:prstGeom prst="rect">
+            <a:avLst/>
+          </a:prstGeom>
+          <a:ln w="12700">
+            <a:miter lim="400000"/>
+          </a:ln>
+          <a:extLst>
+            <a:ext uri="{C572A759-6A51-4108-AA02-DFA0A04FC94B}">
+              <ma14:wrappingTextBoxFlag xmlns:ma14="http://schemas.microsoft.com/office/mac/drawingml/2011/main" val="1"/>
+            </a:ext>
+          </a:extLst>
+        </p:spPr>
+        <p:txBody>
+          <a:bodyPr wrap="none" lIns="50800" tIns="50800" rIns="50800" bIns="50800" anchor="ctr">
+            <a:spAutoFit/>
+          </a:bodyPr>
+          <a:lstStyle>
+            <a:lvl1pPr>
+              <a:defRPr sz="2400"/>
+            </a:lvl1pPr>
+          </a:lstStyle>
+          <a:p>
+            <a:pPr/>
+            <a:r>
+              <a:t>DAA/Greedy Algorithms</a:t>
+            </a:r>
+          </a:p>
+        </p:txBody>
+      </p:sp>
+      <p:sp>
+        <p:nvSpPr>
+          <p:cNvPr id="311" name="RPR/"/>
           <p:cNvSpPr txBox="1"/>
           <p:nvPr/>
         </p:nvSpPr>
@@ -11164,7 +14143,7 @@
                                       <p:cBhvr>
                                         <p:cTn id="6" fill="hold"/>
                                         <p:tgtEl>
-                                          <p:spTgt spid="282">
+                                          <p:spTgt spid="308">
                                             <p:bg/>
                                           </p:spTgt>
                                         </p:tgtEl>
@@ -11192,7 +14171,7 @@
                                       <p:cBhvr>
                                         <p:cTn id="8" fill="hold"/>
                                         <p:tgtEl>
-                                          <p:spTgt spid="282">
+                                          <p:spTgt spid="308">
                                             <p:txEl>
                                               <p:pRg st="0" end="0"/>
                                             </p:txEl>
@@ -11240,7 +14219,7 @@
                                       <p:cBhvr>
                                         <p:cTn id="12" fill="hold"/>
                                         <p:tgtEl>
-                                          <p:spTgt spid="282">
+                                          <p:spTgt spid="308">
                                             <p:txEl>
                                               <p:pRg st="1" end="1"/>
                                             </p:txEl>
@@ -11288,7 +14267,7 @@
                                       <p:cBhvr>
                                         <p:cTn id="16" fill="hold"/>
                                         <p:tgtEl>
-                                          <p:spTgt spid="282">
+                                          <p:spTgt spid="308">
                                             <p:txEl>
                                               <p:pRg st="2" end="2"/>
                                             </p:txEl>
@@ -11336,7 +14315,7 @@
                                       <p:cBhvr>
                                         <p:cTn id="20" fill="hold"/>
                                         <p:tgtEl>
-                                          <p:spTgt spid="282">
+                                          <p:spTgt spid="308">
                                             <p:txEl>
                                               <p:pRg st="3" end="3"/>
                                             </p:txEl>
@@ -11384,7 +14363,7 @@
                                       <p:cBhvr>
                                         <p:cTn id="24" fill="hold"/>
                                         <p:tgtEl>
-                                          <p:spTgt spid="282">
+                                          <p:spTgt spid="308">
                                             <p:txEl>
                                               <p:pRg st="4" end="4"/>
                                             </p:txEl>
@@ -11432,7 +14411,7 @@
                                       <p:cBhvr>
                                         <p:cTn id="28" fill="hold"/>
                                         <p:tgtEl>
-                                          <p:spTgt spid="282">
+                                          <p:spTgt spid="308">
                                             <p:txEl>
                                               <p:pRg st="5" end="5"/>
                                             </p:txEl>
@@ -11480,7 +14459,7 @@
                                       <p:cBhvr>
                                         <p:cTn id="32" fill="hold"/>
                                         <p:tgtEl>
-                                          <p:spTgt spid="282">
+                                          <p:spTgt spid="308">
                                             <p:txEl>
                                               <p:pRg st="6" end="6"/>
                                             </p:txEl>
@@ -11528,7 +14507,7 @@
                                       <p:cBhvr>
                                         <p:cTn id="36" fill="hold"/>
                                         <p:tgtEl>
-                                          <p:spTgt spid="282">
+                                          <p:spTgt spid="308">
                                             <p:txEl>
                                               <p:pRg st="7" end="7"/>
                                             </p:txEl>
@@ -11576,7 +14555,7 @@
                                       <p:cBhvr>
                                         <p:cTn id="40" fill="hold"/>
                                         <p:tgtEl>
-                                          <p:spTgt spid="282">
+                                          <p:spTgt spid="308">
                                             <p:txEl>
                                               <p:pRg st="8" end="8"/>
                                             </p:txEl>
@@ -11624,1339 +14603,7 @@
                                       <p:cBhvr>
                                         <p:cTn id="44" fill="hold"/>
                                         <p:tgtEl>
-                                          <p:spTgt spid="282">
-                                            <p:txEl>
-                                              <p:pRg st="9" end="9"/>
-                                            </p:txEl>
-                                          </p:spTgt>
-                                        </p:tgtEl>
-                                        <p:attrNameLst>
-                                          <p:attrName>style.visibility</p:attrName>
-                                        </p:attrNameLst>
-                                      </p:cBhvr>
-                                      <p:to>
-                                        <p:strVal val="visible"/>
-                                      </p:to>
-                                    </p:set>
-                                  </p:childTnLst>
-                                </p:cTn>
-                              </p:par>
-                            </p:childTnLst>
-                          </p:cTn>
-                        </p:par>
-                      </p:childTnLst>
-                    </p:cTn>
-                  </p:par>
-                  <p:par>
-                    <p:cTn id="45" fill="hold">
-                      <p:stCondLst>
-                        <p:cond delay="indefinite"/>
-                      </p:stCondLst>
-                      <p:childTnLst>
-                        <p:par>
-                          <p:cTn id="46" fill="hold">
-                            <p:stCondLst>
-                              <p:cond delay="0"/>
-                            </p:stCondLst>
-                            <p:childTnLst>
-                              <p:par>
-                                <p:cTn id="47" presetClass="entr" nodeType="clickEffect" presetSubtype="0" presetID="1" grpId="1" fill="hold">
-                                  <p:stCondLst>
-                                    <p:cond delay="0"/>
-                                  </p:stCondLst>
-                                  <p:iterate type="el" backwards="0">
-                                    <p:tmAbs val="0"/>
-                                  </p:iterate>
-                                  <p:childTnLst>
-                                    <p:set>
-                                      <p:cBhvr>
-                                        <p:cTn id="48" fill="hold"/>
-                                        <p:tgtEl>
-                                          <p:spTgt spid="282">
-                                            <p:txEl>
-                                              <p:pRg st="10" end="10"/>
-                                            </p:txEl>
-                                          </p:spTgt>
-                                        </p:tgtEl>
-                                        <p:attrNameLst>
-                                          <p:attrName>style.visibility</p:attrName>
-                                        </p:attrNameLst>
-                                      </p:cBhvr>
-                                      <p:to>
-                                        <p:strVal val="visible"/>
-                                      </p:to>
-                                    </p:set>
-                                  </p:childTnLst>
-                                </p:cTn>
-                              </p:par>
-                            </p:childTnLst>
-                          </p:cTn>
-                        </p:par>
-                      </p:childTnLst>
-                    </p:cTn>
-                  </p:par>
-                  <p:par>
-                    <p:cTn id="49" fill="hold">
-                      <p:stCondLst>
-                        <p:cond delay="indefinite"/>
-                      </p:stCondLst>
-                      <p:childTnLst>
-                        <p:par>
-                          <p:cTn id="50" fill="hold">
-                            <p:stCondLst>
-                              <p:cond delay="0"/>
-                            </p:stCondLst>
-                            <p:childTnLst>
-                              <p:par>
-                                <p:cTn id="51" presetClass="entr" nodeType="clickEffect" presetSubtype="0" presetID="1" grpId="1" fill="hold">
-                                  <p:stCondLst>
-                                    <p:cond delay="0"/>
-                                  </p:stCondLst>
-                                  <p:iterate type="el" backwards="0">
-                                    <p:tmAbs val="0"/>
-                                  </p:iterate>
-                                  <p:childTnLst>
-                                    <p:set>
-                                      <p:cBhvr>
-                                        <p:cTn id="52" fill="hold"/>
-                                        <p:tgtEl>
-                                          <p:spTgt spid="282">
-                                            <p:txEl>
-                                              <p:pRg st="11" end="11"/>
-                                            </p:txEl>
-                                          </p:spTgt>
-                                        </p:tgtEl>
-                                        <p:attrNameLst>
-                                          <p:attrName>style.visibility</p:attrName>
-                                        </p:attrNameLst>
-                                      </p:cBhvr>
-                                      <p:to>
-                                        <p:strVal val="visible"/>
-                                      </p:to>
-                                    </p:set>
-                                  </p:childTnLst>
-                                </p:cTn>
-                              </p:par>
-                            </p:childTnLst>
-                          </p:cTn>
-                        </p:par>
-                      </p:childTnLst>
-                    </p:cTn>
-                  </p:par>
-                  <p:par>
-                    <p:cTn id="53" fill="hold">
-                      <p:stCondLst>
-                        <p:cond delay="indefinite"/>
-                      </p:stCondLst>
-                      <p:childTnLst>
-                        <p:par>
-                          <p:cTn id="54" fill="hold">
-                            <p:stCondLst>
-                              <p:cond delay="0"/>
-                            </p:stCondLst>
-                            <p:childTnLst>
-                              <p:par>
-                                <p:cTn id="55" presetClass="entr" nodeType="clickEffect" presetSubtype="0" presetID="1" grpId="1" fill="hold">
-                                  <p:stCondLst>
-                                    <p:cond delay="0"/>
-                                  </p:stCondLst>
-                                  <p:iterate type="el" backwards="0">
-                                    <p:tmAbs val="0"/>
-                                  </p:iterate>
-                                  <p:childTnLst>
-                                    <p:set>
-                                      <p:cBhvr>
-                                        <p:cTn id="56" fill="hold"/>
-                                        <p:tgtEl>
-                                          <p:spTgt spid="282">
-                                            <p:txEl>
-                                              <p:pRg st="12" end="12"/>
-                                            </p:txEl>
-                                          </p:spTgt>
-                                        </p:tgtEl>
-                                        <p:attrNameLst>
-                                          <p:attrName>style.visibility</p:attrName>
-                                        </p:attrNameLst>
-                                      </p:cBhvr>
-                                      <p:to>
-                                        <p:strVal val="visible"/>
-                                      </p:to>
-                                    </p:set>
-                                  </p:childTnLst>
-                                </p:cTn>
-                              </p:par>
-                            </p:childTnLst>
-                          </p:cTn>
-                        </p:par>
-                      </p:childTnLst>
-                    </p:cTn>
-                  </p:par>
-                  <p:par>
-                    <p:cTn id="57" fill="hold">
-                      <p:stCondLst>
-                        <p:cond delay="indefinite"/>
-                      </p:stCondLst>
-                      <p:childTnLst>
-                        <p:par>
-                          <p:cTn id="58" fill="hold">
-                            <p:stCondLst>
-                              <p:cond delay="0"/>
-                            </p:stCondLst>
-                            <p:childTnLst>
-                              <p:par>
-                                <p:cTn id="59" presetClass="entr" nodeType="clickEffect" presetSubtype="0" presetID="1" grpId="1" fill="hold">
-                                  <p:stCondLst>
-                                    <p:cond delay="0"/>
-                                  </p:stCondLst>
-                                  <p:iterate type="el" backwards="0">
-                                    <p:tmAbs val="0"/>
-                                  </p:iterate>
-                                  <p:childTnLst>
-                                    <p:set>
-                                      <p:cBhvr>
-                                        <p:cTn id="60" fill="hold"/>
-                                        <p:tgtEl>
-                                          <p:spTgt spid="282">
-                                            <p:txEl>
-                                              <p:pRg st="13" end="13"/>
-                                            </p:txEl>
-                                          </p:spTgt>
-                                        </p:tgtEl>
-                                        <p:attrNameLst>
-                                          <p:attrName>style.visibility</p:attrName>
-                                        </p:attrNameLst>
-                                      </p:cBhvr>
-                                      <p:to>
-                                        <p:strVal val="visible"/>
-                                      </p:to>
-                                    </p:set>
-                                  </p:childTnLst>
-                                </p:cTn>
-                              </p:par>
-                            </p:childTnLst>
-                          </p:cTn>
-                        </p:par>
-                      </p:childTnLst>
-                    </p:cTn>
-                  </p:par>
-                  <p:par>
-                    <p:cTn id="61" fill="hold">
-                      <p:stCondLst>
-                        <p:cond delay="indefinite"/>
-                      </p:stCondLst>
-                      <p:childTnLst>
-                        <p:par>
-                          <p:cTn id="62" fill="hold">
-                            <p:stCondLst>
-                              <p:cond delay="0"/>
-                            </p:stCondLst>
-                            <p:childTnLst>
-                              <p:par>
-                                <p:cTn id="63" presetClass="entr" nodeType="clickEffect" presetSubtype="0" presetID="1" grpId="1" fill="hold">
-                                  <p:stCondLst>
-                                    <p:cond delay="0"/>
-                                  </p:stCondLst>
-                                  <p:iterate type="el" backwards="0">
-                                    <p:tmAbs val="0"/>
-                                  </p:iterate>
-                                  <p:childTnLst>
-                                    <p:set>
-                                      <p:cBhvr>
-                                        <p:cTn id="64" fill="hold"/>
-                                        <p:tgtEl>
-                                          <p:spTgt spid="282">
-                                            <p:txEl>
-                                              <p:pRg st="14" end="14"/>
-                                            </p:txEl>
-                                          </p:spTgt>
-                                        </p:tgtEl>
-                                        <p:attrNameLst>
-                                          <p:attrName>style.visibility</p:attrName>
-                                        </p:attrNameLst>
-                                      </p:cBhvr>
-                                      <p:to>
-                                        <p:strVal val="visible"/>
-                                      </p:to>
-                                    </p:set>
-                                  </p:childTnLst>
-                                </p:cTn>
-                              </p:par>
-                            </p:childTnLst>
-                          </p:cTn>
-                        </p:par>
-                      </p:childTnLst>
-                    </p:cTn>
-                  </p:par>
-                </p:childTnLst>
-              </p:cTn>
-              <p:prevCondLst>
-                <p:cond evt="onPrev">
-                  <p:tgtEl>
-                    <p:sldTgt/>
-                  </p:tgtEl>
-                </p:cond>
-              </p:prevCondLst>
-              <p:nextCondLst>
-                <p:cond evt="onNext">
-                  <p:tgtEl>
-                    <p:sldTgt/>
-                  </p:tgtEl>
-                </p:cond>
-              </p:nextCondLst>
-            </p:seq>
-          </p:childTnLst>
-        </p:cTn>
-      </p:par>
-    </p:tnLst>
-    <p:bldLst>
-      <p:bldP build="p" bldLvl="5" animBg="1" rev="0" advAuto="0" spid="282" grpId="1"/>
-    </p:bldLst>
-  </p:timing>
-</p:sld>
-</file>
-
-<file path=ppt/slides/slide14.xml><?xml version="1.0" encoding="utf-8"?>
-<p:sld xmlns:a="http://schemas.openxmlformats.org/drawingml/2006/main" xmlns:r="http://schemas.openxmlformats.org/officeDocument/2006/relationships" xmlns:p="http://schemas.openxmlformats.org/presentationml/2006/main" xmlns:m="http://schemas.openxmlformats.org/officeDocument/2006/math" xmlns:a14="http://schemas.microsoft.com/office/drawing/2010/main" showMasterSp="1" showMasterPhAnim="1">
-  <p:cSld>
-    <p:spTree>
-      <p:nvGrpSpPr>
-        <p:cNvPr id="1" name=""/>
-        <p:cNvGrpSpPr/>
-        <p:nvPr/>
-      </p:nvGrpSpPr>
-      <p:grpSpPr>
-        <a:xfrm>
-          <a:off x="0" y="0"/>
-          <a:ext cx="0" cy="0"/>
-          <a:chOff x="0" y="0"/>
-          <a:chExt cx="0" cy="0"/>
-        </a:xfrm>
-      </p:grpSpPr>
-      <p:sp>
-        <p:nvSpPr>
-          <p:cNvPr id="287" name="Complexity Analysis"/>
-          <p:cNvSpPr txBox="1"/>
-          <p:nvPr>
-            <p:ph type="title"/>
-          </p:nvPr>
-        </p:nvSpPr>
-        <p:spPr>
-          <a:prstGeom prst="rect">
-            <a:avLst/>
-          </a:prstGeom>
-        </p:spPr>
-        <p:txBody>
-          <a:bodyPr/>
-          <a:lstStyle/>
-          <a:p>
-            <a:pPr/>
-            <a:r>
-              <a:t>Complexity Analysis</a:t>
-            </a:r>
-          </a:p>
-        </p:txBody>
-      </p:sp>
-      <p:sp>
-        <p:nvSpPr>
-          <p:cNvPr id="288" name="Consider the tree height…"/>
-          <p:cNvSpPr txBox="1"/>
-          <p:nvPr>
-            <p:ph type="body" idx="1"/>
-          </p:nvPr>
-        </p:nvSpPr>
-        <p:spPr>
-          <a:prstGeom prst="rect">
-            <a:avLst/>
-          </a:prstGeom>
-        </p:spPr>
-        <p:txBody>
-          <a:bodyPr/>
-          <a:lstStyle/>
-          <a:p>
-            <a:pPr/>
-            <a:r>
-              <a:t>Consider the tree height</a:t>
-            </a:r>
-          </a:p>
-          <a:p>
-            <a:pPr lvl="1"/>
-            <a:r>
-              <a:t>height of a node: length of the path from it to leaf</a:t>
-            </a:r>
-          </a:p>
-          <a:p>
-            <a:pPr lvl="1"/>
-            <a:r>
-              <a:rPr>
-                <a:latin typeface="Courier New"/>
-                <a:ea typeface="Courier New"/>
-                <a:cs typeface="Courier New"/>
-                <a:sym typeface="Courier New"/>
-              </a:rPr>
-              <a:t>n</a:t>
-            </a:r>
-            <a:r>
-              <a:t>-element heap has height </a:t>
-            </a:r>
-            <a:r>
-              <a:rPr>
-                <a:latin typeface="Courier New"/>
-                <a:ea typeface="Courier New"/>
-                <a:cs typeface="Courier New"/>
-                <a:sym typeface="Courier New"/>
-              </a:rPr>
-              <a:t>⌊lg</a:t>
-            </a:r>
-            <a:r>
-              <a:rPr baseline="-5999">
-                <a:latin typeface="Courier New"/>
-                <a:ea typeface="Courier New"/>
-                <a:cs typeface="Courier New"/>
-                <a:sym typeface="Courier New"/>
-              </a:rPr>
-              <a:t>2</a:t>
-            </a:r>
-            <a:r>
-              <a:rPr>
-                <a:latin typeface="Courier New"/>
-                <a:ea typeface="Courier New"/>
-                <a:cs typeface="Courier New"/>
-                <a:sym typeface="Courier New"/>
-              </a:rPr>
-              <a:t> n⌋</a:t>
-            </a:r>
-            <a:endParaRPr>
-              <a:latin typeface="Courier New"/>
-              <a:ea typeface="Courier New"/>
-              <a:cs typeface="Courier New"/>
-              <a:sym typeface="Courier New"/>
-            </a:endParaRPr>
-          </a:p>
-          <a:p>
-            <a:pPr lvl="1">
-              <a:defRPr>
-                <a:latin typeface="Gill Sans MT"/>
-                <a:ea typeface="Gill Sans MT"/>
-                <a:cs typeface="Gill Sans MT"/>
-                <a:sym typeface="Gill Sans MT"/>
-              </a:defRPr>
-            </a:pPr>
-            <a:r>
-              <a:t>Number of nodes at height </a:t>
-            </a:r>
-            <a:r>
-              <a:rPr>
-                <a:latin typeface="Courier New"/>
-                <a:ea typeface="Courier New"/>
-                <a:cs typeface="Courier New"/>
-                <a:sym typeface="Courier New"/>
-              </a:rPr>
-              <a:t>h</a:t>
-            </a:r>
-            <a:r>
-              <a:t> is </a:t>
-            </a:r>
-            <a:r>
-              <a:rPr>
-                <a:latin typeface="Courier New"/>
-                <a:ea typeface="Courier New"/>
-                <a:cs typeface="Courier New"/>
-                <a:sym typeface="Courier New"/>
-              </a:rPr>
-              <a:t>⌈n/2</a:t>
-            </a:r>
-            <a:r>
-              <a:rPr baseline="31999">
-                <a:latin typeface="Courier New"/>
-                <a:ea typeface="Courier New"/>
-                <a:cs typeface="Courier New"/>
-                <a:sym typeface="Courier New"/>
-              </a:rPr>
-              <a:t>h+1</a:t>
-            </a:r>
-            <a:r>
-              <a:rPr>
-                <a:latin typeface="Courier New"/>
-                <a:ea typeface="Courier New"/>
-                <a:cs typeface="Courier New"/>
-                <a:sym typeface="Courier New"/>
-              </a:rPr>
-              <a:t>⌉</a:t>
-            </a:r>
-            <a:endParaRPr>
-              <a:latin typeface="Courier New"/>
-              <a:ea typeface="Courier New"/>
-              <a:cs typeface="Courier New"/>
-              <a:sym typeface="Courier New"/>
-            </a:endParaRPr>
-          </a:p>
-          <a:p>
-            <a:pPr lvl="2" marL="1097416" indent="-244928">
-              <a:spcBef>
-                <a:spcPts val="600"/>
-              </a:spcBef>
-              <a:defRPr sz="3000">
-                <a:latin typeface="Gill Sans MT"/>
-                <a:ea typeface="Gill Sans MT"/>
-                <a:cs typeface="Gill Sans MT"/>
-                <a:sym typeface="Gill Sans MT"/>
-              </a:defRPr>
-            </a:pPr>
-            <a:r>
-              <a:t>e.g. </a:t>
-            </a:r>
-            <a:r>
-              <a:rPr>
-                <a:latin typeface="Courier New"/>
-                <a:ea typeface="Courier New"/>
-                <a:cs typeface="Courier New"/>
-                <a:sym typeface="Courier New"/>
-              </a:rPr>
-              <a:t>n=15, h=3, </a:t>
-            </a:r>
-            <a:endParaRPr>
-              <a:latin typeface="Courier New"/>
-              <a:ea typeface="Courier New"/>
-              <a:cs typeface="Courier New"/>
-              <a:sym typeface="Courier New"/>
-            </a:endParaRPr>
-          </a:p>
-          <a:p>
-            <a:pPr lvl="2" marL="1097416" indent="-244928">
-              <a:spcBef>
-                <a:spcPts val="600"/>
-              </a:spcBef>
-              <a:defRPr sz="3000">
-                <a:latin typeface="Gill Sans MT"/>
-                <a:ea typeface="Gill Sans MT"/>
-                <a:cs typeface="Gill Sans MT"/>
-                <a:sym typeface="Gill Sans MT"/>
-              </a:defRPr>
-            </a:pPr>
-            <a:r>
-              <a:t>nodes at </a:t>
-            </a:r>
-            <a:r>
-              <a:rPr>
-                <a:latin typeface="Courier New"/>
-                <a:ea typeface="Courier New"/>
-                <a:cs typeface="Courier New"/>
-                <a:sym typeface="Courier New"/>
-              </a:rPr>
-              <a:t>h=0</a:t>
-            </a:r>
-            <a:r>
-              <a:t> is </a:t>
-            </a:r>
-            <a:r>
-              <a:rPr>
-                <a:latin typeface="Courier New"/>
-                <a:ea typeface="Courier New"/>
-                <a:cs typeface="Courier New"/>
-                <a:sym typeface="Courier New"/>
-              </a:rPr>
-              <a:t>8</a:t>
-            </a:r>
-            <a:r>
-              <a:t>, at </a:t>
-            </a:r>
-            <a:r>
-              <a:rPr>
-                <a:latin typeface="Courier New"/>
-                <a:ea typeface="Courier New"/>
-                <a:cs typeface="Courier New"/>
-                <a:sym typeface="Courier New"/>
-              </a:rPr>
-              <a:t>h=1</a:t>
-            </a:r>
-            <a:r>
-              <a:t> is </a:t>
-            </a:r>
-            <a:r>
-              <a:rPr>
-                <a:latin typeface="Courier New"/>
-                <a:ea typeface="Courier New"/>
-                <a:cs typeface="Courier New"/>
-                <a:sym typeface="Courier New"/>
-              </a:rPr>
-              <a:t>4</a:t>
-            </a:r>
-            <a:r>
-              <a:t>, at </a:t>
-            </a:r>
-            <a:r>
-              <a:rPr>
-                <a:latin typeface="Courier New"/>
-                <a:ea typeface="Courier New"/>
-                <a:cs typeface="Courier New"/>
-                <a:sym typeface="Courier New"/>
-              </a:rPr>
-              <a:t>h=2</a:t>
-            </a:r>
-            <a:r>
-              <a:t> is </a:t>
-            </a:r>
-            <a:r>
-              <a:rPr>
-                <a:latin typeface="Courier New"/>
-                <a:ea typeface="Courier New"/>
-                <a:cs typeface="Courier New"/>
-                <a:sym typeface="Courier New"/>
-              </a:rPr>
-              <a:t>2</a:t>
-            </a:r>
-            <a:endParaRPr>
-              <a:latin typeface="Courier New"/>
-              <a:ea typeface="Courier New"/>
-              <a:cs typeface="Courier New"/>
-              <a:sym typeface="Courier New"/>
-            </a:endParaRPr>
-          </a:p>
-          <a:p>
-            <a:pPr>
-              <a:defRPr>
-                <a:latin typeface="Gill Sans MT"/>
-                <a:ea typeface="Gill Sans MT"/>
-                <a:cs typeface="Gill Sans MT"/>
-                <a:sym typeface="Gill Sans MT"/>
-              </a:defRPr>
-            </a:pPr>
-            <a:r>
-              <a:t>Generalized analysis</a:t>
-            </a:r>
-          </a:p>
-          <a:p>
-            <a:pPr lvl="1" marL="700087" indent="-304800">
-              <a:spcBef>
-                <a:spcPts val="700"/>
-              </a:spcBef>
-              <a:defRPr>
-                <a:latin typeface="Gill Sans MT"/>
-                <a:ea typeface="Gill Sans MT"/>
-                <a:cs typeface="Gill Sans MT"/>
-                <a:sym typeface="Gill Sans MT"/>
-              </a:defRPr>
-            </a:pPr>
-            <a:r>
-              <a:t>Moving </a:t>
-            </a:r>
-            <a:r>
-              <a:rPr>
-                <a:latin typeface="Courier New"/>
-                <a:ea typeface="Courier New"/>
-                <a:cs typeface="Courier New"/>
-                <a:sym typeface="Courier New"/>
-              </a:rPr>
-              <a:t>⌊n/2⌋</a:t>
-            </a:r>
-            <a:r>
-              <a:t> nodes i.e. considering parent nodes</a:t>
-            </a:r>
-            <a:endParaRPr>
-              <a:latin typeface="Courier New"/>
-              <a:ea typeface="Courier New"/>
-              <a:cs typeface="Courier New"/>
-              <a:sym typeface="Courier New"/>
-            </a:endParaRPr>
-          </a:p>
-          <a:p>
-            <a:pPr lvl="1" marL="700087" indent="-304800">
-              <a:spcBef>
-                <a:spcPts val="700"/>
-              </a:spcBef>
-              <a:defRPr>
-                <a:latin typeface="Gill Sans MT"/>
-                <a:ea typeface="Gill Sans MT"/>
-                <a:cs typeface="Gill Sans MT"/>
-                <a:sym typeface="Gill Sans MT"/>
-              </a:defRPr>
-            </a:pPr>
-            <a:r>
-              <a:t>Each node may move </a:t>
-            </a:r>
-            <a:r>
-              <a:rPr>
-                <a:latin typeface="Courier New"/>
-                <a:ea typeface="Courier New"/>
-                <a:cs typeface="Courier New"/>
-                <a:sym typeface="Courier New"/>
-              </a:rPr>
-              <a:t>h= ⌊lg</a:t>
-            </a:r>
-            <a:r>
-              <a:rPr baseline="-5999">
-                <a:latin typeface="Courier New"/>
-                <a:ea typeface="Courier New"/>
-                <a:cs typeface="Courier New"/>
-                <a:sym typeface="Courier New"/>
-              </a:rPr>
-              <a:t>2</a:t>
-            </a:r>
-            <a:r>
-              <a:rPr>
-                <a:latin typeface="Courier New"/>
-                <a:ea typeface="Courier New"/>
-                <a:cs typeface="Courier New"/>
-                <a:sym typeface="Courier New"/>
-              </a:rPr>
-              <a:t> n⌋</a:t>
-            </a:r>
-            <a:r>
-              <a:t> times.</a:t>
-            </a:r>
-          </a:p>
-          <a:p>
-            <a:pPr lvl="1" marL="700087" indent="-304800">
-              <a:spcBef>
-                <a:spcPts val="700"/>
-              </a:spcBef>
-              <a:defRPr>
-                <a:latin typeface="Gill Sans MT"/>
-                <a:ea typeface="Gill Sans MT"/>
-                <a:cs typeface="Gill Sans MT"/>
-                <a:sym typeface="Gill Sans MT"/>
-              </a:defRPr>
-            </a:pPr>
-            <a:r>
-              <a:t>Thus complexity for heapifying array is </a:t>
-            </a:r>
-            <a:r>
-              <a:rPr>
-                <a:latin typeface="Courier New"/>
-                <a:ea typeface="Courier New"/>
-                <a:cs typeface="Courier New"/>
-                <a:sym typeface="Courier New"/>
-              </a:rPr>
-              <a:t>Θ(nlg</a:t>
-            </a:r>
-            <a:r>
-              <a:rPr baseline="-5999">
-                <a:latin typeface="Courier New"/>
-                <a:ea typeface="Courier New"/>
-                <a:cs typeface="Courier New"/>
-                <a:sym typeface="Courier New"/>
-              </a:rPr>
-              <a:t>2 </a:t>
-            </a:r>
-            <a:r>
-              <a:rPr>
-                <a:latin typeface="Courier New"/>
-                <a:ea typeface="Courier New"/>
-                <a:cs typeface="Courier New"/>
-                <a:sym typeface="Courier New"/>
-              </a:rPr>
-              <a:t>n)</a:t>
-            </a:r>
-          </a:p>
-        </p:txBody>
-      </p:sp>
-      <p:sp>
-        <p:nvSpPr>
-          <p:cNvPr id="289" name="Slide Number"/>
-          <p:cNvSpPr txBox="1"/>
-          <p:nvPr>
-            <p:ph type="sldNum" sz="quarter" idx="2"/>
-          </p:nvPr>
-        </p:nvSpPr>
-        <p:spPr>
-          <a:prstGeom prst="rect">
-            <a:avLst/>
-          </a:prstGeom>
-          <a:extLst>
-            <a:ext uri="{C572A759-6A51-4108-AA02-DFA0A04FC94B}">
-              <ma14:wrappingTextBoxFlag xmlns:ma14="http://schemas.microsoft.com/office/mac/drawingml/2011/main" val="1"/>
-            </a:ext>
-          </a:extLst>
-        </p:spPr>
-        <p:txBody>
-          <a:bodyPr/>
-          <a:lstStyle/>
-          <a:p>
-            <a:pPr/>
-            <a:fld id="{86CB4B4D-7CA3-9044-876B-883B54F8677D}" type="slidenum"/>
-          </a:p>
-        </p:txBody>
-      </p:sp>
-      <p:sp>
-        <p:nvSpPr>
-          <p:cNvPr id="290" name="DAA/Greedy Algorithms"/>
-          <p:cNvSpPr txBox="1"/>
-          <p:nvPr/>
-        </p:nvSpPr>
-        <p:spPr>
-          <a:xfrm>
-            <a:off x="423212" y="6963885"/>
-            <a:ext cx="3244911" cy="431552"/>
-          </a:xfrm>
-          <a:prstGeom prst="rect">
-            <a:avLst/>
-          </a:prstGeom>
-          <a:ln w="12700">
-            <a:miter lim="400000"/>
-          </a:ln>
-          <a:extLst>
-            <a:ext uri="{C572A759-6A51-4108-AA02-DFA0A04FC94B}">
-              <ma14:wrappingTextBoxFlag xmlns:ma14="http://schemas.microsoft.com/office/mac/drawingml/2011/main" val="1"/>
-            </a:ext>
-          </a:extLst>
-        </p:spPr>
-        <p:txBody>
-          <a:bodyPr wrap="none" lIns="50800" tIns="50800" rIns="50800" bIns="50800" anchor="ctr">
-            <a:spAutoFit/>
-          </a:bodyPr>
-          <a:lstStyle>
-            <a:lvl1pPr>
-              <a:defRPr sz="2400"/>
-            </a:lvl1pPr>
-          </a:lstStyle>
-          <a:p>
-            <a:pPr/>
-            <a:r>
-              <a:t>DAA/Greedy Algorithms</a:t>
-            </a:r>
-          </a:p>
-        </p:txBody>
-      </p:sp>
-      <p:sp>
-        <p:nvSpPr>
-          <p:cNvPr id="291" name="RPR/"/>
-          <p:cNvSpPr txBox="1"/>
-          <p:nvPr/>
-        </p:nvSpPr>
-        <p:spPr>
-          <a:xfrm>
-            <a:off x="7535212" y="6988206"/>
-            <a:ext cx="705605" cy="382910"/>
-          </a:xfrm>
-          <a:prstGeom prst="rect">
-            <a:avLst/>
-          </a:prstGeom>
-          <a:ln w="12700">
-            <a:miter lim="400000"/>
-          </a:ln>
-          <a:extLst>
-            <a:ext uri="{C572A759-6A51-4108-AA02-DFA0A04FC94B}">
-              <ma14:wrappingTextBoxFlag xmlns:ma14="http://schemas.microsoft.com/office/mac/drawingml/2011/main" val="1"/>
-            </a:ext>
-          </a:extLst>
-        </p:spPr>
-        <p:txBody>
-          <a:bodyPr wrap="none" lIns="50800" tIns="50800" rIns="50800" bIns="50800" anchor="ctr">
-            <a:spAutoFit/>
-          </a:bodyPr>
-          <a:lstStyle>
-            <a:lvl1pPr>
-              <a:defRPr sz="2000"/>
-            </a:lvl1pPr>
-          </a:lstStyle>
-          <a:p>
-            <a:pPr/>
-            <a:r>
-              <a:t>RPR/</a:t>
-            </a:r>
-          </a:p>
-        </p:txBody>
-      </p:sp>
-    </p:spTree>
-  </p:cSld>
-  <p:clrMapOvr>
-    <a:masterClrMapping/>
-  </p:clrMapOvr>
-  <p:transition xmlns:p14="http://schemas.microsoft.com/office/powerpoint/2010/main" spd="med" advClick="1"/>
-  <p:timing>
-    <p:tnLst>
-      <p:par>
-        <p:cTn id="1" nodeType="tmRoot" restart="never" dur="indefinite" fill="hold">
-          <p:childTnLst>
-            <p:seq concurrent="1" prevAc="none" nextAc="seek">
-              <p:cTn id="2" nodeType="mainSeq" dur="indefinite" fill="hold">
-                <p:childTnLst>
-                  <p:par>
-                    <p:cTn id="3" fill="hold">
-                      <p:stCondLst>
-                        <p:cond delay="indefinite"/>
-                      </p:stCondLst>
-                      <p:childTnLst>
-                        <p:par>
-                          <p:cTn id="4" fill="hold">
-                            <p:stCondLst>
-                              <p:cond delay="0"/>
-                            </p:stCondLst>
-                            <p:childTnLst>
-                              <p:par>
-                                <p:cTn id="5" presetClass="entr" nodeType="clickEffect" presetSubtype="0" presetID="1" grpId="1" fill="hold">
-                                  <p:stCondLst>
-                                    <p:cond delay="0"/>
-                                  </p:stCondLst>
-                                  <p:iterate type="el" backwards="0">
-                                    <p:tmAbs val="0"/>
-                                  </p:iterate>
-                                  <p:childTnLst>
-                                    <p:set>
-                                      <p:cBhvr>
-                                        <p:cTn id="6" fill="hold"/>
-                                        <p:tgtEl>
-                                          <p:spTgt spid="288">
-                                            <p:bg/>
-                                          </p:spTgt>
-                                        </p:tgtEl>
-                                        <p:attrNameLst>
-                                          <p:attrName>style.visibility</p:attrName>
-                                        </p:attrNameLst>
-                                      </p:cBhvr>
-                                      <p:to>
-                                        <p:strVal val="visible"/>
-                                      </p:to>
-                                    </p:set>
-                                  </p:childTnLst>
-                                </p:cTn>
-                              </p:par>
-                              <p:par>
-                                <p:cTn id="7" presetClass="entr" nodeType="withEffect" presetSubtype="0" presetID="1" grpId="1" fill="hold">
-                                  <p:stCondLst>
-                                    <p:cond delay="0"/>
-                                  </p:stCondLst>
-                                  <p:iterate type="el" backwards="0">
-                                    <p:tmAbs val="0"/>
-                                  </p:iterate>
-                                  <p:childTnLst>
-                                    <p:set>
-                                      <p:cBhvr>
-                                        <p:cTn id="8" fill="hold"/>
-                                        <p:tgtEl>
-                                          <p:spTgt spid="288">
-                                            <p:txEl>
-                                              <p:pRg st="0" end="0"/>
-                                            </p:txEl>
-                                          </p:spTgt>
-                                        </p:tgtEl>
-                                        <p:attrNameLst>
-                                          <p:attrName>style.visibility</p:attrName>
-                                        </p:attrNameLst>
-                                      </p:cBhvr>
-                                      <p:to>
-                                        <p:strVal val="visible"/>
-                                      </p:to>
-                                    </p:set>
-                                  </p:childTnLst>
-                                </p:cTn>
-                              </p:par>
-                            </p:childTnLst>
-                          </p:cTn>
-                        </p:par>
-                      </p:childTnLst>
-                    </p:cTn>
-                  </p:par>
-                  <p:par>
-                    <p:cTn id="9" fill="hold">
-                      <p:stCondLst>
-                        <p:cond delay="indefinite"/>
-                      </p:stCondLst>
-                      <p:childTnLst>
-                        <p:par>
-                          <p:cTn id="10" fill="hold">
-                            <p:stCondLst>
-                              <p:cond delay="0"/>
-                            </p:stCondLst>
-                            <p:childTnLst>
-                              <p:par>
-                                <p:cTn id="11" presetClass="entr" nodeType="clickEffect" presetSubtype="0" presetID="1" grpId="1" fill="hold">
-                                  <p:stCondLst>
-                                    <p:cond delay="0"/>
-                                  </p:stCondLst>
-                                  <p:iterate type="el" backwards="0">
-                                    <p:tmAbs val="0"/>
-                                  </p:iterate>
-                                  <p:childTnLst>
-                                    <p:set>
-                                      <p:cBhvr>
-                                        <p:cTn id="12" fill="hold"/>
-                                        <p:tgtEl>
-                                          <p:spTgt spid="288">
-                                            <p:txEl>
-                                              <p:pRg st="1" end="1"/>
-                                            </p:txEl>
-                                          </p:spTgt>
-                                        </p:tgtEl>
-                                        <p:attrNameLst>
-                                          <p:attrName>style.visibility</p:attrName>
-                                        </p:attrNameLst>
-                                      </p:cBhvr>
-                                      <p:to>
-                                        <p:strVal val="visible"/>
-                                      </p:to>
-                                    </p:set>
-                                  </p:childTnLst>
-                                </p:cTn>
-                              </p:par>
-                            </p:childTnLst>
-                          </p:cTn>
-                        </p:par>
-                      </p:childTnLst>
-                    </p:cTn>
-                  </p:par>
-                  <p:par>
-                    <p:cTn id="13" fill="hold">
-                      <p:stCondLst>
-                        <p:cond delay="indefinite"/>
-                      </p:stCondLst>
-                      <p:childTnLst>
-                        <p:par>
-                          <p:cTn id="14" fill="hold">
-                            <p:stCondLst>
-                              <p:cond delay="0"/>
-                            </p:stCondLst>
-                            <p:childTnLst>
-                              <p:par>
-                                <p:cTn id="15" presetClass="entr" nodeType="clickEffect" presetSubtype="0" presetID="1" grpId="1" fill="hold">
-                                  <p:stCondLst>
-                                    <p:cond delay="0"/>
-                                  </p:stCondLst>
-                                  <p:iterate type="el" backwards="0">
-                                    <p:tmAbs val="0"/>
-                                  </p:iterate>
-                                  <p:childTnLst>
-                                    <p:set>
-                                      <p:cBhvr>
-                                        <p:cTn id="16" fill="hold"/>
-                                        <p:tgtEl>
-                                          <p:spTgt spid="288">
-                                            <p:txEl>
-                                              <p:pRg st="2" end="2"/>
-                                            </p:txEl>
-                                          </p:spTgt>
-                                        </p:tgtEl>
-                                        <p:attrNameLst>
-                                          <p:attrName>style.visibility</p:attrName>
-                                        </p:attrNameLst>
-                                      </p:cBhvr>
-                                      <p:to>
-                                        <p:strVal val="visible"/>
-                                      </p:to>
-                                    </p:set>
-                                  </p:childTnLst>
-                                </p:cTn>
-                              </p:par>
-                            </p:childTnLst>
-                          </p:cTn>
-                        </p:par>
-                      </p:childTnLst>
-                    </p:cTn>
-                  </p:par>
-                  <p:par>
-                    <p:cTn id="17" fill="hold">
-                      <p:stCondLst>
-                        <p:cond delay="indefinite"/>
-                      </p:stCondLst>
-                      <p:childTnLst>
-                        <p:par>
-                          <p:cTn id="18" fill="hold">
-                            <p:stCondLst>
-                              <p:cond delay="0"/>
-                            </p:stCondLst>
-                            <p:childTnLst>
-                              <p:par>
-                                <p:cTn id="19" presetClass="entr" nodeType="clickEffect" presetSubtype="0" presetID="1" grpId="1" fill="hold">
-                                  <p:stCondLst>
-                                    <p:cond delay="0"/>
-                                  </p:stCondLst>
-                                  <p:iterate type="el" backwards="0">
-                                    <p:tmAbs val="0"/>
-                                  </p:iterate>
-                                  <p:childTnLst>
-                                    <p:set>
-                                      <p:cBhvr>
-                                        <p:cTn id="20" fill="hold"/>
-                                        <p:tgtEl>
-                                          <p:spTgt spid="288">
-                                            <p:txEl>
-                                              <p:pRg st="3" end="3"/>
-                                            </p:txEl>
-                                          </p:spTgt>
-                                        </p:tgtEl>
-                                        <p:attrNameLst>
-                                          <p:attrName>style.visibility</p:attrName>
-                                        </p:attrNameLst>
-                                      </p:cBhvr>
-                                      <p:to>
-                                        <p:strVal val="visible"/>
-                                      </p:to>
-                                    </p:set>
-                                  </p:childTnLst>
-                                </p:cTn>
-                              </p:par>
-                            </p:childTnLst>
-                          </p:cTn>
-                        </p:par>
-                      </p:childTnLst>
-                    </p:cTn>
-                  </p:par>
-                  <p:par>
-                    <p:cTn id="21" fill="hold">
-                      <p:stCondLst>
-                        <p:cond delay="indefinite"/>
-                      </p:stCondLst>
-                      <p:childTnLst>
-                        <p:par>
-                          <p:cTn id="22" fill="hold">
-                            <p:stCondLst>
-                              <p:cond delay="0"/>
-                            </p:stCondLst>
-                            <p:childTnLst>
-                              <p:par>
-                                <p:cTn id="23" presetClass="entr" nodeType="clickEffect" presetSubtype="0" presetID="1" grpId="1" fill="hold">
-                                  <p:stCondLst>
-                                    <p:cond delay="0"/>
-                                  </p:stCondLst>
-                                  <p:iterate type="el" backwards="0">
-                                    <p:tmAbs val="0"/>
-                                  </p:iterate>
-                                  <p:childTnLst>
-                                    <p:set>
-                                      <p:cBhvr>
-                                        <p:cTn id="24" fill="hold"/>
-                                        <p:tgtEl>
-                                          <p:spTgt spid="288">
-                                            <p:txEl>
-                                              <p:pRg st="4" end="4"/>
-                                            </p:txEl>
-                                          </p:spTgt>
-                                        </p:tgtEl>
-                                        <p:attrNameLst>
-                                          <p:attrName>style.visibility</p:attrName>
-                                        </p:attrNameLst>
-                                      </p:cBhvr>
-                                      <p:to>
-                                        <p:strVal val="visible"/>
-                                      </p:to>
-                                    </p:set>
-                                  </p:childTnLst>
-                                </p:cTn>
-                              </p:par>
-                            </p:childTnLst>
-                          </p:cTn>
-                        </p:par>
-                      </p:childTnLst>
-                    </p:cTn>
-                  </p:par>
-                  <p:par>
-                    <p:cTn id="25" fill="hold">
-                      <p:stCondLst>
-                        <p:cond delay="indefinite"/>
-                      </p:stCondLst>
-                      <p:childTnLst>
-                        <p:par>
-                          <p:cTn id="26" fill="hold">
-                            <p:stCondLst>
-                              <p:cond delay="0"/>
-                            </p:stCondLst>
-                            <p:childTnLst>
-                              <p:par>
-                                <p:cTn id="27" presetClass="entr" nodeType="clickEffect" presetSubtype="0" presetID="1" grpId="1" fill="hold">
-                                  <p:stCondLst>
-                                    <p:cond delay="0"/>
-                                  </p:stCondLst>
-                                  <p:iterate type="el" backwards="0">
-                                    <p:tmAbs val="0"/>
-                                  </p:iterate>
-                                  <p:childTnLst>
-                                    <p:set>
-                                      <p:cBhvr>
-                                        <p:cTn id="28" fill="hold"/>
-                                        <p:tgtEl>
-                                          <p:spTgt spid="288">
-                                            <p:txEl>
-                                              <p:pRg st="5" end="5"/>
-                                            </p:txEl>
-                                          </p:spTgt>
-                                        </p:tgtEl>
-                                        <p:attrNameLst>
-                                          <p:attrName>style.visibility</p:attrName>
-                                        </p:attrNameLst>
-                                      </p:cBhvr>
-                                      <p:to>
-                                        <p:strVal val="visible"/>
-                                      </p:to>
-                                    </p:set>
-                                  </p:childTnLst>
-                                </p:cTn>
-                              </p:par>
-                            </p:childTnLst>
-                          </p:cTn>
-                        </p:par>
-                      </p:childTnLst>
-                    </p:cTn>
-                  </p:par>
-                  <p:par>
-                    <p:cTn id="29" fill="hold">
-                      <p:stCondLst>
-                        <p:cond delay="indefinite"/>
-                      </p:stCondLst>
-                      <p:childTnLst>
-                        <p:par>
-                          <p:cTn id="30" fill="hold">
-                            <p:stCondLst>
-                              <p:cond delay="0"/>
-                            </p:stCondLst>
-                            <p:childTnLst>
-                              <p:par>
-                                <p:cTn id="31" presetClass="entr" nodeType="clickEffect" presetSubtype="0" presetID="1" grpId="1" fill="hold">
-                                  <p:stCondLst>
-                                    <p:cond delay="0"/>
-                                  </p:stCondLst>
-                                  <p:iterate type="el" backwards="0">
-                                    <p:tmAbs val="0"/>
-                                  </p:iterate>
-                                  <p:childTnLst>
-                                    <p:set>
-                                      <p:cBhvr>
-                                        <p:cTn id="32" fill="hold"/>
-                                        <p:tgtEl>
-                                          <p:spTgt spid="288">
-                                            <p:txEl>
-                                              <p:pRg st="6" end="6"/>
-                                            </p:txEl>
-                                          </p:spTgt>
-                                        </p:tgtEl>
-                                        <p:attrNameLst>
-                                          <p:attrName>style.visibility</p:attrName>
-                                        </p:attrNameLst>
-                                      </p:cBhvr>
-                                      <p:to>
-                                        <p:strVal val="visible"/>
-                                      </p:to>
-                                    </p:set>
-                                  </p:childTnLst>
-                                </p:cTn>
-                              </p:par>
-                            </p:childTnLst>
-                          </p:cTn>
-                        </p:par>
-                      </p:childTnLst>
-                    </p:cTn>
-                  </p:par>
-                  <p:par>
-                    <p:cTn id="33" fill="hold">
-                      <p:stCondLst>
-                        <p:cond delay="indefinite"/>
-                      </p:stCondLst>
-                      <p:childTnLst>
-                        <p:par>
-                          <p:cTn id="34" fill="hold">
-                            <p:stCondLst>
-                              <p:cond delay="0"/>
-                            </p:stCondLst>
-                            <p:childTnLst>
-                              <p:par>
-                                <p:cTn id="35" presetClass="entr" nodeType="clickEffect" presetSubtype="0" presetID="1" grpId="1" fill="hold">
-                                  <p:stCondLst>
-                                    <p:cond delay="0"/>
-                                  </p:stCondLst>
-                                  <p:iterate type="el" backwards="0">
-                                    <p:tmAbs val="0"/>
-                                  </p:iterate>
-                                  <p:childTnLst>
-                                    <p:set>
-                                      <p:cBhvr>
-                                        <p:cTn id="36" fill="hold"/>
-                                        <p:tgtEl>
-                                          <p:spTgt spid="288">
-                                            <p:txEl>
-                                              <p:pRg st="7" end="7"/>
-                                            </p:txEl>
-                                          </p:spTgt>
-                                        </p:tgtEl>
-                                        <p:attrNameLst>
-                                          <p:attrName>style.visibility</p:attrName>
-                                        </p:attrNameLst>
-                                      </p:cBhvr>
-                                      <p:to>
-                                        <p:strVal val="visible"/>
-                                      </p:to>
-                                    </p:set>
-                                  </p:childTnLst>
-                                </p:cTn>
-                              </p:par>
-                            </p:childTnLst>
-                          </p:cTn>
-                        </p:par>
-                      </p:childTnLst>
-                    </p:cTn>
-                  </p:par>
-                  <p:par>
-                    <p:cTn id="37" fill="hold">
-                      <p:stCondLst>
-                        <p:cond delay="indefinite"/>
-                      </p:stCondLst>
-                      <p:childTnLst>
-                        <p:par>
-                          <p:cTn id="38" fill="hold">
-                            <p:stCondLst>
-                              <p:cond delay="0"/>
-                            </p:stCondLst>
-                            <p:childTnLst>
-                              <p:par>
-                                <p:cTn id="39" presetClass="entr" nodeType="clickEffect" presetSubtype="0" presetID="1" grpId="1" fill="hold">
-                                  <p:stCondLst>
-                                    <p:cond delay="0"/>
-                                  </p:stCondLst>
-                                  <p:iterate type="el" backwards="0">
-                                    <p:tmAbs val="0"/>
-                                  </p:iterate>
-                                  <p:childTnLst>
-                                    <p:set>
-                                      <p:cBhvr>
-                                        <p:cTn id="40" fill="hold"/>
-                                        <p:tgtEl>
-                                          <p:spTgt spid="288">
-                                            <p:txEl>
-                                              <p:pRg st="8" end="8"/>
-                                            </p:txEl>
-                                          </p:spTgt>
-                                        </p:tgtEl>
-                                        <p:attrNameLst>
-                                          <p:attrName>style.visibility</p:attrName>
-                                        </p:attrNameLst>
-                                      </p:cBhvr>
-                                      <p:to>
-                                        <p:strVal val="visible"/>
-                                      </p:to>
-                                    </p:set>
-                                  </p:childTnLst>
-                                </p:cTn>
-                              </p:par>
-                            </p:childTnLst>
-                          </p:cTn>
-                        </p:par>
-                      </p:childTnLst>
-                    </p:cTn>
-                  </p:par>
-                  <p:par>
-                    <p:cTn id="41" fill="hold">
-                      <p:stCondLst>
-                        <p:cond delay="indefinite"/>
-                      </p:stCondLst>
-                      <p:childTnLst>
-                        <p:par>
-                          <p:cTn id="42" fill="hold">
-                            <p:stCondLst>
-                              <p:cond delay="0"/>
-                            </p:stCondLst>
-                            <p:childTnLst>
-                              <p:par>
-                                <p:cTn id="43" presetClass="entr" nodeType="clickEffect" presetSubtype="0" presetID="1" grpId="1" fill="hold">
-                                  <p:stCondLst>
-                                    <p:cond delay="0"/>
-                                  </p:stCondLst>
-                                  <p:iterate type="el" backwards="0">
-                                    <p:tmAbs val="0"/>
-                                  </p:iterate>
-                                  <p:childTnLst>
-                                    <p:set>
-                                      <p:cBhvr>
-                                        <p:cTn id="44" fill="hold"/>
-                                        <p:tgtEl>
-                                          <p:spTgt spid="288">
+                                          <p:spTgt spid="308">
                                             <p:txEl>
                                               <p:pRg st="9" end="9"/>
                                             </p:txEl>
@@ -13001,7 +14648,7 @@
       </p:par>
     </p:tnLst>
     <p:bldLst>
-      <p:bldP build="p" bldLvl="5" animBg="1" rev="0" advAuto="0" spid="288" grpId="1"/>
+      <p:bldP build="p" bldLvl="5" animBg="1" rev="0" advAuto="0" spid="308" grpId="1"/>
     </p:bldLst>
   </p:timing>
 </p:sld>
@@ -13026,7 +14673,7 @@
       </p:grpSpPr>
       <p:sp>
         <p:nvSpPr>
-          <p:cNvPr id="293" name="Complexity Analysis: Improved"/>
+          <p:cNvPr id="313" name="Complexity Analysis: Improved"/>
           <p:cNvSpPr txBox="1"/>
           <p:nvPr>
             <p:ph type="title"/>
@@ -13050,7 +14697,7 @@
       </p:sp>
       <p:sp>
         <p:nvSpPr>
-          <p:cNvPr id="294" name="Node at height 1 moves at most 1 times…"/>
+          <p:cNvPr id="314" name="Node at height 1 moves at most 1 times…"/>
           <p:cNvSpPr txBox="1"/>
           <p:nvPr>
             <p:ph type="body" sz="half" idx="1"/>
@@ -13168,7 +14815,7 @@
       </p:sp>
       <p:sp>
         <p:nvSpPr>
-          <p:cNvPr id="295" name="Slide Number"/>
+          <p:cNvPr id="315" name="Slide Number"/>
           <p:cNvSpPr txBox="1"/>
           <p:nvPr>
             <p:ph type="sldNum" sz="quarter" idx="2"/>
@@ -13195,7 +14842,7 @@
       </p:sp>
       <p:sp>
         <p:nvSpPr>
-          <p:cNvPr id="296" name="DAA/Greedy Algorithms"/>
+          <p:cNvPr id="316" name="DAA/Greedy Algorithms"/>
           <p:cNvSpPr txBox="1"/>
           <p:nvPr/>
         </p:nvSpPr>
@@ -13235,7 +14882,7 @@
       </p:sp>
       <p:sp>
         <p:nvSpPr>
-          <p:cNvPr id="297" name="RPR/"/>
+          <p:cNvPr id="317" name="RPR/"/>
           <p:cNvSpPr txBox="1"/>
           <p:nvPr/>
         </p:nvSpPr>
@@ -13275,7 +14922,7 @@
       </p:sp>
       <p:sp>
         <p:nvSpPr>
-          <p:cNvPr id="298" name="Equation"/>
+          <p:cNvPr id="318" name="Equation"/>
           <p:cNvSpPr txBox="1"/>
           <p:nvPr/>
         </p:nvSpPr>
@@ -13750,7 +15397,7 @@
       </p:sp>
       <p:sp>
         <p:nvSpPr>
-          <p:cNvPr id="299" name="Some basic mathematics"/>
+          <p:cNvPr id="319" name="Some basic mathematics"/>
           <p:cNvSpPr txBox="1"/>
           <p:nvPr/>
         </p:nvSpPr>
@@ -13799,7 +15446,7 @@
       </p:sp>
       <p:sp>
         <p:nvSpPr>
-          <p:cNvPr id="300" name="Equation"/>
+          <p:cNvPr id="320" name="Equation"/>
           <p:cNvSpPr txBox="1"/>
           <p:nvPr/>
         </p:nvSpPr>
@@ -14074,7 +15721,7 @@
       </p:sp>
       <p:sp>
         <p:nvSpPr>
-          <p:cNvPr id="301" name="Differentiating both sides"/>
+          <p:cNvPr id="321" name="Differentiating both sides"/>
           <p:cNvSpPr txBox="1"/>
           <p:nvPr/>
         </p:nvSpPr>
@@ -14123,7 +15770,7 @@
       </p:sp>
       <p:sp>
         <p:nvSpPr>
-          <p:cNvPr id="302" name="Equation"/>
+          <p:cNvPr id="322" name="Equation"/>
           <p:cNvSpPr txBox="1"/>
           <p:nvPr/>
         </p:nvSpPr>
@@ -14674,7 +16321,7 @@
                                       <p:cBhvr>
                                         <p:cTn id="6" fill="hold"/>
                                         <p:tgtEl>
-                                          <p:spTgt spid="294">
+                                          <p:spTgt spid="314">
                                             <p:bg/>
                                           </p:spTgt>
                                         </p:tgtEl>
@@ -14702,7 +16349,7 @@
                                       <p:cBhvr>
                                         <p:cTn id="8" fill="hold"/>
                                         <p:tgtEl>
-                                          <p:spTgt spid="294">
+                                          <p:spTgt spid="314">
                                             <p:txEl>
                                               <p:pRg st="0" end="0"/>
                                             </p:txEl>
@@ -14750,7 +16397,7 @@
                                       <p:cBhvr>
                                         <p:cTn id="12" fill="hold"/>
                                         <p:tgtEl>
-                                          <p:spTgt spid="294">
+                                          <p:spTgt spid="314">
                                             <p:txEl>
                                               <p:pRg st="1" end="1"/>
                                             </p:txEl>
@@ -14798,7 +16445,7 @@
                                       <p:cBhvr>
                                         <p:cTn id="16" fill="hold"/>
                                         <p:tgtEl>
-                                          <p:spTgt spid="294">
+                                          <p:spTgt spid="314">
                                             <p:txEl>
                                               <p:pRg st="2" end="2"/>
                                             </p:txEl>
@@ -14846,7 +16493,7 @@
                                       <p:cBhvr>
                                         <p:cTn id="20" fill="hold"/>
                                         <p:tgtEl>
-                                          <p:spTgt spid="294">
+                                          <p:spTgt spid="314">
                                             <p:txEl>
                                               <p:pRg st="3" end="3"/>
                                             </p:txEl>
@@ -14894,7 +16541,7 @@
                                       <p:cBhvr>
                                         <p:cTn id="24" fill="hold"/>
                                         <p:tgtEl>
-                                          <p:spTgt spid="298"/>
+                                          <p:spTgt spid="318"/>
                                         </p:tgtEl>
                                         <p:attrNameLst>
                                           <p:attrName>style.visibility</p:attrName>
@@ -14938,7 +16585,7 @@
                                       <p:cBhvr>
                                         <p:cTn id="28" fill="hold"/>
                                         <p:tgtEl>
-                                          <p:spTgt spid="299">
+                                          <p:spTgt spid="319">
                                             <p:bg/>
                                           </p:spTgt>
                                         </p:tgtEl>
@@ -14966,7 +16613,7 @@
                                       <p:cBhvr>
                                         <p:cTn id="30" fill="hold"/>
                                         <p:tgtEl>
-                                          <p:spTgt spid="299">
+                                          <p:spTgt spid="319">
                                             <p:txEl>
                                               <p:pRg st="0" end="0"/>
                                             </p:txEl>
@@ -15014,7 +16661,7 @@
                                       <p:cBhvr>
                                         <p:cTn id="34" fill="hold"/>
                                         <p:tgtEl>
-                                          <p:spTgt spid="300"/>
+                                          <p:spTgt spid="320"/>
                                         </p:tgtEl>
                                         <p:attrNameLst>
                                           <p:attrName>style.visibility</p:attrName>
@@ -15058,7 +16705,7 @@
                                       <p:cBhvr>
                                         <p:cTn id="38" fill="hold"/>
                                         <p:tgtEl>
-                                          <p:spTgt spid="301">
+                                          <p:spTgt spid="321">
                                             <p:bg/>
                                           </p:spTgt>
                                         </p:tgtEl>
@@ -15086,7 +16733,7 @@
                                       <p:cBhvr>
                                         <p:cTn id="40" fill="hold"/>
                                         <p:tgtEl>
-                                          <p:spTgt spid="301">
+                                          <p:spTgt spid="321">
                                             <p:txEl>
                                               <p:pRg st="0" end="0"/>
                                             </p:txEl>
@@ -15134,7 +16781,7 @@
                                       <p:cBhvr>
                                         <p:cTn id="44" fill="hold"/>
                                         <p:tgtEl>
-                                          <p:spTgt spid="302"/>
+                                          <p:spTgt spid="322"/>
                                         </p:tgtEl>
                                         <p:attrNameLst>
                                           <p:attrName>style.visibility</p:attrName>
@@ -15175,12 +16822,12 @@
       </p:par>
     </p:tnLst>
     <p:bldLst>
-      <p:bldP build="p" bldLvl="5" animBg="1" rev="0" advAuto="0" spid="299" grpId="3"/>
-      <p:bldP build="whole" bldLvl="1" animBg="1" rev="0" advAuto="0" spid="300" grpId="4"/>
-      <p:bldP build="whole" bldLvl="1" animBg="1" rev="0" advAuto="0" spid="298" grpId="2"/>
-      <p:bldP build="whole" bldLvl="1" animBg="1" rev="0" advAuto="0" spid="302" grpId="6"/>
-      <p:bldP build="p" bldLvl="5" animBg="1" rev="0" advAuto="0" spid="294" grpId="1"/>
-      <p:bldP build="p" bldLvl="5" animBg="1" rev="0" advAuto="0" spid="301" grpId="5"/>
+      <p:bldP build="p" bldLvl="5" animBg="1" rev="0" advAuto="0" spid="314" grpId="1"/>
+      <p:bldP build="p" bldLvl="5" animBg="1" rev="0" advAuto="0" spid="319" grpId="3"/>
+      <p:bldP build="whole" bldLvl="1" animBg="1" rev="0" advAuto="0" spid="320" grpId="4"/>
+      <p:bldP build="p" bldLvl="5" animBg="1" rev="0" advAuto="0" spid="321" grpId="5"/>
+      <p:bldP build="whole" bldLvl="1" animBg="1" rev="0" advAuto="0" spid="322" grpId="6"/>
+      <p:bldP build="whole" bldLvl="1" animBg="1" rev="0" advAuto="0" spid="318" grpId="2"/>
     </p:bldLst>
   </p:timing>
 </p:sld>
@@ -15205,7 +16852,7 @@
       </p:grpSpPr>
       <p:sp>
         <p:nvSpPr>
-          <p:cNvPr id="304" name="Complexity Analysis: Improved"/>
+          <p:cNvPr id="324" name="Complexity Analysis: Improved"/>
           <p:cNvSpPr txBox="1"/>
           <p:nvPr>
             <p:ph type="title"/>
@@ -15229,7 +16876,7 @@
       </p:sp>
       <p:sp>
         <p:nvSpPr>
-          <p:cNvPr id="305" name="Slide Number"/>
+          <p:cNvPr id="325" name="Slide Number"/>
           <p:cNvSpPr txBox="1"/>
           <p:nvPr>
             <p:ph type="sldNum" sz="quarter" idx="2"/>
@@ -15256,7 +16903,7 @@
       </p:sp>
       <p:sp>
         <p:nvSpPr>
-          <p:cNvPr id="306" name="DAA/Greedy Algorithms"/>
+          <p:cNvPr id="326" name="DAA/Greedy Algorithms"/>
           <p:cNvSpPr txBox="1"/>
           <p:nvPr/>
         </p:nvSpPr>
@@ -15296,7 +16943,7 @@
       </p:sp>
       <p:sp>
         <p:nvSpPr>
-          <p:cNvPr id="307" name="RPR/"/>
+          <p:cNvPr id="327" name="RPR/"/>
           <p:cNvSpPr txBox="1"/>
           <p:nvPr/>
         </p:nvSpPr>
@@ -15336,7 +16983,7 @@
       </p:sp>
       <p:sp>
         <p:nvSpPr>
-          <p:cNvPr id="308" name="Taking x=1/2 in eqn (2) gives"/>
+          <p:cNvPr id="328" name="Taking x=1/2 in eqn (2) gives"/>
           <p:cNvSpPr txBox="1"/>
           <p:nvPr/>
         </p:nvSpPr>
@@ -15395,7 +17042,7 @@
       </p:sp>
       <p:sp>
         <p:nvSpPr>
-          <p:cNvPr id="309" name="Equation"/>
+          <p:cNvPr id="329" name="Equation"/>
           <p:cNvSpPr txBox="1"/>
           <p:nvPr/>
         </p:nvSpPr>
@@ -15721,7 +17368,7 @@
       </p:sp>
       <p:sp>
         <p:nvSpPr>
-          <p:cNvPr id="310" name="Equation"/>
+          <p:cNvPr id="330" name="Equation"/>
           <p:cNvSpPr txBox="1"/>
           <p:nvPr/>
         </p:nvSpPr>
@@ -15978,7 +17625,7 @@
       </p:sp>
       <p:sp>
         <p:nvSpPr>
-          <p:cNvPr id="311" name="Equation"/>
+          <p:cNvPr id="331" name="Equation"/>
           <p:cNvSpPr txBox="1"/>
           <p:nvPr/>
         </p:nvSpPr>
@@ -16157,7 +17804,7 @@
       </p:sp>
       <p:sp>
         <p:nvSpPr>
-          <p:cNvPr id="312" name="Thus eqn (1) becomes"/>
+          <p:cNvPr id="332" name="Thus eqn (1) becomes"/>
           <p:cNvSpPr txBox="1"/>
           <p:nvPr/>
         </p:nvSpPr>
@@ -16216,7 +17863,7 @@
       </p:sp>
       <p:sp>
         <p:nvSpPr>
-          <p:cNvPr id="313" name="Equation"/>
+          <p:cNvPr id="333" name="Equation"/>
           <p:cNvSpPr txBox="1"/>
           <p:nvPr/>
         </p:nvSpPr>
@@ -16551,7 +18198,7 @@
       </p:sp>
       <p:sp>
         <p:nvSpPr>
-          <p:cNvPr id="314" name="That is heap from the array can be built in O(n) time"/>
+          <p:cNvPr id="334" name="That is heap from the array can be built in O(n) time"/>
           <p:cNvSpPr txBox="1"/>
           <p:nvPr/>
         </p:nvSpPr>
@@ -16647,7 +18294,7 @@
                                       <p:cBhvr>
                                         <p:cTn id="6" fill="hold"/>
                                         <p:tgtEl>
-                                          <p:spTgt spid="308">
+                                          <p:spTgt spid="328">
                                             <p:bg/>
                                           </p:spTgt>
                                         </p:tgtEl>
@@ -16675,7 +18322,7 @@
                                       <p:cBhvr>
                                         <p:cTn id="8" fill="hold"/>
                                         <p:tgtEl>
-                                          <p:spTgt spid="308">
+                                          <p:spTgt spid="328">
                                             <p:txEl>
                                               <p:pRg st="0" end="0"/>
                                             </p:txEl>
@@ -16723,7 +18370,7 @@
                                       <p:cBhvr>
                                         <p:cTn id="12" fill="hold"/>
                                         <p:tgtEl>
-                                          <p:spTgt spid="309"/>
+                                          <p:spTgt spid="329"/>
                                         </p:tgtEl>
                                         <p:attrNameLst>
                                           <p:attrName>style.visibility</p:attrName>
@@ -16767,7 +18414,7 @@
                                       <p:cBhvr>
                                         <p:cTn id="16" fill="hold"/>
                                         <p:tgtEl>
-                                          <p:spTgt spid="310"/>
+                                          <p:spTgt spid="330"/>
                                         </p:tgtEl>
                                         <p:attrNameLst>
                                           <p:attrName>style.visibility</p:attrName>
@@ -16811,7 +18458,7 @@
                                       <p:cBhvr>
                                         <p:cTn id="20" fill="hold"/>
                                         <p:tgtEl>
-                                          <p:spTgt spid="311"/>
+                                          <p:spTgt spid="331"/>
                                         </p:tgtEl>
                                         <p:attrNameLst>
                                           <p:attrName>style.visibility</p:attrName>
@@ -16855,7 +18502,7 @@
                                       <p:cBhvr>
                                         <p:cTn id="24" fill="hold"/>
                                         <p:tgtEl>
-                                          <p:spTgt spid="312">
+                                          <p:spTgt spid="332">
                                             <p:bg/>
                                           </p:spTgt>
                                         </p:tgtEl>
@@ -16883,7 +18530,7 @@
                                       <p:cBhvr>
                                         <p:cTn id="26" fill="hold"/>
                                         <p:tgtEl>
-                                          <p:spTgt spid="312">
+                                          <p:spTgt spid="332">
                                             <p:txEl>
                                               <p:pRg st="0" end="0"/>
                                             </p:txEl>
@@ -16931,7 +18578,7 @@
                                       <p:cBhvr>
                                         <p:cTn id="30" fill="hold"/>
                                         <p:tgtEl>
-                                          <p:spTgt spid="313"/>
+                                          <p:spTgt spid="333"/>
                                         </p:tgtEl>
                                         <p:attrNameLst>
                                           <p:attrName>style.visibility</p:attrName>
@@ -16975,7 +18622,7 @@
                                       <p:cBhvr>
                                         <p:cTn id="34" fill="hold"/>
                                         <p:tgtEl>
-                                          <p:spTgt spid="314">
+                                          <p:spTgt spid="334">
                                             <p:bg/>
                                           </p:spTgt>
                                         </p:tgtEl>
@@ -17003,7 +18650,7 @@
                                       <p:cBhvr>
                                         <p:cTn id="36" fill="hold"/>
                                         <p:tgtEl>
-                                          <p:spTgt spid="314">
+                                          <p:spTgt spid="334">
                                             <p:txEl>
                                               <p:pRg st="0" end="0"/>
                                             </p:txEl>
@@ -17048,13 +18695,13 @@
       </p:par>
     </p:tnLst>
     <p:bldLst>
-      <p:bldP build="whole" bldLvl="1" animBg="1" rev="0" advAuto="0" spid="310" grpId="3"/>
-      <p:bldP build="p" bldLvl="5" animBg="1" rev="0" advAuto="0" spid="308" grpId="1"/>
-      <p:bldP build="p" bldLvl="5" animBg="1" rev="0" advAuto="0" spid="314" grpId="7"/>
-      <p:bldP build="p" bldLvl="5" animBg="1" rev="0" advAuto="0" spid="312" grpId="5"/>
-      <p:bldP build="whole" bldLvl="1" animBg="1" rev="0" advAuto="0" spid="309" grpId="2"/>
-      <p:bldP build="whole" bldLvl="1" animBg="1" rev="0" advAuto="0" spid="311" grpId="4"/>
-      <p:bldP build="whole" bldLvl="1" animBg="1" rev="0" advAuto="0" spid="313" grpId="6"/>
+      <p:bldP build="whole" bldLvl="1" animBg="1" rev="0" advAuto="0" spid="333" grpId="6"/>
+      <p:bldP build="whole" bldLvl="1" animBg="1" rev="0" advAuto="0" spid="331" grpId="4"/>
+      <p:bldP build="whole" bldLvl="1" animBg="1" rev="0" advAuto="0" spid="329" grpId="2"/>
+      <p:bldP build="whole" bldLvl="1" animBg="1" rev="0" advAuto="0" spid="330" grpId="3"/>
+      <p:bldP build="p" bldLvl="5" animBg="1" rev="0" advAuto="0" spid="332" grpId="5"/>
+      <p:bldP build="p" bldLvl="5" animBg="1" rev="0" advAuto="0" spid="328" grpId="1"/>
+      <p:bldP build="p" bldLvl="5" animBg="1" rev="0" advAuto="0" spid="334" grpId="7"/>
     </p:bldLst>
   </p:timing>
 </p:sld>
@@ -17079,7 +18726,7 @@
       </p:grpSpPr>
       <p:sp>
         <p:nvSpPr>
-          <p:cNvPr id="316" name="Summary"/>
+          <p:cNvPr id="336" name="Exercises:"/>
           <p:cNvSpPr txBox="1"/>
           <p:nvPr>
             <p:ph type="title"/>
@@ -17096,14 +18743,14 @@
           <a:p>
             <a:pPr/>
             <a:r>
-              <a:t>Summary</a:t>
+              <a:t>Exercises:</a:t>
             </a:r>
           </a:p>
         </p:txBody>
       </p:sp>
       <p:sp>
         <p:nvSpPr>
-          <p:cNvPr id="317" name="Priority queue…"/>
+          <p:cNvPr id="337" name="Consider the array…"/>
           <p:cNvSpPr txBox="1"/>
           <p:nvPr>
             <p:ph type="body" idx="1"/>
@@ -17120,56 +18767,76 @@
           <a:p>
             <a:pPr/>
             <a:r>
-              <a:t>Priority queue</a:t>
+              <a:t>Consider the array</a:t>
+            </a:r>
+          </a:p>
+          <a:p>
+            <a:pPr lvl="1">
+              <a:defRPr>
+                <a:latin typeface="Courier New"/>
+                <a:ea typeface="Courier New"/>
+                <a:cs typeface="Courier New"/>
+                <a:sym typeface="Courier New"/>
+              </a:defRPr>
+            </a:pPr>
+            <a:r>
+              <a:t>3,5,6,7,20,8,2,9,12,15,30,17</a:t>
+            </a:r>
+          </a:p>
+          <a:p>
+            <a:pPr lvl="1"/>
+            <a:r>
+              <a:t>Draw the Complete Binary Tree</a:t>
+            </a:r>
+          </a:p>
+          <a:p>
+            <a:pPr lvl="1"/>
+            <a:r>
+              <a:t>Heapify the tree.</a:t>
+            </a:r>
+          </a:p>
+          <a:p>
+            <a:pPr lvl="2"/>
+            <a:r>
+              <a:t>Workout the upates in array when heapifying.</a:t>
             </a:r>
           </a:p>
           <a:p>
             <a:pPr/>
             <a:r>
-              <a:t>3 Operations</a:t>
+              <a:t>In the above heap, insert the following items, one at a time.</a:t>
+            </a:r>
+          </a:p>
+          <a:p>
+            <a:pPr lvl="1">
+              <a:defRPr>
+                <a:latin typeface="Courier New"/>
+                <a:ea typeface="Courier New"/>
+                <a:cs typeface="Courier New"/>
+                <a:sym typeface="Courier New"/>
+              </a:defRPr>
+            </a:pPr>
+            <a:r>
+              <a:t>16, 21, 45</a:t>
+            </a:r>
+          </a:p>
+          <a:p>
+            <a:pPr/>
+            <a:r>
+              <a:t>Perform 3 DeleteMax operations</a:t>
             </a:r>
           </a:p>
           <a:p>
             <a:pPr lvl="1"/>
             <a:r>
-              <a:t>FindMin</a:t>
-            </a:r>
-          </a:p>
-          <a:p>
-            <a:pPr lvl="1"/>
-            <a:r>
-              <a:t>DeleteMin</a:t>
-            </a:r>
-          </a:p>
-          <a:p>
-            <a:pPr lvl="1"/>
-            <a:r>
-              <a:t>Add </a:t>
-            </a:r>
-          </a:p>
-          <a:p>
-            <a:pPr/>
-            <a:r>
-              <a:t>Heap</a:t>
-            </a:r>
-          </a:p>
-          <a:p>
-            <a:pPr/>
-            <a:r>
-              <a:t>Heapification (building an heap)</a:t>
-            </a:r>
-          </a:p>
-          <a:p>
-            <a:pPr/>
-            <a:r>
-              <a:t>Time complexity analysis</a:t>
+              <a:t>Show the heap structure after each delete</a:t>
             </a:r>
           </a:p>
         </p:txBody>
       </p:sp>
       <p:sp>
         <p:nvSpPr>
-          <p:cNvPr id="318" name="Slide Number"/>
+          <p:cNvPr id="338" name="Slide Number"/>
           <p:cNvSpPr txBox="1"/>
           <p:nvPr>
             <p:ph type="sldNum" sz="quarter" idx="2"/>
@@ -17196,7 +18863,7 @@
       </p:sp>
       <p:sp>
         <p:nvSpPr>
-          <p:cNvPr id="319" name="DAA/Greedy Algorithms"/>
+          <p:cNvPr id="339" name="DAA/Greedy Algorithms"/>
           <p:cNvSpPr txBox="1"/>
           <p:nvPr/>
         </p:nvSpPr>
@@ -17236,7 +18903,230 @@
       </p:sp>
       <p:sp>
         <p:nvSpPr>
-          <p:cNvPr id="320" name="RPR/"/>
+          <p:cNvPr id="340" name="RPR/"/>
+          <p:cNvSpPr txBox="1"/>
+          <p:nvPr/>
+        </p:nvSpPr>
+        <p:spPr>
+          <a:xfrm>
+            <a:off x="7535212" y="6988206"/>
+            <a:ext cx="705605" cy="382910"/>
+          </a:xfrm>
+          <a:prstGeom prst="rect">
+            <a:avLst/>
+          </a:prstGeom>
+          <a:ln w="12700">
+            <a:miter lim="400000"/>
+          </a:ln>
+          <a:extLst>
+            <a:ext uri="{C572A759-6A51-4108-AA02-DFA0A04FC94B}">
+              <ma14:wrappingTextBoxFlag xmlns:ma14="http://schemas.microsoft.com/office/mac/drawingml/2011/main" val="1"/>
+            </a:ext>
+          </a:extLst>
+        </p:spPr>
+        <p:txBody>
+          <a:bodyPr wrap="none" lIns="50800" tIns="50800" rIns="50800" bIns="50800" anchor="ctr">
+            <a:spAutoFit/>
+          </a:bodyPr>
+          <a:lstStyle>
+            <a:lvl1pPr>
+              <a:defRPr sz="2000"/>
+            </a:lvl1pPr>
+          </a:lstStyle>
+          <a:p>
+            <a:pPr/>
+            <a:r>
+              <a:t>RPR/</a:t>
+            </a:r>
+          </a:p>
+        </p:txBody>
+      </p:sp>
+    </p:spTree>
+  </p:cSld>
+  <p:clrMapOvr>
+    <a:masterClrMapping/>
+  </p:clrMapOvr>
+  <p:transition xmlns:p14="http://schemas.microsoft.com/office/powerpoint/2010/main" spd="med" advClick="1"/>
+</p:sld>
+</file>
+
+<file path=ppt/slides/slide18.xml><?xml version="1.0" encoding="utf-8"?>
+<p:sld xmlns:a="http://schemas.openxmlformats.org/drawingml/2006/main" xmlns:r="http://schemas.openxmlformats.org/officeDocument/2006/relationships" xmlns:p="http://schemas.openxmlformats.org/presentationml/2006/main" xmlns:m="http://schemas.openxmlformats.org/officeDocument/2006/math" xmlns:a14="http://schemas.microsoft.com/office/drawing/2010/main" showMasterSp="1" showMasterPhAnim="1">
+  <p:cSld>
+    <p:spTree>
+      <p:nvGrpSpPr>
+        <p:cNvPr id="1" name=""/>
+        <p:cNvGrpSpPr/>
+        <p:nvPr/>
+      </p:nvGrpSpPr>
+      <p:grpSpPr>
+        <a:xfrm>
+          <a:off x="0" y="0"/>
+          <a:ext cx="0" cy="0"/>
+          <a:chOff x="0" y="0"/>
+          <a:chExt cx="0" cy="0"/>
+        </a:xfrm>
+      </p:grpSpPr>
+      <p:sp>
+        <p:nvSpPr>
+          <p:cNvPr id="342" name="Summary"/>
+          <p:cNvSpPr txBox="1"/>
+          <p:nvPr>
+            <p:ph type="title"/>
+          </p:nvPr>
+        </p:nvSpPr>
+        <p:spPr>
+          <a:prstGeom prst="rect">
+            <a:avLst/>
+          </a:prstGeom>
+        </p:spPr>
+        <p:txBody>
+          <a:bodyPr/>
+          <a:lstStyle/>
+          <a:p>
+            <a:pPr/>
+            <a:r>
+              <a:t>Summary</a:t>
+            </a:r>
+          </a:p>
+        </p:txBody>
+      </p:sp>
+      <p:sp>
+        <p:nvSpPr>
+          <p:cNvPr id="343" name="Priority queue…"/>
+          <p:cNvSpPr txBox="1"/>
+          <p:nvPr>
+            <p:ph type="body" idx="1"/>
+          </p:nvPr>
+        </p:nvSpPr>
+        <p:spPr>
+          <a:prstGeom prst="rect">
+            <a:avLst/>
+          </a:prstGeom>
+        </p:spPr>
+        <p:txBody>
+          <a:bodyPr/>
+          <a:lstStyle/>
+          <a:p>
+            <a:pPr/>
+            <a:r>
+              <a:t>Priority queue</a:t>
+            </a:r>
+          </a:p>
+          <a:p>
+            <a:pPr/>
+            <a:r>
+              <a:t>3 Operations</a:t>
+            </a:r>
+          </a:p>
+          <a:p>
+            <a:pPr lvl="1"/>
+            <a:r>
+              <a:t>FindMin</a:t>
+            </a:r>
+          </a:p>
+          <a:p>
+            <a:pPr lvl="1"/>
+            <a:r>
+              <a:t>DeleteMin</a:t>
+            </a:r>
+          </a:p>
+          <a:p>
+            <a:pPr lvl="1"/>
+            <a:r>
+              <a:t>Add </a:t>
+            </a:r>
+          </a:p>
+          <a:p>
+            <a:pPr/>
+            <a:r>
+              <a:t>Heap</a:t>
+            </a:r>
+          </a:p>
+          <a:p>
+            <a:pPr/>
+            <a:r>
+              <a:t>Heapification (building an heap)</a:t>
+            </a:r>
+          </a:p>
+          <a:p>
+            <a:pPr/>
+            <a:r>
+              <a:t>Time complexity analysis</a:t>
+            </a:r>
+          </a:p>
+        </p:txBody>
+      </p:sp>
+      <p:sp>
+        <p:nvSpPr>
+          <p:cNvPr id="344" name="Slide Number"/>
+          <p:cNvSpPr txBox="1"/>
+          <p:nvPr>
+            <p:ph type="sldNum" sz="quarter" idx="2"/>
+          </p:nvPr>
+        </p:nvSpPr>
+        <p:spPr>
+          <a:prstGeom prst="rect">
+            <a:avLst/>
+          </a:prstGeom>
+          <a:extLst>
+            <a:ext uri="{C572A759-6A51-4108-AA02-DFA0A04FC94B}">
+              <ma14:wrappingTextBoxFlag xmlns:ma14="http://schemas.microsoft.com/office/mac/drawingml/2011/main" val="1"/>
+            </a:ext>
+          </a:extLst>
+        </p:spPr>
+        <p:txBody>
+          <a:bodyPr/>
+          <a:lstStyle/>
+          <a:p>
+            <a:pPr/>
+            <a:fld id="{86CB4B4D-7CA3-9044-876B-883B54F8677D}" type="slidenum"/>
+          </a:p>
+        </p:txBody>
+      </p:sp>
+      <p:sp>
+        <p:nvSpPr>
+          <p:cNvPr id="345" name="DAA/Greedy Algorithms"/>
+          <p:cNvSpPr txBox="1"/>
+          <p:nvPr/>
+        </p:nvSpPr>
+        <p:spPr>
+          <a:xfrm>
+            <a:off x="423212" y="6963885"/>
+            <a:ext cx="3244911" cy="431552"/>
+          </a:xfrm>
+          <a:prstGeom prst="rect">
+            <a:avLst/>
+          </a:prstGeom>
+          <a:ln w="12700">
+            <a:miter lim="400000"/>
+          </a:ln>
+          <a:extLst>
+            <a:ext uri="{C572A759-6A51-4108-AA02-DFA0A04FC94B}">
+              <ma14:wrappingTextBoxFlag xmlns:ma14="http://schemas.microsoft.com/office/mac/drawingml/2011/main" val="1"/>
+            </a:ext>
+          </a:extLst>
+        </p:spPr>
+        <p:txBody>
+          <a:bodyPr wrap="none" lIns="50800" tIns="50800" rIns="50800" bIns="50800" anchor="ctr">
+            <a:spAutoFit/>
+          </a:bodyPr>
+          <a:lstStyle>
+            <a:lvl1pPr>
+              <a:defRPr sz="2400"/>
+            </a:lvl1pPr>
+          </a:lstStyle>
+          <a:p>
+            <a:pPr/>
+            <a:r>
+              <a:t>DAA/Greedy Algorithms</a:t>
+            </a:r>
+          </a:p>
+        </p:txBody>
+      </p:sp>
+      <p:sp>
+        <p:nvSpPr>
+          <p:cNvPr id="346" name="RPR/"/>
           <p:cNvSpPr txBox="1"/>
           <p:nvPr/>
         </p:nvSpPr>
@@ -17313,7 +19203,7 @@
                                       <p:cBhvr>
                                         <p:cTn id="6" fill="hold"/>
                                         <p:tgtEl>
-                                          <p:spTgt spid="317">
+                                          <p:spTgt spid="343">
                                             <p:bg/>
                                           </p:spTgt>
                                         </p:tgtEl>
@@ -17341,7 +19231,7 @@
                                       <p:cBhvr>
                                         <p:cTn id="8" fill="hold"/>
                                         <p:tgtEl>
-                                          <p:spTgt spid="317">
+                                          <p:spTgt spid="343">
                                             <p:txEl>
                                               <p:pRg st="0" end="0"/>
                                             </p:txEl>
@@ -17389,7 +19279,7 @@
                                       <p:cBhvr>
                                         <p:cTn id="12" fill="hold"/>
                                         <p:tgtEl>
-                                          <p:spTgt spid="317">
+                                          <p:spTgt spid="343">
                                             <p:txEl>
                                               <p:pRg st="1" end="1"/>
                                             </p:txEl>
@@ -17437,7 +19327,7 @@
                                       <p:cBhvr>
                                         <p:cTn id="16" fill="hold"/>
                                         <p:tgtEl>
-                                          <p:spTgt spid="317">
+                                          <p:spTgt spid="343">
                                             <p:txEl>
                                               <p:pRg st="2" end="2"/>
                                             </p:txEl>
@@ -17485,7 +19375,7 @@
                                       <p:cBhvr>
                                         <p:cTn id="20" fill="hold"/>
                                         <p:tgtEl>
-                                          <p:spTgt spid="317">
+                                          <p:spTgt spid="343">
                                             <p:txEl>
                                               <p:pRg st="3" end="3"/>
                                             </p:txEl>
@@ -17533,7 +19423,7 @@
                                       <p:cBhvr>
                                         <p:cTn id="24" fill="hold"/>
                                         <p:tgtEl>
-                                          <p:spTgt spid="317">
+                                          <p:spTgt spid="343">
                                             <p:txEl>
                                               <p:pRg st="4" end="4"/>
                                             </p:txEl>
@@ -17581,7 +19471,7 @@
                                       <p:cBhvr>
                                         <p:cTn id="28" fill="hold"/>
                                         <p:tgtEl>
-                                          <p:spTgt spid="317">
+                                          <p:spTgt spid="343">
                                             <p:txEl>
                                               <p:pRg st="5" end="5"/>
                                             </p:txEl>
@@ -17629,7 +19519,7 @@
                                       <p:cBhvr>
                                         <p:cTn id="32" fill="hold"/>
                                         <p:tgtEl>
-                                          <p:spTgt spid="317">
+                                          <p:spTgt spid="343">
                                             <p:txEl>
                                               <p:pRg st="6" end="6"/>
                                             </p:txEl>
@@ -17677,7 +19567,7 @@
                                       <p:cBhvr>
                                         <p:cTn id="36" fill="hold"/>
                                         <p:tgtEl>
-                                          <p:spTgt spid="317">
+                                          <p:spTgt spid="343">
                                             <p:txEl>
                                               <p:pRg st="7" end="7"/>
                                             </p:txEl>
@@ -17722,7 +19612,7 @@
       </p:par>
     </p:tnLst>
     <p:bldLst>
-      <p:bldP build="p" bldLvl="5" animBg="1" rev="0" advAuto="0" spid="317" grpId="1"/>
+      <p:bldP build="p" bldLvl="5" animBg="1" rev="0" advAuto="0" spid="343" grpId="1"/>
     </p:bldLst>
   </p:timing>
 </p:sld>
@@ -18826,7 +20716,7 @@
           <a:p>
             <a:pPr lvl="3"/>
             <a:r>
-              <a:t>Delete an item highest priority</a:t>
+              <a:t>Delete an item with highest priority</a:t>
             </a:r>
           </a:p>
           <a:p>
@@ -20167,7 +22057,7 @@
       </p:sp>
       <p:sp>
         <p:nvSpPr>
-          <p:cNvPr id="72" name="Q: Identify if it a heap?"/>
+          <p:cNvPr id="72" name="Q: Identify if given binary tree is a heap?"/>
           <p:cNvSpPr txBox="1"/>
           <p:nvPr>
             <p:ph type="body" sz="quarter" idx="1"/>
@@ -20176,7 +22066,7 @@
         <p:spPr>
           <a:xfrm>
             <a:off x="533260" y="1172267"/>
-            <a:ext cx="5186762" cy="745811"/>
+            <a:ext cx="8126885" cy="745811"/>
           </a:xfrm>
           <a:prstGeom prst="rect">
             <a:avLst/>
@@ -20198,7 +22088,7 @@
           <a:p>
             <a:pPr/>
             <a:r>
-              <a:t>Q: Identify if it a heap?</a:t>
+              <a:t>Q: Identify if given binary tree is a heap?</a:t>
             </a:r>
           </a:p>
         </p:txBody>
@@ -22829,13 +24719,13 @@
       </p:par>
     </p:tnLst>
     <p:bldLst>
+      <p:bldP build="whole" bldLvl="1" animBg="1" rev="0" advAuto="0" spid="112" grpId="7"/>
+      <p:bldP build="p" bldLvl="5" animBg="1" rev="0" advAuto="0" spid="72" grpId="1"/>
+      <p:bldP build="whole" bldLvl="1" animBg="1" rev="0" advAuto="0" spid="110" grpId="3"/>
+      <p:bldP build="whole" bldLvl="1" animBg="1" rev="0" advAuto="0" spid="111" grpId="5"/>
       <p:bldP build="whole" bldLvl="1" animBg="1" rev="0" advAuto="0" spid="109" grpId="6"/>
-      <p:bldP build="whole" bldLvl="1" animBg="1" rev="0" advAuto="0" spid="110" grpId="3"/>
+      <p:bldP build="whole" bldLvl="1" animBg="1" rev="0" advAuto="0" spid="87" grpId="2"/>
       <p:bldP build="whole" bldLvl="1" animBg="1" rev="0" advAuto="0" spid="97" grpId="4"/>
-      <p:bldP build="whole" bldLvl="1" animBg="1" rev="0" advAuto="0" spid="112" grpId="7"/>
-      <p:bldP build="whole" bldLvl="1" animBg="1" rev="0" advAuto="0" spid="111" grpId="5"/>
-      <p:bldP build="whole" bldLvl="1" animBg="1" rev="0" advAuto="0" spid="87" grpId="2"/>
-      <p:bldP build="p" bldLvl="5" animBg="1" rev="0" advAuto="0" spid="72" grpId="1"/>
     </p:bldLst>
   </p:timing>
 </p:sld>
@@ -23808,7 +25698,7 @@
         <p:spPr>
           <a:xfrm>
             <a:off x="3515305" y="1062602"/>
-            <a:ext cx="6106932" cy="3165092"/>
+            <a:ext cx="6106932" cy="3994780"/>
           </a:xfrm>
           <a:prstGeom prst="rect">
             <a:avLst/>
@@ -23924,6 +25814,29 @@
                 <a:sym typeface="Courier New"/>
               </a:rPr>
               <a:t>n/2⌋</a:t>
+            </a:r>
+            <a:r>
+              <a:t> positions of the array</a:t>
+            </a:r>
+          </a:p>
+          <a:p>
+            <a:pPr marL="339725" indent="-300037">
+              <a:spcBef>
+                <a:spcPts val="200"/>
+              </a:spcBef>
+              <a:defRPr sz="3000"/>
+            </a:pPr>
+            <a:r>
+              <a:t>Leaf nodes are in last ⌈</a:t>
+            </a:r>
+            <a:r>
+              <a:rPr>
+                <a:latin typeface="Courier New"/>
+                <a:ea typeface="Courier New"/>
+                <a:cs typeface="Courier New"/>
+                <a:sym typeface="Courier New"/>
+              </a:rPr>
+              <a:t>n/2⌉</a:t>
             </a:r>
             <a:r>
               <a:t> positions of the array</a:t>
@@ -24536,7 +26449,7 @@
           <p:nvPr/>
         </p:nvGraphicFramePr>
         <p:xfrm>
-          <a:off x="688946" y="4674818"/>
+          <a:off x="688946" y="5572756"/>
           <a:ext cx="8178801" cy="521470"/>
         </p:xfrm>
         <a:graphic xmlns:a="http://schemas.openxmlformats.org/drawingml/2006/main">
@@ -25230,39 +27143,7 @@
                                       <p:cBhvr>
                                         <p:cTn id="6" fill="hold"/>
                                         <p:tgtEl>
-                                          <p:spTgt spid="121">
-                                            <p:bg/>
-                                          </p:spTgt>
-                                        </p:tgtEl>
-                                        <p:attrNameLst>
-                                          <p:attrName>style.visibility</p:attrName>
-                                        </p:attrNameLst>
-                                      </p:cBhvr>
-                                      <p:to>
-                                        <p:strVal val="visible"/>
-                                      </p:to>
-                                    </p:set>
-                                  </p:childTnLst>
-                                </p:cTn>
-                              </p:par>
-                              <p:par>
-                                <p:cTn id="7" presetClass="entr" nodeType="withEffect" presetSubtype="0" presetID="1" grpId="1" fill="hold">
-                                  <p:stCondLst>
-                                    <p:cond delay="0"/>
-                                  </p:stCondLst>
-                                  <p:iterate type="el" backwards="0">
-                                    <p:tmAbs val="0"/>
-                                  </p:iterate>
-                                  <p:childTnLst>
-                                    <p:set>
-                                      <p:cBhvr>
-                                        <p:cTn id="8" fill="hold"/>
-                                        <p:tgtEl>
-                                          <p:spTgt spid="121">
-                                            <p:txEl>
-                                              <p:pRg st="0" end="0"/>
-                                            </p:txEl>
-                                          </p:spTgt>
+                                          <p:spTgt spid="136"/>
                                         </p:tgtEl>
                                         <p:attrNameLst>
                                           <p:attrName>style.visibility</p:attrName>
@@ -25282,19 +27163,47 @@
                     </p:cTn>
                   </p:par>
                   <p:par>
-                    <p:cTn id="9" fill="hold">
+                    <p:cTn id="7" fill="hold">
                       <p:stCondLst>
                         <p:cond delay="indefinite"/>
                       </p:stCondLst>
                       <p:childTnLst>
                         <p:par>
-                          <p:cTn id="10" fill="hold">
+                          <p:cTn id="8" fill="hold">
                             <p:stCondLst>
                               <p:cond delay="0"/>
                             </p:stCondLst>
                             <p:childTnLst>
                               <p:par>
-                                <p:cTn id="11" presetClass="entr" nodeType="clickEffect" presetSubtype="0" presetID="1" grpId="1" fill="hold">
+                                <p:cTn id="9" presetClass="entr" nodeType="clickEffect" presetSubtype="0" presetID="1" grpId="2" fill="hold">
+                                  <p:stCondLst>
+                                    <p:cond delay="0"/>
+                                  </p:stCondLst>
+                                  <p:iterate type="el" backwards="0">
+                                    <p:tmAbs val="0"/>
+                                  </p:iterate>
+                                  <p:childTnLst>
+                                    <p:set>
+                                      <p:cBhvr>
+                                        <p:cTn id="10" fill="hold"/>
+                                        <p:tgtEl>
+                                          <p:spTgt spid="121">
+                                            <p:bg/>
+                                          </p:spTgt>
+                                        </p:tgtEl>
+                                        <p:attrNameLst>
+                                          <p:attrName>style.visibility</p:attrName>
+                                        </p:attrNameLst>
+                                      </p:cBhvr>
+                                      <p:to>
+                                        <p:strVal val="visible"/>
+                                      </p:to>
+                                    </p:set>
+                                  </p:childTnLst>
+                                </p:cTn>
+                              </p:par>
+                              <p:par>
+                                <p:cTn id="11" presetClass="entr" nodeType="withEffect" presetSubtype="0" presetID="1" grpId="2" fill="hold">
                                   <p:stCondLst>
                                     <p:cond delay="0"/>
                                   </p:stCondLst>
@@ -25308,7 +27217,7 @@
                                         <p:tgtEl>
                                           <p:spTgt spid="121">
                                             <p:txEl>
-                                              <p:pRg st="1" end="1"/>
+                                              <p:pRg st="0" end="0"/>
                                             </p:txEl>
                                           </p:spTgt>
                                         </p:tgtEl>
@@ -25342,7 +27251,7 @@
                             </p:stCondLst>
                             <p:childTnLst>
                               <p:par>
-                                <p:cTn id="15" presetClass="entr" nodeType="clickEffect" presetSubtype="0" presetID="1" grpId="1" fill="hold">
+                                <p:cTn id="15" presetClass="entr" nodeType="clickEffect" presetSubtype="0" presetID="1" grpId="2" fill="hold">
                                   <p:stCondLst>
                                     <p:cond delay="0"/>
                                   </p:stCondLst>
@@ -25356,7 +27265,7 @@
                                         <p:tgtEl>
                                           <p:spTgt spid="121">
                                             <p:txEl>
-                                              <p:pRg st="2" end="2"/>
+                                              <p:pRg st="1" end="1"/>
                                             </p:txEl>
                                           </p:spTgt>
                                         </p:tgtEl>
@@ -25390,7 +27299,7 @@
                             </p:stCondLst>
                             <p:childTnLst>
                               <p:par>
-                                <p:cTn id="19" presetClass="entr" nodeType="clickEffect" presetSubtype="0" presetID="1" grpId="1" fill="hold">
+                                <p:cTn id="19" presetClass="entr" nodeType="clickEffect" presetSubtype="0" presetID="1" grpId="2" fill="hold">
                                   <p:stCondLst>
                                     <p:cond delay="0"/>
                                   </p:stCondLst>
@@ -25404,7 +27313,7 @@
                                         <p:tgtEl>
                                           <p:spTgt spid="121">
                                             <p:txEl>
-                                              <p:pRg st="3" end="3"/>
+                                              <p:pRg st="2" end="2"/>
                                             </p:txEl>
                                           </p:spTgt>
                                         </p:tgtEl>
@@ -25450,7 +27359,59 @@
                                       <p:cBhvr>
                                         <p:cTn id="24" fill="hold"/>
                                         <p:tgtEl>
-                                          <p:spTgt spid="136"/>
+                                          <p:spTgt spid="121">
+                                            <p:txEl>
+                                              <p:pRg st="3" end="3"/>
+                                            </p:txEl>
+                                          </p:spTgt>
+                                        </p:tgtEl>
+                                        <p:attrNameLst>
+                                          <p:attrName>style.visibility</p:attrName>
+                                        </p:attrNameLst>
+                                      </p:cBhvr>
+                                      <p:to>
+                                        <p:strVal val="visible"/>
+                                      </p:to>
+                                    </p:set>
+                                  </p:childTnLst>
+                                </p:cTn>
+                              </p:par>
+                            </p:childTnLst>
+                          </p:cTn>
+                        </p:par>
+                      </p:childTnLst>
+                    </p:cTn>
+                  </p:par>
+                  <p:par>
+                    <p:cTn id="25" fill="hold">
+                      <p:stCondLst>
+                        <p:cond delay="indefinite"/>
+                      </p:stCondLst>
+                      <p:childTnLst>
+                        <p:par>
+                          <p:cTn id="26" fill="hold">
+                            <p:stCondLst>
+                              <p:cond delay="0"/>
+                            </p:stCondLst>
+                            <p:childTnLst>
+                              <p:par>
+                                <p:cTn id="27" presetClass="entr" nodeType="clickEffect" presetSubtype="0" presetID="1" grpId="2" fill="hold">
+                                  <p:stCondLst>
+                                    <p:cond delay="0"/>
+                                  </p:stCondLst>
+                                  <p:iterate type="el" backwards="0">
+                                    <p:tmAbs val="0"/>
+                                  </p:iterate>
+                                  <p:childTnLst>
+                                    <p:set>
+                                      <p:cBhvr>
+                                        <p:cTn id="28" fill="hold"/>
+                                        <p:tgtEl>
+                                          <p:spTgt spid="121">
+                                            <p:txEl>
+                                              <p:pRg st="4" end="4"/>
+                                            </p:txEl>
+                                          </p:spTgt>
                                         </p:tgtEl>
                                         <p:attrNameLst>
                                           <p:attrName>style.visibility</p:attrName>
@@ -25491,8 +27452,8 @@
       </p:par>
     </p:tnLst>
     <p:bldLst>
-      <p:bldP build="p" bldLvl="5" animBg="1" rev="0" advAuto="0" spid="121" grpId="1"/>
-      <p:bldP build="whole" bldLvl="1" animBg="1" rev="0" advAuto="0" spid="136" grpId="2"/>
+      <p:bldP build="p" bldLvl="5" animBg="1" rev="0" advAuto="0" spid="121" grpId="2"/>
+      <p:bldP build="whole" bldLvl="1" animBg="1" rev="0" advAuto="0" spid="136" grpId="1"/>
     </p:bldLst>
   </p:timing>
 </p:sld>
@@ -25636,7 +27597,7 @@
               <a:t>1</a:t>
             </a:r>
             <a:r>
-              <a:t>) for preceding parental node.</a:t>
+              <a:t>) for preceding parental nodes.</a:t>
             </a:r>
           </a:p>
         </p:txBody>
